--- a/A-lap-around-EEID/A-lap-around-EEID.pptx
+++ b/A-lap-around-EEID/A-lap-around-EEID.pptx
@@ -5,10 +5,10 @@
     <p:sldMasterId id="2147483666" r:id="rId4"/>
   </p:sldMasterIdLst>
   <p:notesMasterIdLst>
-    <p:notesMasterId r:id="rId42"/>
+    <p:notesMasterId r:id="rId34"/>
   </p:notesMasterIdLst>
   <p:handoutMasterIdLst>
-    <p:handoutMasterId r:id="rId43"/>
+    <p:handoutMasterId r:id="rId35"/>
   </p:handoutMasterIdLst>
   <p:sldIdLst>
     <p:sldId id="314" r:id="rId5"/>
@@ -17,37 +17,29 @@
     <p:sldId id="320" r:id="rId8"/>
     <p:sldId id="327" r:id="rId9"/>
     <p:sldId id="329" r:id="rId10"/>
-    <p:sldId id="330" r:id="rId11"/>
-    <p:sldId id="331" r:id="rId12"/>
-    <p:sldId id="328" r:id="rId13"/>
-    <p:sldId id="344" r:id="rId14"/>
+    <p:sldId id="331" r:id="rId11"/>
+    <p:sldId id="328" r:id="rId12"/>
+    <p:sldId id="344" r:id="rId13"/>
+    <p:sldId id="351" r:id="rId14"/>
     <p:sldId id="343" r:id="rId15"/>
     <p:sldId id="345" r:id="rId16"/>
     <p:sldId id="335" r:id="rId17"/>
-    <p:sldId id="347" r:id="rId18"/>
-    <p:sldId id="336" r:id="rId19"/>
-    <p:sldId id="337" r:id="rId20"/>
-    <p:sldId id="338" r:id="rId21"/>
-    <p:sldId id="334" r:id="rId22"/>
-    <p:sldId id="348" r:id="rId23"/>
-    <p:sldId id="349" r:id="rId24"/>
-    <p:sldId id="332" r:id="rId25"/>
-    <p:sldId id="318" r:id="rId26"/>
-    <p:sldId id="333" r:id="rId27"/>
-    <p:sldId id="346" r:id="rId28"/>
-    <p:sldId id="340" r:id="rId29"/>
-    <p:sldId id="319" r:id="rId30"/>
-    <p:sldId id="321" r:id="rId31"/>
-    <p:sldId id="322" r:id="rId32"/>
-    <p:sldId id="323" r:id="rId33"/>
-    <p:sldId id="324" r:id="rId34"/>
-    <p:sldId id="325" r:id="rId35"/>
-    <p:sldId id="326" r:id="rId36"/>
-    <p:sldId id="315" r:id="rId37"/>
-    <p:sldId id="316" r:id="rId38"/>
-    <p:sldId id="317" r:id="rId39"/>
-    <p:sldId id="339" r:id="rId40"/>
-    <p:sldId id="309" r:id="rId41"/>
+    <p:sldId id="350" r:id="rId18"/>
+    <p:sldId id="337" r:id="rId19"/>
+    <p:sldId id="347" r:id="rId20"/>
+    <p:sldId id="336" r:id="rId21"/>
+    <p:sldId id="338" r:id="rId22"/>
+    <p:sldId id="334" r:id="rId23"/>
+    <p:sldId id="348" r:id="rId24"/>
+    <p:sldId id="349" r:id="rId25"/>
+    <p:sldId id="352" r:id="rId26"/>
+    <p:sldId id="353" r:id="rId27"/>
+    <p:sldId id="332" r:id="rId28"/>
+    <p:sldId id="354" r:id="rId29"/>
+    <p:sldId id="318" r:id="rId30"/>
+    <p:sldId id="333" r:id="rId31"/>
+    <p:sldId id="346" r:id="rId32"/>
+    <p:sldId id="340" r:id="rId33"/>
   </p:sldIdLst>
   <p:sldSz cx="12192000" cy="6858000"/>
   <p:notesSz cx="6858000" cy="9144000"/>
@@ -274,7 +266,7 @@
           <a:p>
             <a:fld id="{F352A77B-D33C-49B3-A83C-450AA2ED72B3}" type="datetimeFigureOut">
               <a:rPr lang="en-US" smtClean="0"/>
-              <a:t>2/20/2025</a:t>
+              <a:t>2/25/2025</a:t>
             </a:fld>
             <a:endParaRPr lang="en-US" dirty="0"/>
           </a:p>
@@ -451,7 +443,7 @@
           <a:p>
             <a:fld id="{E38D8F9A-F5CB-4EF8-A859-ED5E107B9763}" type="datetimeFigureOut">
               <a:rPr lang="en-US" smtClean="0"/>
-              <a:t>2/20/2025</a:t>
+              <a:t>2/25/2025</a:t>
             </a:fld>
             <a:endParaRPr lang="en-US" dirty="0"/>
           </a:p>
@@ -810,7 +802,7 @@
         <p:cNvPr id="1" name="">
           <a:extLst>
             <a:ext uri="{FF2B5EF4-FFF2-40B4-BE49-F238E27FC236}">
-              <a16:creationId xmlns:a16="http://schemas.microsoft.com/office/drawing/2014/main" id="{81AE7A61-C4A1-26CC-6AEF-917392681702}"/>
+              <a16:creationId xmlns:a16="http://schemas.microsoft.com/office/drawing/2014/main" id="{1CA6D432-6459-3DD8-6C6D-7C4B5B184FBA}"/>
             </a:ext>
           </a:extLst>
         </p:cNvPr>
@@ -830,7 +822,7 @@
           <p:cNvPr id="2" name="Slide Image Placeholder 1">
             <a:extLst>
               <a:ext uri="{FF2B5EF4-FFF2-40B4-BE49-F238E27FC236}">
-                <a16:creationId xmlns:a16="http://schemas.microsoft.com/office/drawing/2014/main" id="{8A31DB4F-5268-32F9-B972-21D8DCE05229}"/>
+                <a16:creationId xmlns:a16="http://schemas.microsoft.com/office/drawing/2014/main" id="{978D3436-8C21-07EF-C5A4-CB0624DD482A}"/>
               </a:ext>
             </a:extLst>
           </p:cNvPr>
@@ -848,7 +840,7 @@
           <p:cNvPr id="3" name="Notes Placeholder 2">
             <a:extLst>
               <a:ext uri="{FF2B5EF4-FFF2-40B4-BE49-F238E27FC236}">
-                <a16:creationId xmlns:a16="http://schemas.microsoft.com/office/drawing/2014/main" id="{4D6989B9-1848-303B-717B-2F152F2C4B02}"/>
+                <a16:creationId xmlns:a16="http://schemas.microsoft.com/office/drawing/2014/main" id="{2E0E9884-1364-7084-6A55-B09642C755DA}"/>
               </a:ext>
             </a:extLst>
           </p:cNvPr>
@@ -873,7 +865,7 @@
           <p:cNvPr id="4" name="Slide Number Placeholder 3">
             <a:extLst>
               <a:ext uri="{FF2B5EF4-FFF2-40B4-BE49-F238E27FC236}">
-                <a16:creationId xmlns:a16="http://schemas.microsoft.com/office/drawing/2014/main" id="{F3879C7B-3661-20E6-458F-B740424CEC5A}"/>
+                <a16:creationId xmlns:a16="http://schemas.microsoft.com/office/drawing/2014/main" id="{E965C0BC-D5C6-B0BE-7BDC-CC9C6225A5E7}"/>
               </a:ext>
             </a:extLst>
           </p:cNvPr>
@@ -960,7 +952,7 @@
     </p:spTree>
     <p:extLst>
       <p:ext uri="{BB962C8B-B14F-4D97-AF65-F5344CB8AC3E}">
-        <p14:creationId xmlns:p14="http://schemas.microsoft.com/office/powerpoint/2010/main" val="3813544842"/>
+        <p14:creationId xmlns:p14="http://schemas.microsoft.com/office/powerpoint/2010/main" val="558535513"/>
       </p:ext>
     </p:extLst>
   </p:cSld>
@@ -1482,7 +1474,7 @@
         <p:cNvPr id="1" name="">
           <a:extLst>
             <a:ext uri="{FF2B5EF4-FFF2-40B4-BE49-F238E27FC236}">
-              <a16:creationId xmlns:a16="http://schemas.microsoft.com/office/drawing/2014/main" id="{8B9D9A34-4B2E-B4BE-1D1B-52D0C5F6C3D9}"/>
+              <a16:creationId xmlns:a16="http://schemas.microsoft.com/office/drawing/2014/main" id="{A893C912-323A-377F-031D-08F82052A4DF}"/>
             </a:ext>
           </a:extLst>
         </p:cNvPr>
@@ -1502,7 +1494,7 @@
           <p:cNvPr id="2" name="Slide Image Placeholder 1">
             <a:extLst>
               <a:ext uri="{FF2B5EF4-FFF2-40B4-BE49-F238E27FC236}">
-                <a16:creationId xmlns:a16="http://schemas.microsoft.com/office/drawing/2014/main" id="{06CCB3AD-6311-F00C-3F62-9C69AC2E9690}"/>
+                <a16:creationId xmlns:a16="http://schemas.microsoft.com/office/drawing/2014/main" id="{CBB034DC-5515-E2A2-6E01-7FE599B1FE50}"/>
               </a:ext>
             </a:extLst>
           </p:cNvPr>
@@ -1520,7 +1512,7 @@
           <p:cNvPr id="3" name="Notes Placeholder 2">
             <a:extLst>
               <a:ext uri="{FF2B5EF4-FFF2-40B4-BE49-F238E27FC236}">
-                <a16:creationId xmlns:a16="http://schemas.microsoft.com/office/drawing/2014/main" id="{98B8FC60-6A11-28A5-38DD-5EECD9C2E13C}"/>
+                <a16:creationId xmlns:a16="http://schemas.microsoft.com/office/drawing/2014/main" id="{6FDC59F4-C9F5-6C52-E1CA-287744F68D41}"/>
               </a:ext>
             </a:extLst>
           </p:cNvPr>
@@ -1545,7 +1537,7 @@
           <p:cNvPr id="4" name="Slide Number Placeholder 3">
             <a:extLst>
               <a:ext uri="{FF2B5EF4-FFF2-40B4-BE49-F238E27FC236}">
-                <a16:creationId xmlns:a16="http://schemas.microsoft.com/office/drawing/2014/main" id="{332962BD-D8D2-FF88-B2BC-003CC1FB308F}"/>
+                <a16:creationId xmlns:a16="http://schemas.microsoft.com/office/drawing/2014/main" id="{89F6F74E-D2FD-E845-5093-265BE5ABE578}"/>
               </a:ext>
             </a:extLst>
           </p:cNvPr>
@@ -1632,7 +1624,7 @@
     </p:spTree>
     <p:extLst>
       <p:ext uri="{BB962C8B-B14F-4D97-AF65-F5344CB8AC3E}">
-        <p14:creationId xmlns:p14="http://schemas.microsoft.com/office/powerpoint/2010/main" val="2898182040"/>
+        <p14:creationId xmlns:p14="http://schemas.microsoft.com/office/powerpoint/2010/main" val="1738100902"/>
       </p:ext>
     </p:extLst>
   </p:cSld>
@@ -1650,7 +1642,7 @@
         <p:cNvPr id="1" name="">
           <a:extLst>
             <a:ext uri="{FF2B5EF4-FFF2-40B4-BE49-F238E27FC236}">
-              <a16:creationId xmlns:a16="http://schemas.microsoft.com/office/drawing/2014/main" id="{EB5B9486-0758-5834-EA14-4F4844F7C792}"/>
+              <a16:creationId xmlns:a16="http://schemas.microsoft.com/office/drawing/2014/main" id="{315A15F1-884B-5969-365F-09C64D011B06}"/>
             </a:ext>
           </a:extLst>
         </p:cNvPr>
@@ -1670,7 +1662,7 @@
           <p:cNvPr id="2" name="Slide Image Placeholder 1">
             <a:extLst>
               <a:ext uri="{FF2B5EF4-FFF2-40B4-BE49-F238E27FC236}">
-                <a16:creationId xmlns:a16="http://schemas.microsoft.com/office/drawing/2014/main" id="{49E5D934-58AC-7563-04F2-A304C7B48249}"/>
+                <a16:creationId xmlns:a16="http://schemas.microsoft.com/office/drawing/2014/main" id="{BC261238-D4BA-982D-96DC-4902A7436BE0}"/>
               </a:ext>
             </a:extLst>
           </p:cNvPr>
@@ -1688,7 +1680,7 @@
           <p:cNvPr id="3" name="Notes Placeholder 2">
             <a:extLst>
               <a:ext uri="{FF2B5EF4-FFF2-40B4-BE49-F238E27FC236}">
-                <a16:creationId xmlns:a16="http://schemas.microsoft.com/office/drawing/2014/main" id="{0BC9DC63-817C-2583-314E-5FB92CD3E209}"/>
+                <a16:creationId xmlns:a16="http://schemas.microsoft.com/office/drawing/2014/main" id="{B536086E-4FD6-20C9-EF22-064BB5E07345}"/>
               </a:ext>
             </a:extLst>
           </p:cNvPr>
@@ -1713,7 +1705,7 @@
           <p:cNvPr id="4" name="Slide Number Placeholder 3">
             <a:extLst>
               <a:ext uri="{FF2B5EF4-FFF2-40B4-BE49-F238E27FC236}">
-                <a16:creationId xmlns:a16="http://schemas.microsoft.com/office/drawing/2014/main" id="{C37E3EE0-B9C2-A9D4-B927-B9E169EE44C8}"/>
+                <a16:creationId xmlns:a16="http://schemas.microsoft.com/office/drawing/2014/main" id="{3B38F3F6-65EE-0A6C-1958-0A05E484F906}"/>
               </a:ext>
             </a:extLst>
           </p:cNvPr>
@@ -1800,7 +1792,7 @@
     </p:spTree>
     <p:extLst>
       <p:ext uri="{BB962C8B-B14F-4D97-AF65-F5344CB8AC3E}">
-        <p14:creationId xmlns:p14="http://schemas.microsoft.com/office/powerpoint/2010/main" val="4103015778"/>
+        <p14:creationId xmlns:p14="http://schemas.microsoft.com/office/powerpoint/2010/main" val="1810900045"/>
       </p:ext>
     </p:extLst>
   </p:cSld>
@@ -1818,7 +1810,7 @@
         <p:cNvPr id="1" name="">
           <a:extLst>
             <a:ext uri="{FF2B5EF4-FFF2-40B4-BE49-F238E27FC236}">
-              <a16:creationId xmlns:a16="http://schemas.microsoft.com/office/drawing/2014/main" id="{315A15F1-884B-5969-365F-09C64D011B06}"/>
+              <a16:creationId xmlns:a16="http://schemas.microsoft.com/office/drawing/2014/main" id="{8B9D9A34-4B2E-B4BE-1D1B-52D0C5F6C3D9}"/>
             </a:ext>
           </a:extLst>
         </p:cNvPr>
@@ -1838,7 +1830,7 @@
           <p:cNvPr id="2" name="Slide Image Placeholder 1">
             <a:extLst>
               <a:ext uri="{FF2B5EF4-FFF2-40B4-BE49-F238E27FC236}">
-                <a16:creationId xmlns:a16="http://schemas.microsoft.com/office/drawing/2014/main" id="{BC261238-D4BA-982D-96DC-4902A7436BE0}"/>
+                <a16:creationId xmlns:a16="http://schemas.microsoft.com/office/drawing/2014/main" id="{06CCB3AD-6311-F00C-3F62-9C69AC2E9690}"/>
               </a:ext>
             </a:extLst>
           </p:cNvPr>
@@ -1856,7 +1848,7 @@
           <p:cNvPr id="3" name="Notes Placeholder 2">
             <a:extLst>
               <a:ext uri="{FF2B5EF4-FFF2-40B4-BE49-F238E27FC236}">
-                <a16:creationId xmlns:a16="http://schemas.microsoft.com/office/drawing/2014/main" id="{B536086E-4FD6-20C9-EF22-064BB5E07345}"/>
+                <a16:creationId xmlns:a16="http://schemas.microsoft.com/office/drawing/2014/main" id="{98B8FC60-6A11-28A5-38DD-5EECD9C2E13C}"/>
               </a:ext>
             </a:extLst>
           </p:cNvPr>
@@ -1881,7 +1873,7 @@
           <p:cNvPr id="4" name="Slide Number Placeholder 3">
             <a:extLst>
               <a:ext uri="{FF2B5EF4-FFF2-40B4-BE49-F238E27FC236}">
-                <a16:creationId xmlns:a16="http://schemas.microsoft.com/office/drawing/2014/main" id="{3B38F3F6-65EE-0A6C-1958-0A05E484F906}"/>
+                <a16:creationId xmlns:a16="http://schemas.microsoft.com/office/drawing/2014/main" id="{332962BD-D8D2-FF88-B2BC-003CC1FB308F}"/>
               </a:ext>
             </a:extLst>
           </p:cNvPr>
@@ -1968,7 +1960,7 @@
     </p:spTree>
     <p:extLst>
       <p:ext uri="{BB962C8B-B14F-4D97-AF65-F5344CB8AC3E}">
-        <p14:creationId xmlns:p14="http://schemas.microsoft.com/office/powerpoint/2010/main" val="1810900045"/>
+        <p14:creationId xmlns:p14="http://schemas.microsoft.com/office/powerpoint/2010/main" val="2898182040"/>
       </p:ext>
     </p:extLst>
   </p:cSld>
@@ -1986,7 +1978,7 @@
         <p:cNvPr id="1" name="">
           <a:extLst>
             <a:ext uri="{FF2B5EF4-FFF2-40B4-BE49-F238E27FC236}">
-              <a16:creationId xmlns:a16="http://schemas.microsoft.com/office/drawing/2014/main" id="{73722CEB-EBE3-3E1D-28E6-27DB7D9847E5}"/>
+              <a16:creationId xmlns:a16="http://schemas.microsoft.com/office/drawing/2014/main" id="{EB5B9486-0758-5834-EA14-4F4844F7C792}"/>
             </a:ext>
           </a:extLst>
         </p:cNvPr>
@@ -2006,7 +1998,7 @@
           <p:cNvPr id="2" name="Slide Image Placeholder 1">
             <a:extLst>
               <a:ext uri="{FF2B5EF4-FFF2-40B4-BE49-F238E27FC236}">
-                <a16:creationId xmlns:a16="http://schemas.microsoft.com/office/drawing/2014/main" id="{6D0DC4FC-4DD3-479B-3680-9CBECDA20B70}"/>
+                <a16:creationId xmlns:a16="http://schemas.microsoft.com/office/drawing/2014/main" id="{49E5D934-58AC-7563-04F2-A304C7B48249}"/>
               </a:ext>
             </a:extLst>
           </p:cNvPr>
@@ -2024,7 +2016,7 @@
           <p:cNvPr id="3" name="Notes Placeholder 2">
             <a:extLst>
               <a:ext uri="{FF2B5EF4-FFF2-40B4-BE49-F238E27FC236}">
-                <a16:creationId xmlns:a16="http://schemas.microsoft.com/office/drawing/2014/main" id="{7B4BBA26-A8F9-C347-4FB2-F1A75836B6DB}"/>
+                <a16:creationId xmlns:a16="http://schemas.microsoft.com/office/drawing/2014/main" id="{0BC9DC63-817C-2583-314E-5FB92CD3E209}"/>
               </a:ext>
             </a:extLst>
           </p:cNvPr>
@@ -2049,7 +2041,7 @@
           <p:cNvPr id="4" name="Slide Number Placeholder 3">
             <a:extLst>
               <a:ext uri="{FF2B5EF4-FFF2-40B4-BE49-F238E27FC236}">
-                <a16:creationId xmlns:a16="http://schemas.microsoft.com/office/drawing/2014/main" id="{E6531BEB-2685-EEA3-05C8-C84DCF16FF17}"/>
+                <a16:creationId xmlns:a16="http://schemas.microsoft.com/office/drawing/2014/main" id="{C37E3EE0-B9C2-A9D4-B927-B9E169EE44C8}"/>
               </a:ext>
             </a:extLst>
           </p:cNvPr>
@@ -2136,7 +2128,7 @@
     </p:spTree>
     <p:extLst>
       <p:ext uri="{BB962C8B-B14F-4D97-AF65-F5344CB8AC3E}">
-        <p14:creationId xmlns:p14="http://schemas.microsoft.com/office/powerpoint/2010/main" val="517139223"/>
+        <p14:creationId xmlns:p14="http://schemas.microsoft.com/office/powerpoint/2010/main" val="4103015778"/>
       </p:ext>
     </p:extLst>
   </p:cSld>
@@ -2154,7 +2146,7 @@
         <p:cNvPr id="1" name="">
           <a:extLst>
             <a:ext uri="{FF2B5EF4-FFF2-40B4-BE49-F238E27FC236}">
-              <a16:creationId xmlns:a16="http://schemas.microsoft.com/office/drawing/2014/main" id="{ED471FF0-85A3-A931-A8F5-01DEA6B20CB0}"/>
+              <a16:creationId xmlns:a16="http://schemas.microsoft.com/office/drawing/2014/main" id="{73722CEB-EBE3-3E1D-28E6-27DB7D9847E5}"/>
             </a:ext>
           </a:extLst>
         </p:cNvPr>
@@ -2174,7 +2166,7 @@
           <p:cNvPr id="2" name="Slide Image Placeholder 1">
             <a:extLst>
               <a:ext uri="{FF2B5EF4-FFF2-40B4-BE49-F238E27FC236}">
-                <a16:creationId xmlns:a16="http://schemas.microsoft.com/office/drawing/2014/main" id="{DB3BFEAE-C51F-90E8-064A-94A37464B6D1}"/>
+                <a16:creationId xmlns:a16="http://schemas.microsoft.com/office/drawing/2014/main" id="{6D0DC4FC-4DD3-479B-3680-9CBECDA20B70}"/>
               </a:ext>
             </a:extLst>
           </p:cNvPr>
@@ -2192,7 +2184,7 @@
           <p:cNvPr id="3" name="Notes Placeholder 2">
             <a:extLst>
               <a:ext uri="{FF2B5EF4-FFF2-40B4-BE49-F238E27FC236}">
-                <a16:creationId xmlns:a16="http://schemas.microsoft.com/office/drawing/2014/main" id="{A5A51D23-21B9-C2AA-A89F-EE1A535F8371}"/>
+                <a16:creationId xmlns:a16="http://schemas.microsoft.com/office/drawing/2014/main" id="{7B4BBA26-A8F9-C347-4FB2-F1A75836B6DB}"/>
               </a:ext>
             </a:extLst>
           </p:cNvPr>
@@ -2217,7 +2209,7 @@
           <p:cNvPr id="4" name="Slide Number Placeholder 3">
             <a:extLst>
               <a:ext uri="{FF2B5EF4-FFF2-40B4-BE49-F238E27FC236}">
-                <a16:creationId xmlns:a16="http://schemas.microsoft.com/office/drawing/2014/main" id="{969F3477-1AC0-BABA-C4DA-0D922CE681B9}"/>
+                <a16:creationId xmlns:a16="http://schemas.microsoft.com/office/drawing/2014/main" id="{E6531BEB-2685-EEA3-05C8-C84DCF16FF17}"/>
               </a:ext>
             </a:extLst>
           </p:cNvPr>
@@ -2304,7 +2296,7 @@
     </p:spTree>
     <p:extLst>
       <p:ext uri="{BB962C8B-B14F-4D97-AF65-F5344CB8AC3E}">
-        <p14:creationId xmlns:p14="http://schemas.microsoft.com/office/powerpoint/2010/main" val="1339641922"/>
+        <p14:creationId xmlns:p14="http://schemas.microsoft.com/office/powerpoint/2010/main" val="517139223"/>
       </p:ext>
     </p:extLst>
   </p:cSld>
@@ -2322,7 +2314,7 @@
         <p:cNvPr id="1" name="">
           <a:extLst>
             <a:ext uri="{FF2B5EF4-FFF2-40B4-BE49-F238E27FC236}">
-              <a16:creationId xmlns:a16="http://schemas.microsoft.com/office/drawing/2014/main" id="{412E87EB-3E97-09D5-DC6D-31E699AD8D16}"/>
+              <a16:creationId xmlns:a16="http://schemas.microsoft.com/office/drawing/2014/main" id="{ED471FF0-85A3-A931-A8F5-01DEA6B20CB0}"/>
             </a:ext>
           </a:extLst>
         </p:cNvPr>
@@ -2342,7 +2334,7 @@
           <p:cNvPr id="2" name="Slide Image Placeholder 1">
             <a:extLst>
               <a:ext uri="{FF2B5EF4-FFF2-40B4-BE49-F238E27FC236}">
-                <a16:creationId xmlns:a16="http://schemas.microsoft.com/office/drawing/2014/main" id="{DA7FC8E3-64EC-9962-E1E1-2918C5492C93}"/>
+                <a16:creationId xmlns:a16="http://schemas.microsoft.com/office/drawing/2014/main" id="{DB3BFEAE-C51F-90E8-064A-94A37464B6D1}"/>
               </a:ext>
             </a:extLst>
           </p:cNvPr>
@@ -2360,7 +2352,7 @@
           <p:cNvPr id="3" name="Notes Placeholder 2">
             <a:extLst>
               <a:ext uri="{FF2B5EF4-FFF2-40B4-BE49-F238E27FC236}">
-                <a16:creationId xmlns:a16="http://schemas.microsoft.com/office/drawing/2014/main" id="{1B2F3402-C2A6-D782-20E0-DABB3657421C}"/>
+                <a16:creationId xmlns:a16="http://schemas.microsoft.com/office/drawing/2014/main" id="{A5A51D23-21B9-C2AA-A89F-EE1A535F8371}"/>
               </a:ext>
             </a:extLst>
           </p:cNvPr>
@@ -2385,7 +2377,7 @@
           <p:cNvPr id="4" name="Slide Number Placeholder 3">
             <a:extLst>
               <a:ext uri="{FF2B5EF4-FFF2-40B4-BE49-F238E27FC236}">
-                <a16:creationId xmlns:a16="http://schemas.microsoft.com/office/drawing/2014/main" id="{44B8BFCF-6EDC-1AC5-6E72-7CEA674E6388}"/>
+                <a16:creationId xmlns:a16="http://schemas.microsoft.com/office/drawing/2014/main" id="{969F3477-1AC0-BABA-C4DA-0D922CE681B9}"/>
               </a:ext>
             </a:extLst>
           </p:cNvPr>
@@ -2472,7 +2464,7 @@
     </p:spTree>
     <p:extLst>
       <p:ext uri="{BB962C8B-B14F-4D97-AF65-F5344CB8AC3E}">
-        <p14:creationId xmlns:p14="http://schemas.microsoft.com/office/powerpoint/2010/main" val="421203010"/>
+        <p14:creationId xmlns:p14="http://schemas.microsoft.com/office/powerpoint/2010/main" val="1339641922"/>
       </p:ext>
     </p:extLst>
   </p:cSld>
@@ -2658,7 +2650,7 @@
         <p:cNvPr id="1" name="">
           <a:extLst>
             <a:ext uri="{FF2B5EF4-FFF2-40B4-BE49-F238E27FC236}">
-              <a16:creationId xmlns:a16="http://schemas.microsoft.com/office/drawing/2014/main" id="{4BBCD4ED-213C-730F-BA80-0B15F54531D8}"/>
+              <a16:creationId xmlns:a16="http://schemas.microsoft.com/office/drawing/2014/main" id="{412E87EB-3E97-09D5-DC6D-31E699AD8D16}"/>
             </a:ext>
           </a:extLst>
         </p:cNvPr>
@@ -2678,7 +2670,7 @@
           <p:cNvPr id="2" name="Slide Image Placeholder 1">
             <a:extLst>
               <a:ext uri="{FF2B5EF4-FFF2-40B4-BE49-F238E27FC236}">
-                <a16:creationId xmlns:a16="http://schemas.microsoft.com/office/drawing/2014/main" id="{158D3A75-277A-3E5A-CFDE-10BBF14E67A7}"/>
+                <a16:creationId xmlns:a16="http://schemas.microsoft.com/office/drawing/2014/main" id="{DA7FC8E3-64EC-9962-E1E1-2918C5492C93}"/>
               </a:ext>
             </a:extLst>
           </p:cNvPr>
@@ -2696,7 +2688,7 @@
           <p:cNvPr id="3" name="Notes Placeholder 2">
             <a:extLst>
               <a:ext uri="{FF2B5EF4-FFF2-40B4-BE49-F238E27FC236}">
-                <a16:creationId xmlns:a16="http://schemas.microsoft.com/office/drawing/2014/main" id="{B9C0739B-9856-E4A9-B003-442DE23AEE1B}"/>
+                <a16:creationId xmlns:a16="http://schemas.microsoft.com/office/drawing/2014/main" id="{1B2F3402-C2A6-D782-20E0-DABB3657421C}"/>
               </a:ext>
             </a:extLst>
           </p:cNvPr>
@@ -2721,115 +2713,7 @@
           <p:cNvPr id="4" name="Slide Number Placeholder 3">
             <a:extLst>
               <a:ext uri="{FF2B5EF4-FFF2-40B4-BE49-F238E27FC236}">
-                <a16:creationId xmlns:a16="http://schemas.microsoft.com/office/drawing/2014/main" id="{24A5E2F5-5CE6-757E-46A2-86705C9F40C5}"/>
-              </a:ext>
-            </a:extLst>
-          </p:cNvPr>
-          <p:cNvSpPr>
-            <a:spLocks noGrp="1"/>
-          </p:cNvSpPr>
-          <p:nvPr>
-            <p:ph type="sldNum" sz="quarter" idx="5"/>
-          </p:nvPr>
-        </p:nvSpPr>
-        <p:spPr/>
-        <p:txBody>
-          <a:bodyPr/>
-          <a:lstStyle/>
-          <a:p>
-            <a:fld id="{D4B9A9E5-4F7F-4A7D-9DE1-899232329269}" type="slidenum">
-              <a:rPr lang="en-US" smtClean="0"/>
-              <a:t>20</a:t>
-            </a:fld>
-            <a:endParaRPr lang="en-US" dirty="0"/>
-          </a:p>
-        </p:txBody>
-      </p:sp>
-    </p:spTree>
-    <p:extLst>
-      <p:ext uri="{BB962C8B-B14F-4D97-AF65-F5344CB8AC3E}">
-        <p14:creationId xmlns:p14="http://schemas.microsoft.com/office/powerpoint/2010/main" val="2288069069"/>
-      </p:ext>
-    </p:extLst>
-  </p:cSld>
-  <p:clrMapOvr>
-    <a:masterClrMapping/>
-  </p:clrMapOvr>
-</p:notes>
-</file>
-
-<file path=ppt/notesSlides/notesSlide21.xml><?xml version="1.0" encoding="utf-8"?>
-<p:notes xmlns:a="http://schemas.openxmlformats.org/drawingml/2006/main" xmlns:r="http://schemas.openxmlformats.org/officeDocument/2006/relationships" xmlns:p="http://schemas.openxmlformats.org/presentationml/2006/main">
-  <p:cSld>
-    <p:spTree>
-      <p:nvGrpSpPr>
-        <p:cNvPr id="1" name="">
-          <a:extLst>
-            <a:ext uri="{FF2B5EF4-FFF2-40B4-BE49-F238E27FC236}">
-              <a16:creationId xmlns:a16="http://schemas.microsoft.com/office/drawing/2014/main" id="{A75F6339-5539-3EE1-35D3-FE821CC18E30}"/>
-            </a:ext>
-          </a:extLst>
-        </p:cNvPr>
-        <p:cNvGrpSpPr/>
-        <p:nvPr/>
-      </p:nvGrpSpPr>
-      <p:grpSpPr>
-        <a:xfrm>
-          <a:off x="0" y="0"/>
-          <a:ext cx="0" cy="0"/>
-          <a:chOff x="0" y="0"/>
-          <a:chExt cx="0" cy="0"/>
-        </a:xfrm>
-      </p:grpSpPr>
-      <p:sp>
-        <p:nvSpPr>
-          <p:cNvPr id="2" name="Slide Image Placeholder 1">
-            <a:extLst>
-              <a:ext uri="{FF2B5EF4-FFF2-40B4-BE49-F238E27FC236}">
-                <a16:creationId xmlns:a16="http://schemas.microsoft.com/office/drawing/2014/main" id="{916E2500-A322-D724-16BC-9C6861383316}"/>
-              </a:ext>
-            </a:extLst>
-          </p:cNvPr>
-          <p:cNvSpPr>
-            <a:spLocks noGrp="1" noRot="1" noChangeAspect="1"/>
-          </p:cNvSpPr>
-          <p:nvPr>
-            <p:ph type="sldImg"/>
-          </p:nvPr>
-        </p:nvSpPr>
-        <p:spPr/>
-      </p:sp>
-      <p:sp>
-        <p:nvSpPr>
-          <p:cNvPr id="3" name="Notes Placeholder 2">
-            <a:extLst>
-              <a:ext uri="{FF2B5EF4-FFF2-40B4-BE49-F238E27FC236}">
-                <a16:creationId xmlns:a16="http://schemas.microsoft.com/office/drawing/2014/main" id="{D882C2C1-48CE-DB42-9B8D-5B9726807FF9}"/>
-              </a:ext>
-            </a:extLst>
-          </p:cNvPr>
-          <p:cNvSpPr>
-            <a:spLocks noGrp="1"/>
-          </p:cNvSpPr>
-          <p:nvPr>
-            <p:ph type="body" idx="1"/>
-          </p:nvPr>
-        </p:nvSpPr>
-        <p:spPr/>
-        <p:txBody>
-          <a:bodyPr/>
-          <a:lstStyle/>
-          <a:p>
-            <a:endParaRPr lang="en-US" dirty="0"/>
-          </a:p>
-        </p:txBody>
-      </p:sp>
-      <p:sp>
-        <p:nvSpPr>
-          <p:cNvPr id="4" name="Slide Number Placeholder 3">
-            <a:extLst>
-              <a:ext uri="{FF2B5EF4-FFF2-40B4-BE49-F238E27FC236}">
-                <a16:creationId xmlns:a16="http://schemas.microsoft.com/office/drawing/2014/main" id="{554D7FE9-65D5-040B-89EF-D7DA47F8BF68}"/>
+                <a16:creationId xmlns:a16="http://schemas.microsoft.com/office/drawing/2014/main" id="{44B8BFCF-6EDC-1AC5-6E72-7CEA674E6388}"/>
               </a:ext>
             </a:extLst>
           </p:cNvPr>
@@ -2894,7 +2778,7 @@
                 <a:tabLst/>
                 <a:defRPr/>
               </a:pPr>
-              <a:t>21</a:t>
+              <a:t>20</a:t>
             </a:fld>
             <a:endParaRPr kumimoji="0" lang="en-US" sz="1200" b="0" i="0" u="none" strike="noStrike" kern="1200" cap="none" spc="0" normalizeH="0" baseline="0" noProof="0" dirty="0">
               <a:ln>
@@ -2916,7 +2800,115 @@
     </p:spTree>
     <p:extLst>
       <p:ext uri="{BB962C8B-B14F-4D97-AF65-F5344CB8AC3E}">
-        <p14:creationId xmlns:p14="http://schemas.microsoft.com/office/powerpoint/2010/main" val="1720028607"/>
+        <p14:creationId xmlns:p14="http://schemas.microsoft.com/office/powerpoint/2010/main" val="421203010"/>
+      </p:ext>
+    </p:extLst>
+  </p:cSld>
+  <p:clrMapOvr>
+    <a:masterClrMapping/>
+  </p:clrMapOvr>
+</p:notes>
+</file>
+
+<file path=ppt/notesSlides/notesSlide21.xml><?xml version="1.0" encoding="utf-8"?>
+<p:notes xmlns:a="http://schemas.openxmlformats.org/drawingml/2006/main" xmlns:r="http://schemas.openxmlformats.org/officeDocument/2006/relationships" xmlns:p="http://schemas.openxmlformats.org/presentationml/2006/main">
+  <p:cSld>
+    <p:spTree>
+      <p:nvGrpSpPr>
+        <p:cNvPr id="1" name="">
+          <a:extLst>
+            <a:ext uri="{FF2B5EF4-FFF2-40B4-BE49-F238E27FC236}">
+              <a16:creationId xmlns:a16="http://schemas.microsoft.com/office/drawing/2014/main" id="{4BBCD4ED-213C-730F-BA80-0B15F54531D8}"/>
+            </a:ext>
+          </a:extLst>
+        </p:cNvPr>
+        <p:cNvGrpSpPr/>
+        <p:nvPr/>
+      </p:nvGrpSpPr>
+      <p:grpSpPr>
+        <a:xfrm>
+          <a:off x="0" y="0"/>
+          <a:ext cx="0" cy="0"/>
+          <a:chOff x="0" y="0"/>
+          <a:chExt cx="0" cy="0"/>
+        </a:xfrm>
+      </p:grpSpPr>
+      <p:sp>
+        <p:nvSpPr>
+          <p:cNvPr id="2" name="Slide Image Placeholder 1">
+            <a:extLst>
+              <a:ext uri="{FF2B5EF4-FFF2-40B4-BE49-F238E27FC236}">
+                <a16:creationId xmlns:a16="http://schemas.microsoft.com/office/drawing/2014/main" id="{158D3A75-277A-3E5A-CFDE-10BBF14E67A7}"/>
+              </a:ext>
+            </a:extLst>
+          </p:cNvPr>
+          <p:cNvSpPr>
+            <a:spLocks noGrp="1" noRot="1" noChangeAspect="1"/>
+          </p:cNvSpPr>
+          <p:nvPr>
+            <p:ph type="sldImg"/>
+          </p:nvPr>
+        </p:nvSpPr>
+        <p:spPr/>
+      </p:sp>
+      <p:sp>
+        <p:nvSpPr>
+          <p:cNvPr id="3" name="Notes Placeholder 2">
+            <a:extLst>
+              <a:ext uri="{FF2B5EF4-FFF2-40B4-BE49-F238E27FC236}">
+                <a16:creationId xmlns:a16="http://schemas.microsoft.com/office/drawing/2014/main" id="{B9C0739B-9856-E4A9-B003-442DE23AEE1B}"/>
+              </a:ext>
+            </a:extLst>
+          </p:cNvPr>
+          <p:cNvSpPr>
+            <a:spLocks noGrp="1"/>
+          </p:cNvSpPr>
+          <p:nvPr>
+            <p:ph type="body" idx="1"/>
+          </p:nvPr>
+        </p:nvSpPr>
+        <p:spPr/>
+        <p:txBody>
+          <a:bodyPr/>
+          <a:lstStyle/>
+          <a:p>
+            <a:endParaRPr lang="en-US" dirty="0"/>
+          </a:p>
+        </p:txBody>
+      </p:sp>
+      <p:sp>
+        <p:nvSpPr>
+          <p:cNvPr id="4" name="Slide Number Placeholder 3">
+            <a:extLst>
+              <a:ext uri="{FF2B5EF4-FFF2-40B4-BE49-F238E27FC236}">
+                <a16:creationId xmlns:a16="http://schemas.microsoft.com/office/drawing/2014/main" id="{24A5E2F5-5CE6-757E-46A2-86705C9F40C5}"/>
+              </a:ext>
+            </a:extLst>
+          </p:cNvPr>
+          <p:cNvSpPr>
+            <a:spLocks noGrp="1"/>
+          </p:cNvSpPr>
+          <p:nvPr>
+            <p:ph type="sldNum" sz="quarter" idx="5"/>
+          </p:nvPr>
+        </p:nvSpPr>
+        <p:spPr/>
+        <p:txBody>
+          <a:bodyPr/>
+          <a:lstStyle/>
+          <a:p>
+            <a:fld id="{D4B9A9E5-4F7F-4A7D-9DE1-899232329269}" type="slidenum">
+              <a:rPr lang="en-US" smtClean="0"/>
+              <a:t>21</a:t>
+            </a:fld>
+            <a:endParaRPr lang="en-US" dirty="0"/>
+          </a:p>
+        </p:txBody>
+      </p:sp>
+    </p:spTree>
+    <p:extLst>
+      <p:ext uri="{BB962C8B-B14F-4D97-AF65-F5344CB8AC3E}">
+        <p14:creationId xmlns:p14="http://schemas.microsoft.com/office/powerpoint/2010/main" val="2288069069"/>
       </p:ext>
     </p:extLst>
   </p:cSld>
@@ -2931,7 +2923,13 @@
   <p:cSld>
     <p:spTree>
       <p:nvGrpSpPr>
-        <p:cNvPr id="1" name=""/>
+        <p:cNvPr id="1" name="">
+          <a:extLst>
+            <a:ext uri="{FF2B5EF4-FFF2-40B4-BE49-F238E27FC236}">
+              <a16:creationId xmlns:a16="http://schemas.microsoft.com/office/drawing/2014/main" id="{03CB8ED5-7ED5-3EC7-6F52-90E8DCEF7D0C}"/>
+            </a:ext>
+          </a:extLst>
+        </p:cNvPr>
         <p:cNvGrpSpPr/>
         <p:nvPr/>
       </p:nvGrpSpPr>
@@ -2945,7 +2943,13 @@
       </p:grpSpPr>
       <p:sp>
         <p:nvSpPr>
-          <p:cNvPr id="2" name="Slide Image Placeholder 1"/>
+          <p:cNvPr id="2" name="Slide Image Placeholder 1">
+            <a:extLst>
+              <a:ext uri="{FF2B5EF4-FFF2-40B4-BE49-F238E27FC236}">
+                <a16:creationId xmlns:a16="http://schemas.microsoft.com/office/drawing/2014/main" id="{4E26F2DE-9FCA-D424-15FE-D53CAC23CAA8}"/>
+              </a:ext>
+            </a:extLst>
+          </p:cNvPr>
           <p:cNvSpPr>
             <a:spLocks noGrp="1" noRot="1" noChangeAspect="1"/>
           </p:cNvSpPr>
@@ -2957,7 +2961,13 @@
       </p:sp>
       <p:sp>
         <p:nvSpPr>
-          <p:cNvPr id="3" name="Notes Placeholder 2"/>
+          <p:cNvPr id="3" name="Notes Placeholder 2">
+            <a:extLst>
+              <a:ext uri="{FF2B5EF4-FFF2-40B4-BE49-F238E27FC236}">
+                <a16:creationId xmlns:a16="http://schemas.microsoft.com/office/drawing/2014/main" id="{F4FA1E2A-D743-FB11-4895-2621A1D40277}"/>
+              </a:ext>
+            </a:extLst>
+          </p:cNvPr>
           <p:cNvSpPr>
             <a:spLocks noGrp="1"/>
           </p:cNvSpPr>
@@ -2976,7 +2986,13 @@
       </p:sp>
       <p:sp>
         <p:nvSpPr>
-          <p:cNvPr id="4" name="Slide Number Placeholder 3"/>
+          <p:cNvPr id="4" name="Slide Number Placeholder 3">
+            <a:extLst>
+              <a:ext uri="{FF2B5EF4-FFF2-40B4-BE49-F238E27FC236}">
+                <a16:creationId xmlns:a16="http://schemas.microsoft.com/office/drawing/2014/main" id="{3EEFDFC0-92FB-1E05-499A-C1691A5D1A9A}"/>
+              </a:ext>
+            </a:extLst>
+          </p:cNvPr>
           <p:cNvSpPr>
             <a:spLocks noGrp="1"/>
           </p:cNvSpPr>
@@ -2989,18 +3005,78 @@
           <a:bodyPr/>
           <a:lstStyle/>
           <a:p>
+            <a:pPr marL="0" marR="0" lvl="0" indent="0" algn="r" defTabSz="914400" rtl="0" eaLnBrk="1" fontAlgn="auto" latinLnBrk="0" hangingPunct="1">
+              <a:lnSpc>
+                <a:spcPct val="100000"/>
+              </a:lnSpc>
+              <a:spcBef>
+                <a:spcPts val="0"/>
+              </a:spcBef>
+              <a:spcAft>
+                <a:spcPts val="0"/>
+              </a:spcAft>
+              <a:buClrTx/>
+              <a:buSzTx/>
+              <a:buFontTx/>
+              <a:buNone/>
+              <a:tabLst/>
+              <a:defRPr/>
+            </a:pPr>
             <a:fld id="{D4B9A9E5-4F7F-4A7D-9DE1-899232329269}" type="slidenum">
-              <a:rPr lang="en-US" smtClean="0"/>
+              <a:rPr kumimoji="0" lang="en-US" sz="1200" b="0" i="0" u="none" strike="noStrike" kern="1200" cap="none" spc="0" normalizeH="0" baseline="0" noProof="0" smtClean="0">
+                <a:ln>
+                  <a:noFill/>
+                </a:ln>
+                <a:solidFill>
+                  <a:prstClr val="black"/>
+                </a:solidFill>
+                <a:effectLst/>
+                <a:uLnTx/>
+                <a:uFillTx/>
+                <a:latin typeface="Calibri" panose="020F0502020204030204"/>
+                <a:ea typeface="+mn-ea"/>
+                <a:cs typeface="+mn-cs"/>
+              </a:rPr>
+              <a:pPr marL="0" marR="0" lvl="0" indent="0" algn="r" defTabSz="914400" rtl="0" eaLnBrk="1" fontAlgn="auto" latinLnBrk="0" hangingPunct="1">
+                <a:lnSpc>
+                  <a:spcPct val="100000"/>
+                </a:lnSpc>
+                <a:spcBef>
+                  <a:spcPts val="0"/>
+                </a:spcBef>
+                <a:spcAft>
+                  <a:spcPts val="0"/>
+                </a:spcAft>
+                <a:buClrTx/>
+                <a:buSzTx/>
+                <a:buFontTx/>
+                <a:buNone/>
+                <a:tabLst/>
+                <a:defRPr/>
+              </a:pPr>
               <a:t>22</a:t>
             </a:fld>
-            <a:endParaRPr lang="en-US" dirty="0"/>
+            <a:endParaRPr kumimoji="0" lang="en-US" sz="1200" b="0" i="0" u="none" strike="noStrike" kern="1200" cap="none" spc="0" normalizeH="0" baseline="0" noProof="0" dirty="0">
+              <a:ln>
+                <a:noFill/>
+              </a:ln>
+              <a:solidFill>
+                <a:prstClr val="black"/>
+              </a:solidFill>
+              <a:effectLst/>
+              <a:uLnTx/>
+              <a:uFillTx/>
+              <a:latin typeface="Calibri" panose="020F0502020204030204"/>
+              <a:ea typeface="+mn-ea"/>
+              <a:cs typeface="+mn-cs"/>
+            </a:endParaRPr>
           </a:p>
         </p:txBody>
       </p:sp>
     </p:spTree>
     <p:extLst>
       <p:ext uri="{BB962C8B-B14F-4D97-AF65-F5344CB8AC3E}">
-        <p14:creationId xmlns:p14="http://schemas.microsoft.com/office/powerpoint/2010/main" val="631242069"/>
+        <p14:creationId xmlns:p14="http://schemas.microsoft.com/office/powerpoint/2010/main" val="2387723008"/>
       </p:ext>
     </p:extLst>
   </p:cSld>
@@ -3018,7 +3094,7 @@
         <p:cNvPr id="1" name="">
           <a:extLst>
             <a:ext uri="{FF2B5EF4-FFF2-40B4-BE49-F238E27FC236}">
-              <a16:creationId xmlns:a16="http://schemas.microsoft.com/office/drawing/2014/main" id="{12A25F4D-CEFD-96FD-7740-145CDE6BB643}"/>
+              <a16:creationId xmlns:a16="http://schemas.microsoft.com/office/drawing/2014/main" id="{A59D9CAF-2C61-1585-DCEF-6299518D2884}"/>
             </a:ext>
           </a:extLst>
         </p:cNvPr>
@@ -3038,7 +3114,7 @@
           <p:cNvPr id="2" name="Slide Image Placeholder 1">
             <a:extLst>
               <a:ext uri="{FF2B5EF4-FFF2-40B4-BE49-F238E27FC236}">
-                <a16:creationId xmlns:a16="http://schemas.microsoft.com/office/drawing/2014/main" id="{1028B15D-4361-2077-373A-F14E2E87AAF4}"/>
+                <a16:creationId xmlns:a16="http://schemas.microsoft.com/office/drawing/2014/main" id="{AE783369-EEF3-54AB-980B-4A7B1627C8EF}"/>
               </a:ext>
             </a:extLst>
           </p:cNvPr>
@@ -3056,7 +3132,7 @@
           <p:cNvPr id="3" name="Notes Placeholder 2">
             <a:extLst>
               <a:ext uri="{FF2B5EF4-FFF2-40B4-BE49-F238E27FC236}">
-                <a16:creationId xmlns:a16="http://schemas.microsoft.com/office/drawing/2014/main" id="{D179613D-5268-B533-2728-6D7171C5BE11}"/>
+                <a16:creationId xmlns:a16="http://schemas.microsoft.com/office/drawing/2014/main" id="{01CD15F4-A502-E5D6-7273-E940120B8A67}"/>
               </a:ext>
             </a:extLst>
           </p:cNvPr>
@@ -3081,7 +3157,7 @@
           <p:cNvPr id="4" name="Slide Number Placeholder 3">
             <a:extLst>
               <a:ext uri="{FF2B5EF4-FFF2-40B4-BE49-F238E27FC236}">
-                <a16:creationId xmlns:a16="http://schemas.microsoft.com/office/drawing/2014/main" id="{13A04A3A-E620-0B4C-CB3F-0E86543110C9}"/>
+                <a16:creationId xmlns:a16="http://schemas.microsoft.com/office/drawing/2014/main" id="{65C865AD-E722-D358-9876-1A6840F41843}"/>
               </a:ext>
             </a:extLst>
           </p:cNvPr>
@@ -3168,7 +3244,7 @@
     </p:spTree>
     <p:extLst>
       <p:ext uri="{BB962C8B-B14F-4D97-AF65-F5344CB8AC3E}">
-        <p14:creationId xmlns:p14="http://schemas.microsoft.com/office/powerpoint/2010/main" val="878643795"/>
+        <p14:creationId xmlns:p14="http://schemas.microsoft.com/office/powerpoint/2010/main" val="2844686583"/>
       </p:ext>
     </p:extLst>
   </p:cSld>
@@ -3186,7 +3262,7 @@
         <p:cNvPr id="1" name="">
           <a:extLst>
             <a:ext uri="{FF2B5EF4-FFF2-40B4-BE49-F238E27FC236}">
-              <a16:creationId xmlns:a16="http://schemas.microsoft.com/office/drawing/2014/main" id="{0CF473D9-9C0D-C60A-A7FC-187409E40049}"/>
+              <a16:creationId xmlns:a16="http://schemas.microsoft.com/office/drawing/2014/main" id="{A75F6339-5539-3EE1-35D3-FE821CC18E30}"/>
             </a:ext>
           </a:extLst>
         </p:cNvPr>
@@ -3206,7 +3282,7 @@
           <p:cNvPr id="2" name="Slide Image Placeholder 1">
             <a:extLst>
               <a:ext uri="{FF2B5EF4-FFF2-40B4-BE49-F238E27FC236}">
-                <a16:creationId xmlns:a16="http://schemas.microsoft.com/office/drawing/2014/main" id="{6F4983AD-12D2-7B78-64C6-B5C5A75850D2}"/>
+                <a16:creationId xmlns:a16="http://schemas.microsoft.com/office/drawing/2014/main" id="{916E2500-A322-D724-16BC-9C6861383316}"/>
               </a:ext>
             </a:extLst>
           </p:cNvPr>
@@ -3224,7 +3300,7 @@
           <p:cNvPr id="3" name="Notes Placeholder 2">
             <a:extLst>
               <a:ext uri="{FF2B5EF4-FFF2-40B4-BE49-F238E27FC236}">
-                <a16:creationId xmlns:a16="http://schemas.microsoft.com/office/drawing/2014/main" id="{47D922CB-F003-AE45-04A9-E8FC117F97D1}"/>
+                <a16:creationId xmlns:a16="http://schemas.microsoft.com/office/drawing/2014/main" id="{D882C2C1-48CE-DB42-9B8D-5B9726807FF9}"/>
               </a:ext>
             </a:extLst>
           </p:cNvPr>
@@ -3249,7 +3325,7 @@
           <p:cNvPr id="4" name="Slide Number Placeholder 3">
             <a:extLst>
               <a:ext uri="{FF2B5EF4-FFF2-40B4-BE49-F238E27FC236}">
-                <a16:creationId xmlns:a16="http://schemas.microsoft.com/office/drawing/2014/main" id="{06CDE5DE-A0A4-6E48-6EAF-4F2880326933}"/>
+                <a16:creationId xmlns:a16="http://schemas.microsoft.com/office/drawing/2014/main" id="{554D7FE9-65D5-040B-89EF-D7DA47F8BF68}"/>
               </a:ext>
             </a:extLst>
           </p:cNvPr>
@@ -3336,7 +3412,7 @@
     </p:spTree>
     <p:extLst>
       <p:ext uri="{BB962C8B-B14F-4D97-AF65-F5344CB8AC3E}">
-        <p14:creationId xmlns:p14="http://schemas.microsoft.com/office/powerpoint/2010/main" val="1549087658"/>
+        <p14:creationId xmlns:p14="http://schemas.microsoft.com/office/powerpoint/2010/main" val="1720028607"/>
       </p:ext>
     </p:extLst>
   </p:cSld>
@@ -3354,7 +3430,7 @@
         <p:cNvPr id="1" name="">
           <a:extLst>
             <a:ext uri="{FF2B5EF4-FFF2-40B4-BE49-F238E27FC236}">
-              <a16:creationId xmlns:a16="http://schemas.microsoft.com/office/drawing/2014/main" id="{16A0E4F8-2F5A-BB22-6E75-9DF19FB02CBD}"/>
+              <a16:creationId xmlns:a16="http://schemas.microsoft.com/office/drawing/2014/main" id="{5A56B1D5-C955-AAB7-A94A-DF3EAFC78A7D}"/>
             </a:ext>
           </a:extLst>
         </p:cNvPr>
@@ -3374,7 +3450,7 @@
           <p:cNvPr id="2" name="Slide Image Placeholder 1">
             <a:extLst>
               <a:ext uri="{FF2B5EF4-FFF2-40B4-BE49-F238E27FC236}">
-                <a16:creationId xmlns:a16="http://schemas.microsoft.com/office/drawing/2014/main" id="{CC70A65B-2DD5-1978-F65B-7103DFF316A1}"/>
+                <a16:creationId xmlns:a16="http://schemas.microsoft.com/office/drawing/2014/main" id="{9C992D77-14FD-49FA-7D34-C60D7A8FABE7}"/>
               </a:ext>
             </a:extLst>
           </p:cNvPr>
@@ -3392,7 +3468,7 @@
           <p:cNvPr id="3" name="Notes Placeholder 2">
             <a:extLst>
               <a:ext uri="{FF2B5EF4-FFF2-40B4-BE49-F238E27FC236}">
-                <a16:creationId xmlns:a16="http://schemas.microsoft.com/office/drawing/2014/main" id="{5469DF63-ECE6-F9EE-C9D1-68CD681DD17A}"/>
+                <a16:creationId xmlns:a16="http://schemas.microsoft.com/office/drawing/2014/main" id="{811BA244-F290-4115-6D1D-2C4BA086BAD1}"/>
               </a:ext>
             </a:extLst>
           </p:cNvPr>
@@ -3417,7 +3493,7 @@
           <p:cNvPr id="4" name="Slide Number Placeholder 3">
             <a:extLst>
               <a:ext uri="{FF2B5EF4-FFF2-40B4-BE49-F238E27FC236}">
-                <a16:creationId xmlns:a16="http://schemas.microsoft.com/office/drawing/2014/main" id="{5D629938-3502-B8A2-FED3-02CA16296F1C}"/>
+                <a16:creationId xmlns:a16="http://schemas.microsoft.com/office/drawing/2014/main" id="{093E7695-0089-EA6A-2E39-0F89C4A662AC}"/>
               </a:ext>
             </a:extLst>
           </p:cNvPr>
@@ -3504,7 +3580,7 @@
     </p:spTree>
     <p:extLst>
       <p:ext uri="{BB962C8B-B14F-4D97-AF65-F5344CB8AC3E}">
-        <p14:creationId xmlns:p14="http://schemas.microsoft.com/office/powerpoint/2010/main" val="2169973336"/>
+        <p14:creationId xmlns:p14="http://schemas.microsoft.com/office/powerpoint/2010/main" val="889978348"/>
       </p:ext>
     </p:extLst>
   </p:cSld>
@@ -3588,7 +3664,7 @@
     </p:spTree>
     <p:extLst>
       <p:ext uri="{BB962C8B-B14F-4D97-AF65-F5344CB8AC3E}">
-        <p14:creationId xmlns:p14="http://schemas.microsoft.com/office/powerpoint/2010/main" val="3486472807"/>
+        <p14:creationId xmlns:p14="http://schemas.microsoft.com/office/powerpoint/2010/main" val="631242069"/>
       </p:ext>
     </p:extLst>
   </p:cSld>
@@ -3603,7 +3679,13 @@
   <p:cSld>
     <p:spTree>
       <p:nvGrpSpPr>
-        <p:cNvPr id="1" name=""/>
+        <p:cNvPr id="1" name="">
+          <a:extLst>
+            <a:ext uri="{FF2B5EF4-FFF2-40B4-BE49-F238E27FC236}">
+              <a16:creationId xmlns:a16="http://schemas.microsoft.com/office/drawing/2014/main" id="{12A25F4D-CEFD-96FD-7740-145CDE6BB643}"/>
+            </a:ext>
+          </a:extLst>
+        </p:cNvPr>
         <p:cNvGrpSpPr/>
         <p:nvPr/>
       </p:nvGrpSpPr>
@@ -3617,7 +3699,13 @@
       </p:grpSpPr>
       <p:sp>
         <p:nvSpPr>
-          <p:cNvPr id="2" name="Slide Image Placeholder 1"/>
+          <p:cNvPr id="2" name="Slide Image Placeholder 1">
+            <a:extLst>
+              <a:ext uri="{FF2B5EF4-FFF2-40B4-BE49-F238E27FC236}">
+                <a16:creationId xmlns:a16="http://schemas.microsoft.com/office/drawing/2014/main" id="{1028B15D-4361-2077-373A-F14E2E87AAF4}"/>
+              </a:ext>
+            </a:extLst>
+          </p:cNvPr>
           <p:cNvSpPr>
             <a:spLocks noGrp="1" noRot="1" noChangeAspect="1"/>
           </p:cNvSpPr>
@@ -3629,7 +3717,13 @@
       </p:sp>
       <p:sp>
         <p:nvSpPr>
-          <p:cNvPr id="3" name="Notes Placeholder 2"/>
+          <p:cNvPr id="3" name="Notes Placeholder 2">
+            <a:extLst>
+              <a:ext uri="{FF2B5EF4-FFF2-40B4-BE49-F238E27FC236}">
+                <a16:creationId xmlns:a16="http://schemas.microsoft.com/office/drawing/2014/main" id="{D179613D-5268-B533-2728-6D7171C5BE11}"/>
+              </a:ext>
+            </a:extLst>
+          </p:cNvPr>
           <p:cNvSpPr>
             <a:spLocks noGrp="1"/>
           </p:cNvSpPr>
@@ -3648,7 +3742,13 @@
       </p:sp>
       <p:sp>
         <p:nvSpPr>
-          <p:cNvPr id="4" name="Slide Number Placeholder 3"/>
+          <p:cNvPr id="4" name="Slide Number Placeholder 3">
+            <a:extLst>
+              <a:ext uri="{FF2B5EF4-FFF2-40B4-BE49-F238E27FC236}">
+                <a16:creationId xmlns:a16="http://schemas.microsoft.com/office/drawing/2014/main" id="{13A04A3A-E620-0B4C-CB3F-0E86543110C9}"/>
+              </a:ext>
+            </a:extLst>
+          </p:cNvPr>
           <p:cNvSpPr>
             <a:spLocks noGrp="1"/>
           </p:cNvSpPr>
@@ -3661,18 +3761,78 @@
           <a:bodyPr/>
           <a:lstStyle/>
           <a:p>
+            <a:pPr marL="0" marR="0" lvl="0" indent="0" algn="r" defTabSz="914400" rtl="0" eaLnBrk="1" fontAlgn="auto" latinLnBrk="0" hangingPunct="1">
+              <a:lnSpc>
+                <a:spcPct val="100000"/>
+              </a:lnSpc>
+              <a:spcBef>
+                <a:spcPts val="0"/>
+              </a:spcBef>
+              <a:spcAft>
+                <a:spcPts val="0"/>
+              </a:spcAft>
+              <a:buClrTx/>
+              <a:buSzTx/>
+              <a:buFontTx/>
+              <a:buNone/>
+              <a:tabLst/>
+              <a:defRPr/>
+            </a:pPr>
             <a:fld id="{D4B9A9E5-4F7F-4A7D-9DE1-899232329269}" type="slidenum">
-              <a:rPr lang="en-US" smtClean="0"/>
+              <a:rPr kumimoji="0" lang="en-US" sz="1200" b="0" i="0" u="none" strike="noStrike" kern="1200" cap="none" spc="0" normalizeH="0" baseline="0" noProof="0" smtClean="0">
+                <a:ln>
+                  <a:noFill/>
+                </a:ln>
+                <a:solidFill>
+                  <a:prstClr val="black"/>
+                </a:solidFill>
+                <a:effectLst/>
+                <a:uLnTx/>
+                <a:uFillTx/>
+                <a:latin typeface="Calibri" panose="020F0502020204030204"/>
+                <a:ea typeface="+mn-ea"/>
+                <a:cs typeface="+mn-cs"/>
+              </a:rPr>
+              <a:pPr marL="0" marR="0" lvl="0" indent="0" algn="r" defTabSz="914400" rtl="0" eaLnBrk="1" fontAlgn="auto" latinLnBrk="0" hangingPunct="1">
+                <a:lnSpc>
+                  <a:spcPct val="100000"/>
+                </a:lnSpc>
+                <a:spcBef>
+                  <a:spcPts val="0"/>
+                </a:spcBef>
+                <a:spcAft>
+                  <a:spcPts val="0"/>
+                </a:spcAft>
+                <a:buClrTx/>
+                <a:buSzTx/>
+                <a:buFontTx/>
+                <a:buNone/>
+                <a:tabLst/>
+                <a:defRPr/>
+              </a:pPr>
               <a:t>27</a:t>
             </a:fld>
-            <a:endParaRPr lang="en-US" dirty="0"/>
+            <a:endParaRPr kumimoji="0" lang="en-US" sz="1200" b="0" i="0" u="none" strike="noStrike" kern="1200" cap="none" spc="0" normalizeH="0" baseline="0" noProof="0" dirty="0">
+              <a:ln>
+                <a:noFill/>
+              </a:ln>
+              <a:solidFill>
+                <a:prstClr val="black"/>
+              </a:solidFill>
+              <a:effectLst/>
+              <a:uLnTx/>
+              <a:uFillTx/>
+              <a:latin typeface="Calibri" panose="020F0502020204030204"/>
+              <a:ea typeface="+mn-ea"/>
+              <a:cs typeface="+mn-cs"/>
+            </a:endParaRPr>
           </a:p>
         </p:txBody>
       </p:sp>
     </p:spTree>
     <p:extLst>
       <p:ext uri="{BB962C8B-B14F-4D97-AF65-F5344CB8AC3E}">
-        <p14:creationId xmlns:p14="http://schemas.microsoft.com/office/powerpoint/2010/main" val="3984229589"/>
+        <p14:creationId xmlns:p14="http://schemas.microsoft.com/office/powerpoint/2010/main" val="878643795"/>
       </p:ext>
     </p:extLst>
   </p:cSld>
@@ -3687,7 +3847,13 @@
   <p:cSld>
     <p:spTree>
       <p:nvGrpSpPr>
-        <p:cNvPr id="1" name=""/>
+        <p:cNvPr id="1" name="">
+          <a:extLst>
+            <a:ext uri="{FF2B5EF4-FFF2-40B4-BE49-F238E27FC236}">
+              <a16:creationId xmlns:a16="http://schemas.microsoft.com/office/drawing/2014/main" id="{0CF473D9-9C0D-C60A-A7FC-187409E40049}"/>
+            </a:ext>
+          </a:extLst>
+        </p:cNvPr>
         <p:cNvGrpSpPr/>
         <p:nvPr/>
       </p:nvGrpSpPr>
@@ -3701,7 +3867,13 @@
       </p:grpSpPr>
       <p:sp>
         <p:nvSpPr>
-          <p:cNvPr id="2" name="Slide Image Placeholder 1"/>
+          <p:cNvPr id="2" name="Slide Image Placeholder 1">
+            <a:extLst>
+              <a:ext uri="{FF2B5EF4-FFF2-40B4-BE49-F238E27FC236}">
+                <a16:creationId xmlns:a16="http://schemas.microsoft.com/office/drawing/2014/main" id="{6F4983AD-12D2-7B78-64C6-B5C5A75850D2}"/>
+              </a:ext>
+            </a:extLst>
+          </p:cNvPr>
           <p:cNvSpPr>
             <a:spLocks noGrp="1" noRot="1" noChangeAspect="1"/>
           </p:cNvSpPr>
@@ -3713,7 +3885,13 @@
       </p:sp>
       <p:sp>
         <p:nvSpPr>
-          <p:cNvPr id="3" name="Notes Placeholder 2"/>
+          <p:cNvPr id="3" name="Notes Placeholder 2">
+            <a:extLst>
+              <a:ext uri="{FF2B5EF4-FFF2-40B4-BE49-F238E27FC236}">
+                <a16:creationId xmlns:a16="http://schemas.microsoft.com/office/drawing/2014/main" id="{47D922CB-F003-AE45-04A9-E8FC117F97D1}"/>
+              </a:ext>
+            </a:extLst>
+          </p:cNvPr>
           <p:cNvSpPr>
             <a:spLocks noGrp="1"/>
           </p:cNvSpPr>
@@ -3732,7 +3910,13 @@
       </p:sp>
       <p:sp>
         <p:nvSpPr>
-          <p:cNvPr id="4" name="Slide Number Placeholder 3"/>
+          <p:cNvPr id="4" name="Slide Number Placeholder 3">
+            <a:extLst>
+              <a:ext uri="{FF2B5EF4-FFF2-40B4-BE49-F238E27FC236}">
+                <a16:creationId xmlns:a16="http://schemas.microsoft.com/office/drawing/2014/main" id="{06CDE5DE-A0A4-6E48-6EAF-4F2880326933}"/>
+              </a:ext>
+            </a:extLst>
+          </p:cNvPr>
           <p:cNvSpPr>
             <a:spLocks noGrp="1"/>
           </p:cNvSpPr>
@@ -3745,18 +3929,78 @@
           <a:bodyPr/>
           <a:lstStyle/>
           <a:p>
+            <a:pPr marL="0" marR="0" lvl="0" indent="0" algn="r" defTabSz="914400" rtl="0" eaLnBrk="1" fontAlgn="auto" latinLnBrk="0" hangingPunct="1">
+              <a:lnSpc>
+                <a:spcPct val="100000"/>
+              </a:lnSpc>
+              <a:spcBef>
+                <a:spcPts val="0"/>
+              </a:spcBef>
+              <a:spcAft>
+                <a:spcPts val="0"/>
+              </a:spcAft>
+              <a:buClrTx/>
+              <a:buSzTx/>
+              <a:buFontTx/>
+              <a:buNone/>
+              <a:tabLst/>
+              <a:defRPr/>
+            </a:pPr>
             <a:fld id="{D4B9A9E5-4F7F-4A7D-9DE1-899232329269}" type="slidenum">
-              <a:rPr lang="en-US" smtClean="0"/>
+              <a:rPr kumimoji="0" lang="en-US" sz="1200" b="0" i="0" u="none" strike="noStrike" kern="1200" cap="none" spc="0" normalizeH="0" baseline="0" noProof="0" smtClean="0">
+                <a:ln>
+                  <a:noFill/>
+                </a:ln>
+                <a:solidFill>
+                  <a:prstClr val="black"/>
+                </a:solidFill>
+                <a:effectLst/>
+                <a:uLnTx/>
+                <a:uFillTx/>
+                <a:latin typeface="Calibri" panose="020F0502020204030204"/>
+                <a:ea typeface="+mn-ea"/>
+                <a:cs typeface="+mn-cs"/>
+              </a:rPr>
+              <a:pPr marL="0" marR="0" lvl="0" indent="0" algn="r" defTabSz="914400" rtl="0" eaLnBrk="1" fontAlgn="auto" latinLnBrk="0" hangingPunct="1">
+                <a:lnSpc>
+                  <a:spcPct val="100000"/>
+                </a:lnSpc>
+                <a:spcBef>
+                  <a:spcPts val="0"/>
+                </a:spcBef>
+                <a:spcAft>
+                  <a:spcPts val="0"/>
+                </a:spcAft>
+                <a:buClrTx/>
+                <a:buSzTx/>
+                <a:buFontTx/>
+                <a:buNone/>
+                <a:tabLst/>
+                <a:defRPr/>
+              </a:pPr>
               <a:t>28</a:t>
             </a:fld>
-            <a:endParaRPr lang="en-US" dirty="0"/>
+            <a:endParaRPr kumimoji="0" lang="en-US" sz="1200" b="0" i="0" u="none" strike="noStrike" kern="1200" cap="none" spc="0" normalizeH="0" baseline="0" noProof="0" dirty="0">
+              <a:ln>
+                <a:noFill/>
+              </a:ln>
+              <a:solidFill>
+                <a:prstClr val="black"/>
+              </a:solidFill>
+              <a:effectLst/>
+              <a:uLnTx/>
+              <a:uFillTx/>
+              <a:latin typeface="Calibri" panose="020F0502020204030204"/>
+              <a:ea typeface="+mn-ea"/>
+              <a:cs typeface="+mn-cs"/>
+            </a:endParaRPr>
           </a:p>
         </p:txBody>
       </p:sp>
     </p:spTree>
     <p:extLst>
       <p:ext uri="{BB962C8B-B14F-4D97-AF65-F5344CB8AC3E}">
-        <p14:creationId xmlns:p14="http://schemas.microsoft.com/office/powerpoint/2010/main" val="2586565686"/>
+        <p14:creationId xmlns:p14="http://schemas.microsoft.com/office/powerpoint/2010/main" val="1549087658"/>
       </p:ext>
     </p:extLst>
   </p:cSld>
@@ -3771,7 +4015,13 @@
   <p:cSld>
     <p:spTree>
       <p:nvGrpSpPr>
-        <p:cNvPr id="1" name=""/>
+        <p:cNvPr id="1" name="">
+          <a:extLst>
+            <a:ext uri="{FF2B5EF4-FFF2-40B4-BE49-F238E27FC236}">
+              <a16:creationId xmlns:a16="http://schemas.microsoft.com/office/drawing/2014/main" id="{16A0E4F8-2F5A-BB22-6E75-9DF19FB02CBD}"/>
+            </a:ext>
+          </a:extLst>
+        </p:cNvPr>
         <p:cNvGrpSpPr/>
         <p:nvPr/>
       </p:nvGrpSpPr>
@@ -3785,7 +4035,13 @@
       </p:grpSpPr>
       <p:sp>
         <p:nvSpPr>
-          <p:cNvPr id="2" name="Slide Image Placeholder 1"/>
+          <p:cNvPr id="2" name="Slide Image Placeholder 1">
+            <a:extLst>
+              <a:ext uri="{FF2B5EF4-FFF2-40B4-BE49-F238E27FC236}">
+                <a16:creationId xmlns:a16="http://schemas.microsoft.com/office/drawing/2014/main" id="{CC70A65B-2DD5-1978-F65B-7103DFF316A1}"/>
+              </a:ext>
+            </a:extLst>
+          </p:cNvPr>
           <p:cNvSpPr>
             <a:spLocks noGrp="1" noRot="1" noChangeAspect="1"/>
           </p:cNvSpPr>
@@ -3797,7 +4053,13 @@
       </p:sp>
       <p:sp>
         <p:nvSpPr>
-          <p:cNvPr id="3" name="Notes Placeholder 2"/>
+          <p:cNvPr id="3" name="Notes Placeholder 2">
+            <a:extLst>
+              <a:ext uri="{FF2B5EF4-FFF2-40B4-BE49-F238E27FC236}">
+                <a16:creationId xmlns:a16="http://schemas.microsoft.com/office/drawing/2014/main" id="{5469DF63-ECE6-F9EE-C9D1-68CD681DD17A}"/>
+              </a:ext>
+            </a:extLst>
+          </p:cNvPr>
           <p:cNvSpPr>
             <a:spLocks noGrp="1"/>
           </p:cNvSpPr>
@@ -3816,7 +4078,13 @@
       </p:sp>
       <p:sp>
         <p:nvSpPr>
-          <p:cNvPr id="4" name="Slide Number Placeholder 3"/>
+          <p:cNvPr id="4" name="Slide Number Placeholder 3">
+            <a:extLst>
+              <a:ext uri="{FF2B5EF4-FFF2-40B4-BE49-F238E27FC236}">
+                <a16:creationId xmlns:a16="http://schemas.microsoft.com/office/drawing/2014/main" id="{5D629938-3502-B8A2-FED3-02CA16296F1C}"/>
+              </a:ext>
+            </a:extLst>
+          </p:cNvPr>
           <p:cNvSpPr>
             <a:spLocks noGrp="1"/>
           </p:cNvSpPr>
@@ -3829,18 +4097,78 @@
           <a:bodyPr/>
           <a:lstStyle/>
           <a:p>
+            <a:pPr marL="0" marR="0" lvl="0" indent="0" algn="r" defTabSz="914400" rtl="0" eaLnBrk="1" fontAlgn="auto" latinLnBrk="0" hangingPunct="1">
+              <a:lnSpc>
+                <a:spcPct val="100000"/>
+              </a:lnSpc>
+              <a:spcBef>
+                <a:spcPts val="0"/>
+              </a:spcBef>
+              <a:spcAft>
+                <a:spcPts val="0"/>
+              </a:spcAft>
+              <a:buClrTx/>
+              <a:buSzTx/>
+              <a:buFontTx/>
+              <a:buNone/>
+              <a:tabLst/>
+              <a:defRPr/>
+            </a:pPr>
             <a:fld id="{D4B9A9E5-4F7F-4A7D-9DE1-899232329269}" type="slidenum">
-              <a:rPr lang="en-US" smtClean="0"/>
+              <a:rPr kumimoji="0" lang="en-US" sz="1200" b="0" i="0" u="none" strike="noStrike" kern="1200" cap="none" spc="0" normalizeH="0" baseline="0" noProof="0" smtClean="0">
+                <a:ln>
+                  <a:noFill/>
+                </a:ln>
+                <a:solidFill>
+                  <a:prstClr val="black"/>
+                </a:solidFill>
+                <a:effectLst/>
+                <a:uLnTx/>
+                <a:uFillTx/>
+                <a:latin typeface="Calibri" panose="020F0502020204030204"/>
+                <a:ea typeface="+mn-ea"/>
+                <a:cs typeface="+mn-cs"/>
+              </a:rPr>
+              <a:pPr marL="0" marR="0" lvl="0" indent="0" algn="r" defTabSz="914400" rtl="0" eaLnBrk="1" fontAlgn="auto" latinLnBrk="0" hangingPunct="1">
+                <a:lnSpc>
+                  <a:spcPct val="100000"/>
+                </a:lnSpc>
+                <a:spcBef>
+                  <a:spcPts val="0"/>
+                </a:spcBef>
+                <a:spcAft>
+                  <a:spcPts val="0"/>
+                </a:spcAft>
+                <a:buClrTx/>
+                <a:buSzTx/>
+                <a:buFontTx/>
+                <a:buNone/>
+                <a:tabLst/>
+                <a:defRPr/>
+              </a:pPr>
               <a:t>29</a:t>
             </a:fld>
-            <a:endParaRPr lang="en-US" dirty="0"/>
+            <a:endParaRPr kumimoji="0" lang="en-US" sz="1200" b="0" i="0" u="none" strike="noStrike" kern="1200" cap="none" spc="0" normalizeH="0" baseline="0" noProof="0" dirty="0">
+              <a:ln>
+                <a:noFill/>
+              </a:ln>
+              <a:solidFill>
+                <a:prstClr val="black"/>
+              </a:solidFill>
+              <a:effectLst/>
+              <a:uLnTx/>
+              <a:uFillTx/>
+              <a:latin typeface="Calibri" panose="020F0502020204030204"/>
+              <a:ea typeface="+mn-ea"/>
+              <a:cs typeface="+mn-cs"/>
+            </a:endParaRPr>
           </a:p>
         </p:txBody>
       </p:sp>
     </p:spTree>
     <p:extLst>
       <p:ext uri="{BB962C8B-B14F-4D97-AF65-F5344CB8AC3E}">
-        <p14:creationId xmlns:p14="http://schemas.microsoft.com/office/powerpoint/2010/main" val="4110010862"/>
+        <p14:creationId xmlns:p14="http://schemas.microsoft.com/office/powerpoint/2010/main" val="2169973336"/>
       </p:ext>
     </p:extLst>
   </p:cSld>
@@ -4018,1026 +4346,6 @@
 </p:notes>
 </file>
 
-<file path=ppt/notesSlides/notesSlide30.xml><?xml version="1.0" encoding="utf-8"?>
-<p:notes xmlns:a="http://schemas.openxmlformats.org/drawingml/2006/main" xmlns:r="http://schemas.openxmlformats.org/officeDocument/2006/relationships" xmlns:p="http://schemas.openxmlformats.org/presentationml/2006/main">
-  <p:cSld>
-    <p:spTree>
-      <p:nvGrpSpPr>
-        <p:cNvPr id="1" name=""/>
-        <p:cNvGrpSpPr/>
-        <p:nvPr/>
-      </p:nvGrpSpPr>
-      <p:grpSpPr>
-        <a:xfrm>
-          <a:off x="0" y="0"/>
-          <a:ext cx="0" cy="0"/>
-          <a:chOff x="0" y="0"/>
-          <a:chExt cx="0" cy="0"/>
-        </a:xfrm>
-      </p:grpSpPr>
-      <p:sp>
-        <p:nvSpPr>
-          <p:cNvPr id="2" name="Slide Image Placeholder 1"/>
-          <p:cNvSpPr>
-            <a:spLocks noGrp="1" noRot="1" noChangeAspect="1"/>
-          </p:cNvSpPr>
-          <p:nvPr>
-            <p:ph type="sldImg"/>
-          </p:nvPr>
-        </p:nvSpPr>
-        <p:spPr/>
-      </p:sp>
-      <p:sp>
-        <p:nvSpPr>
-          <p:cNvPr id="3" name="Notes Placeholder 2"/>
-          <p:cNvSpPr>
-            <a:spLocks noGrp="1"/>
-          </p:cNvSpPr>
-          <p:nvPr>
-            <p:ph type="body" idx="1"/>
-          </p:nvPr>
-        </p:nvSpPr>
-        <p:spPr/>
-        <p:txBody>
-          <a:bodyPr/>
-          <a:lstStyle/>
-          <a:p>
-            <a:endParaRPr lang="en-US" dirty="0"/>
-          </a:p>
-        </p:txBody>
-      </p:sp>
-      <p:sp>
-        <p:nvSpPr>
-          <p:cNvPr id="4" name="Slide Number Placeholder 3"/>
-          <p:cNvSpPr>
-            <a:spLocks noGrp="1"/>
-          </p:cNvSpPr>
-          <p:nvPr>
-            <p:ph type="sldNum" sz="quarter" idx="5"/>
-          </p:nvPr>
-        </p:nvSpPr>
-        <p:spPr/>
-        <p:txBody>
-          <a:bodyPr/>
-          <a:lstStyle/>
-          <a:p>
-            <a:fld id="{D4B9A9E5-4F7F-4A7D-9DE1-899232329269}" type="slidenum">
-              <a:rPr lang="en-US" smtClean="0"/>
-              <a:t>30</a:t>
-            </a:fld>
-            <a:endParaRPr lang="en-US" dirty="0"/>
-          </a:p>
-        </p:txBody>
-      </p:sp>
-    </p:spTree>
-    <p:extLst>
-      <p:ext uri="{BB962C8B-B14F-4D97-AF65-F5344CB8AC3E}">
-        <p14:creationId xmlns:p14="http://schemas.microsoft.com/office/powerpoint/2010/main" val="679238203"/>
-      </p:ext>
-    </p:extLst>
-  </p:cSld>
-  <p:clrMapOvr>
-    <a:masterClrMapping/>
-  </p:clrMapOvr>
-</p:notes>
-</file>
-
-<file path=ppt/notesSlides/notesSlide31.xml><?xml version="1.0" encoding="utf-8"?>
-<p:notes xmlns:a="http://schemas.openxmlformats.org/drawingml/2006/main" xmlns:r="http://schemas.openxmlformats.org/officeDocument/2006/relationships" xmlns:p="http://schemas.openxmlformats.org/presentationml/2006/main">
-  <p:cSld>
-    <p:spTree>
-      <p:nvGrpSpPr>
-        <p:cNvPr id="1" name=""/>
-        <p:cNvGrpSpPr/>
-        <p:nvPr/>
-      </p:nvGrpSpPr>
-      <p:grpSpPr>
-        <a:xfrm>
-          <a:off x="0" y="0"/>
-          <a:ext cx="0" cy="0"/>
-          <a:chOff x="0" y="0"/>
-          <a:chExt cx="0" cy="0"/>
-        </a:xfrm>
-      </p:grpSpPr>
-      <p:sp>
-        <p:nvSpPr>
-          <p:cNvPr id="2" name="Slide Image Placeholder 1"/>
-          <p:cNvSpPr>
-            <a:spLocks noGrp="1" noRot="1" noChangeAspect="1"/>
-          </p:cNvSpPr>
-          <p:nvPr>
-            <p:ph type="sldImg"/>
-          </p:nvPr>
-        </p:nvSpPr>
-        <p:spPr/>
-      </p:sp>
-      <p:sp>
-        <p:nvSpPr>
-          <p:cNvPr id="3" name="Notes Placeholder 2"/>
-          <p:cNvSpPr>
-            <a:spLocks noGrp="1"/>
-          </p:cNvSpPr>
-          <p:nvPr>
-            <p:ph type="body" idx="1"/>
-          </p:nvPr>
-        </p:nvSpPr>
-        <p:spPr/>
-        <p:txBody>
-          <a:bodyPr/>
-          <a:lstStyle/>
-          <a:p>
-            <a:endParaRPr lang="en-US" dirty="0"/>
-          </a:p>
-        </p:txBody>
-      </p:sp>
-      <p:sp>
-        <p:nvSpPr>
-          <p:cNvPr id="4" name="Slide Number Placeholder 3"/>
-          <p:cNvSpPr>
-            <a:spLocks noGrp="1"/>
-          </p:cNvSpPr>
-          <p:nvPr>
-            <p:ph type="sldNum" sz="quarter" idx="5"/>
-          </p:nvPr>
-        </p:nvSpPr>
-        <p:spPr/>
-        <p:txBody>
-          <a:bodyPr/>
-          <a:lstStyle/>
-          <a:p>
-            <a:fld id="{D4B9A9E5-4F7F-4A7D-9DE1-899232329269}" type="slidenum">
-              <a:rPr lang="en-US" smtClean="0"/>
-              <a:t>31</a:t>
-            </a:fld>
-            <a:endParaRPr lang="en-US" dirty="0"/>
-          </a:p>
-        </p:txBody>
-      </p:sp>
-    </p:spTree>
-    <p:extLst>
-      <p:ext uri="{BB962C8B-B14F-4D97-AF65-F5344CB8AC3E}">
-        <p14:creationId xmlns:p14="http://schemas.microsoft.com/office/powerpoint/2010/main" val="2261767694"/>
-      </p:ext>
-    </p:extLst>
-  </p:cSld>
-  <p:clrMapOvr>
-    <a:masterClrMapping/>
-  </p:clrMapOvr>
-</p:notes>
-</file>
-
-<file path=ppt/notesSlides/notesSlide32.xml><?xml version="1.0" encoding="utf-8"?>
-<p:notes xmlns:a="http://schemas.openxmlformats.org/drawingml/2006/main" xmlns:r="http://schemas.openxmlformats.org/officeDocument/2006/relationships" xmlns:p="http://schemas.openxmlformats.org/presentationml/2006/main">
-  <p:cSld>
-    <p:spTree>
-      <p:nvGrpSpPr>
-        <p:cNvPr id="1" name="">
-          <a:extLst>
-            <a:ext uri="{FF2B5EF4-FFF2-40B4-BE49-F238E27FC236}">
-              <a16:creationId xmlns:a16="http://schemas.microsoft.com/office/drawing/2014/main" id="{F3333707-B179-901A-6415-EF305C9FD99B}"/>
-            </a:ext>
-          </a:extLst>
-        </p:cNvPr>
-        <p:cNvGrpSpPr/>
-        <p:nvPr/>
-      </p:nvGrpSpPr>
-      <p:grpSpPr>
-        <a:xfrm>
-          <a:off x="0" y="0"/>
-          <a:ext cx="0" cy="0"/>
-          <a:chOff x="0" y="0"/>
-          <a:chExt cx="0" cy="0"/>
-        </a:xfrm>
-      </p:grpSpPr>
-      <p:sp>
-        <p:nvSpPr>
-          <p:cNvPr id="2" name="Slide Image Placeholder 1">
-            <a:extLst>
-              <a:ext uri="{FF2B5EF4-FFF2-40B4-BE49-F238E27FC236}">
-                <a16:creationId xmlns:a16="http://schemas.microsoft.com/office/drawing/2014/main" id="{5E43C7AF-8DCD-2DDB-8B5A-CA31BDD5D33A}"/>
-              </a:ext>
-            </a:extLst>
-          </p:cNvPr>
-          <p:cNvSpPr>
-            <a:spLocks noGrp="1" noRot="1" noChangeAspect="1"/>
-          </p:cNvSpPr>
-          <p:nvPr>
-            <p:ph type="sldImg"/>
-          </p:nvPr>
-        </p:nvSpPr>
-        <p:spPr/>
-      </p:sp>
-      <p:sp>
-        <p:nvSpPr>
-          <p:cNvPr id="3" name="Notes Placeholder 2">
-            <a:extLst>
-              <a:ext uri="{FF2B5EF4-FFF2-40B4-BE49-F238E27FC236}">
-                <a16:creationId xmlns:a16="http://schemas.microsoft.com/office/drawing/2014/main" id="{A0A029EB-1A13-AAD4-00B5-3C8564837B29}"/>
-              </a:ext>
-            </a:extLst>
-          </p:cNvPr>
-          <p:cNvSpPr>
-            <a:spLocks noGrp="1"/>
-          </p:cNvSpPr>
-          <p:nvPr>
-            <p:ph type="body" idx="1"/>
-          </p:nvPr>
-        </p:nvSpPr>
-        <p:spPr/>
-        <p:txBody>
-          <a:bodyPr/>
-          <a:lstStyle/>
-          <a:p>
-            <a:endParaRPr lang="en-US" dirty="0"/>
-          </a:p>
-        </p:txBody>
-      </p:sp>
-      <p:sp>
-        <p:nvSpPr>
-          <p:cNvPr id="4" name="Slide Number Placeholder 3">
-            <a:extLst>
-              <a:ext uri="{FF2B5EF4-FFF2-40B4-BE49-F238E27FC236}">
-                <a16:creationId xmlns:a16="http://schemas.microsoft.com/office/drawing/2014/main" id="{1D15342D-9F03-812F-64B0-7FFF7557D76B}"/>
-              </a:ext>
-            </a:extLst>
-          </p:cNvPr>
-          <p:cNvSpPr>
-            <a:spLocks noGrp="1"/>
-          </p:cNvSpPr>
-          <p:nvPr>
-            <p:ph type="sldNum" sz="quarter" idx="5"/>
-          </p:nvPr>
-        </p:nvSpPr>
-        <p:spPr/>
-        <p:txBody>
-          <a:bodyPr/>
-          <a:lstStyle/>
-          <a:p>
-            <a:pPr marL="0" marR="0" lvl="0" indent="0" algn="r" defTabSz="914400" rtl="0" eaLnBrk="1" fontAlgn="auto" latinLnBrk="0" hangingPunct="1">
-              <a:lnSpc>
-                <a:spcPct val="100000"/>
-              </a:lnSpc>
-              <a:spcBef>
-                <a:spcPts val="0"/>
-              </a:spcBef>
-              <a:spcAft>
-                <a:spcPts val="0"/>
-              </a:spcAft>
-              <a:buClrTx/>
-              <a:buSzTx/>
-              <a:buFontTx/>
-              <a:buNone/>
-              <a:tabLst/>
-              <a:defRPr/>
-            </a:pPr>
-            <a:fld id="{D4B9A9E5-4F7F-4A7D-9DE1-899232329269}" type="slidenum">
-              <a:rPr kumimoji="0" lang="en-US" sz="1200" b="0" i="0" u="none" strike="noStrike" kern="1200" cap="none" spc="0" normalizeH="0" baseline="0" noProof="0" smtClean="0">
-                <a:ln>
-                  <a:noFill/>
-                </a:ln>
-                <a:solidFill>
-                  <a:prstClr val="black"/>
-                </a:solidFill>
-                <a:effectLst/>
-                <a:uLnTx/>
-                <a:uFillTx/>
-                <a:latin typeface="Calibri" panose="020F0502020204030204"/>
-                <a:ea typeface="+mn-ea"/>
-                <a:cs typeface="+mn-cs"/>
-              </a:rPr>
-              <a:pPr marL="0" marR="0" lvl="0" indent="0" algn="r" defTabSz="914400" rtl="0" eaLnBrk="1" fontAlgn="auto" latinLnBrk="0" hangingPunct="1">
-                <a:lnSpc>
-                  <a:spcPct val="100000"/>
-                </a:lnSpc>
-                <a:spcBef>
-                  <a:spcPts val="0"/>
-                </a:spcBef>
-                <a:spcAft>
-                  <a:spcPts val="0"/>
-                </a:spcAft>
-                <a:buClrTx/>
-                <a:buSzTx/>
-                <a:buFontTx/>
-                <a:buNone/>
-                <a:tabLst/>
-                <a:defRPr/>
-              </a:pPr>
-              <a:t>32</a:t>
-            </a:fld>
-            <a:endParaRPr kumimoji="0" lang="en-US" sz="1200" b="0" i="0" u="none" strike="noStrike" kern="1200" cap="none" spc="0" normalizeH="0" baseline="0" noProof="0" dirty="0">
-              <a:ln>
-                <a:noFill/>
-              </a:ln>
-              <a:solidFill>
-                <a:prstClr val="black"/>
-              </a:solidFill>
-              <a:effectLst/>
-              <a:uLnTx/>
-              <a:uFillTx/>
-              <a:latin typeface="Calibri" panose="020F0502020204030204"/>
-              <a:ea typeface="+mn-ea"/>
-              <a:cs typeface="+mn-cs"/>
-            </a:endParaRPr>
-          </a:p>
-        </p:txBody>
-      </p:sp>
-    </p:spTree>
-    <p:extLst>
-      <p:ext uri="{BB962C8B-B14F-4D97-AF65-F5344CB8AC3E}">
-        <p14:creationId xmlns:p14="http://schemas.microsoft.com/office/powerpoint/2010/main" val="2681350790"/>
-      </p:ext>
-    </p:extLst>
-  </p:cSld>
-  <p:clrMapOvr>
-    <a:masterClrMapping/>
-  </p:clrMapOvr>
-</p:notes>
-</file>
-
-<file path=ppt/notesSlides/notesSlide33.xml><?xml version="1.0" encoding="utf-8"?>
-<p:notes xmlns:a="http://schemas.openxmlformats.org/drawingml/2006/main" xmlns:r="http://schemas.openxmlformats.org/officeDocument/2006/relationships" xmlns:p="http://schemas.openxmlformats.org/presentationml/2006/main">
-  <p:cSld>
-    <p:spTree>
-      <p:nvGrpSpPr>
-        <p:cNvPr id="1" name=""/>
-        <p:cNvGrpSpPr/>
-        <p:nvPr/>
-      </p:nvGrpSpPr>
-      <p:grpSpPr>
-        <a:xfrm>
-          <a:off x="0" y="0"/>
-          <a:ext cx="0" cy="0"/>
-          <a:chOff x="0" y="0"/>
-          <a:chExt cx="0" cy="0"/>
-        </a:xfrm>
-      </p:grpSpPr>
-      <p:sp>
-        <p:nvSpPr>
-          <p:cNvPr id="2" name="Slide Image Placeholder 1"/>
-          <p:cNvSpPr>
-            <a:spLocks noGrp="1" noRot="1" noChangeAspect="1"/>
-          </p:cNvSpPr>
-          <p:nvPr>
-            <p:ph type="sldImg"/>
-          </p:nvPr>
-        </p:nvSpPr>
-        <p:spPr/>
-      </p:sp>
-      <p:sp>
-        <p:nvSpPr>
-          <p:cNvPr id="3" name="Notes Placeholder 2"/>
-          <p:cNvSpPr>
-            <a:spLocks noGrp="1"/>
-          </p:cNvSpPr>
-          <p:nvPr>
-            <p:ph type="body" idx="1"/>
-          </p:nvPr>
-        </p:nvSpPr>
-        <p:spPr/>
-        <p:txBody>
-          <a:bodyPr/>
-          <a:lstStyle/>
-          <a:p>
-            <a:endParaRPr lang="en-US" dirty="0"/>
-          </a:p>
-        </p:txBody>
-      </p:sp>
-      <p:sp>
-        <p:nvSpPr>
-          <p:cNvPr id="4" name="Slide Number Placeholder 3"/>
-          <p:cNvSpPr>
-            <a:spLocks noGrp="1"/>
-          </p:cNvSpPr>
-          <p:nvPr>
-            <p:ph type="sldNum" sz="quarter" idx="5"/>
-          </p:nvPr>
-        </p:nvSpPr>
-        <p:spPr/>
-        <p:txBody>
-          <a:bodyPr/>
-          <a:lstStyle/>
-          <a:p>
-            <a:pPr marL="0" marR="0" lvl="0" indent="0" algn="r" defTabSz="914400" rtl="0" eaLnBrk="1" fontAlgn="auto" latinLnBrk="0" hangingPunct="1">
-              <a:lnSpc>
-                <a:spcPct val="100000"/>
-              </a:lnSpc>
-              <a:spcBef>
-                <a:spcPts val="0"/>
-              </a:spcBef>
-              <a:spcAft>
-                <a:spcPts val="0"/>
-              </a:spcAft>
-              <a:buClrTx/>
-              <a:buSzTx/>
-              <a:buFontTx/>
-              <a:buNone/>
-              <a:tabLst/>
-              <a:defRPr/>
-            </a:pPr>
-            <a:fld id="{D4B9A9E5-4F7F-4A7D-9DE1-899232329269}" type="slidenum">
-              <a:rPr kumimoji="0" lang="en-US" sz="1200" b="0" i="0" u="none" strike="noStrike" kern="1200" cap="none" spc="0" normalizeH="0" baseline="0" noProof="0" smtClean="0">
-                <a:ln>
-                  <a:noFill/>
-                </a:ln>
-                <a:solidFill>
-                  <a:prstClr val="black"/>
-                </a:solidFill>
-                <a:effectLst/>
-                <a:uLnTx/>
-                <a:uFillTx/>
-                <a:latin typeface="Calibri" panose="020F0502020204030204"/>
-                <a:ea typeface="+mn-ea"/>
-                <a:cs typeface="+mn-cs"/>
-              </a:rPr>
-              <a:pPr marL="0" marR="0" lvl="0" indent="0" algn="r" defTabSz="914400" rtl="0" eaLnBrk="1" fontAlgn="auto" latinLnBrk="0" hangingPunct="1">
-                <a:lnSpc>
-                  <a:spcPct val="100000"/>
-                </a:lnSpc>
-                <a:spcBef>
-                  <a:spcPts val="0"/>
-                </a:spcBef>
-                <a:spcAft>
-                  <a:spcPts val="0"/>
-                </a:spcAft>
-                <a:buClrTx/>
-                <a:buSzTx/>
-                <a:buFontTx/>
-                <a:buNone/>
-                <a:tabLst/>
-                <a:defRPr/>
-              </a:pPr>
-              <a:t>33</a:t>
-            </a:fld>
-            <a:endParaRPr kumimoji="0" lang="en-US" sz="1200" b="0" i="0" u="none" strike="noStrike" kern="1200" cap="none" spc="0" normalizeH="0" baseline="0" noProof="0" dirty="0">
-              <a:ln>
-                <a:noFill/>
-              </a:ln>
-              <a:solidFill>
-                <a:prstClr val="black"/>
-              </a:solidFill>
-              <a:effectLst/>
-              <a:uLnTx/>
-              <a:uFillTx/>
-              <a:latin typeface="Calibri" panose="020F0502020204030204"/>
-              <a:ea typeface="+mn-ea"/>
-              <a:cs typeface="+mn-cs"/>
-            </a:endParaRPr>
-          </a:p>
-        </p:txBody>
-      </p:sp>
-    </p:spTree>
-    <p:extLst>
-      <p:ext uri="{BB962C8B-B14F-4D97-AF65-F5344CB8AC3E}">
-        <p14:creationId xmlns:p14="http://schemas.microsoft.com/office/powerpoint/2010/main" val="1448820682"/>
-      </p:ext>
-    </p:extLst>
-  </p:cSld>
-  <p:clrMapOvr>
-    <a:masterClrMapping/>
-  </p:clrMapOvr>
-</p:notes>
-</file>
-
-<file path=ppt/notesSlides/notesSlide34.xml><?xml version="1.0" encoding="utf-8"?>
-<p:notes xmlns:a="http://schemas.openxmlformats.org/drawingml/2006/main" xmlns:r="http://schemas.openxmlformats.org/officeDocument/2006/relationships" xmlns:p="http://schemas.openxmlformats.org/presentationml/2006/main">
-  <p:cSld>
-    <p:spTree>
-      <p:nvGrpSpPr>
-        <p:cNvPr id="1" name=""/>
-        <p:cNvGrpSpPr/>
-        <p:nvPr/>
-      </p:nvGrpSpPr>
-      <p:grpSpPr>
-        <a:xfrm>
-          <a:off x="0" y="0"/>
-          <a:ext cx="0" cy="0"/>
-          <a:chOff x="0" y="0"/>
-          <a:chExt cx="0" cy="0"/>
-        </a:xfrm>
-      </p:grpSpPr>
-      <p:sp>
-        <p:nvSpPr>
-          <p:cNvPr id="2" name="Slide Image Placeholder 1"/>
-          <p:cNvSpPr>
-            <a:spLocks noGrp="1" noRot="1" noChangeAspect="1"/>
-          </p:cNvSpPr>
-          <p:nvPr>
-            <p:ph type="sldImg"/>
-          </p:nvPr>
-        </p:nvSpPr>
-        <p:spPr/>
-      </p:sp>
-      <p:sp>
-        <p:nvSpPr>
-          <p:cNvPr id="3" name="Notes Placeholder 2"/>
-          <p:cNvSpPr>
-            <a:spLocks noGrp="1"/>
-          </p:cNvSpPr>
-          <p:nvPr>
-            <p:ph type="body" idx="1"/>
-          </p:nvPr>
-        </p:nvSpPr>
-        <p:spPr/>
-        <p:txBody>
-          <a:bodyPr/>
-          <a:lstStyle/>
-          <a:p>
-            <a:endParaRPr lang="en-US" dirty="0"/>
-          </a:p>
-        </p:txBody>
-      </p:sp>
-      <p:sp>
-        <p:nvSpPr>
-          <p:cNvPr id="4" name="Slide Number Placeholder 3"/>
-          <p:cNvSpPr>
-            <a:spLocks noGrp="1"/>
-          </p:cNvSpPr>
-          <p:nvPr>
-            <p:ph type="sldNum" sz="quarter" idx="5"/>
-          </p:nvPr>
-        </p:nvSpPr>
-        <p:spPr/>
-        <p:txBody>
-          <a:bodyPr/>
-          <a:lstStyle/>
-          <a:p>
-            <a:pPr marL="0" marR="0" lvl="0" indent="0" algn="r" defTabSz="914400" rtl="0" eaLnBrk="1" fontAlgn="auto" latinLnBrk="0" hangingPunct="1">
-              <a:lnSpc>
-                <a:spcPct val="100000"/>
-              </a:lnSpc>
-              <a:spcBef>
-                <a:spcPts val="0"/>
-              </a:spcBef>
-              <a:spcAft>
-                <a:spcPts val="0"/>
-              </a:spcAft>
-              <a:buClrTx/>
-              <a:buSzTx/>
-              <a:buFontTx/>
-              <a:buNone/>
-              <a:tabLst/>
-              <a:defRPr/>
-            </a:pPr>
-            <a:fld id="{D4B9A9E5-4F7F-4A7D-9DE1-899232329269}" type="slidenum">
-              <a:rPr kumimoji="0" lang="en-US" sz="1200" b="0" i="0" u="none" strike="noStrike" kern="1200" cap="none" spc="0" normalizeH="0" baseline="0" noProof="0" smtClean="0">
-                <a:ln>
-                  <a:noFill/>
-                </a:ln>
-                <a:solidFill>
-                  <a:prstClr val="black"/>
-                </a:solidFill>
-                <a:effectLst/>
-                <a:uLnTx/>
-                <a:uFillTx/>
-                <a:latin typeface="Calibri" panose="020F0502020204030204"/>
-                <a:ea typeface="+mn-ea"/>
-                <a:cs typeface="+mn-cs"/>
-              </a:rPr>
-              <a:pPr marL="0" marR="0" lvl="0" indent="0" algn="r" defTabSz="914400" rtl="0" eaLnBrk="1" fontAlgn="auto" latinLnBrk="0" hangingPunct="1">
-                <a:lnSpc>
-                  <a:spcPct val="100000"/>
-                </a:lnSpc>
-                <a:spcBef>
-                  <a:spcPts val="0"/>
-                </a:spcBef>
-                <a:spcAft>
-                  <a:spcPts val="0"/>
-                </a:spcAft>
-                <a:buClrTx/>
-                <a:buSzTx/>
-                <a:buFontTx/>
-                <a:buNone/>
-                <a:tabLst/>
-                <a:defRPr/>
-              </a:pPr>
-              <a:t>34</a:t>
-            </a:fld>
-            <a:endParaRPr kumimoji="0" lang="en-US" sz="1200" b="0" i="0" u="none" strike="noStrike" kern="1200" cap="none" spc="0" normalizeH="0" baseline="0" noProof="0" dirty="0">
-              <a:ln>
-                <a:noFill/>
-              </a:ln>
-              <a:solidFill>
-                <a:prstClr val="black"/>
-              </a:solidFill>
-              <a:effectLst/>
-              <a:uLnTx/>
-              <a:uFillTx/>
-              <a:latin typeface="Calibri" panose="020F0502020204030204"/>
-              <a:ea typeface="+mn-ea"/>
-              <a:cs typeface="+mn-cs"/>
-            </a:endParaRPr>
-          </a:p>
-        </p:txBody>
-      </p:sp>
-    </p:spTree>
-    <p:extLst>
-      <p:ext uri="{BB962C8B-B14F-4D97-AF65-F5344CB8AC3E}">
-        <p14:creationId xmlns:p14="http://schemas.microsoft.com/office/powerpoint/2010/main" val="1667261885"/>
-      </p:ext>
-    </p:extLst>
-  </p:cSld>
-  <p:clrMapOvr>
-    <a:masterClrMapping/>
-  </p:clrMapOvr>
-</p:notes>
-</file>
-
-<file path=ppt/notesSlides/notesSlide35.xml><?xml version="1.0" encoding="utf-8"?>
-<p:notes xmlns:a="http://schemas.openxmlformats.org/drawingml/2006/main" xmlns:r="http://schemas.openxmlformats.org/officeDocument/2006/relationships" xmlns:p="http://schemas.openxmlformats.org/presentationml/2006/main">
-  <p:cSld>
-    <p:spTree>
-      <p:nvGrpSpPr>
-        <p:cNvPr id="1" name=""/>
-        <p:cNvGrpSpPr/>
-        <p:nvPr/>
-      </p:nvGrpSpPr>
-      <p:grpSpPr>
-        <a:xfrm>
-          <a:off x="0" y="0"/>
-          <a:ext cx="0" cy="0"/>
-          <a:chOff x="0" y="0"/>
-          <a:chExt cx="0" cy="0"/>
-        </a:xfrm>
-      </p:grpSpPr>
-      <p:sp>
-        <p:nvSpPr>
-          <p:cNvPr id="2" name="Slide Image Placeholder 1"/>
-          <p:cNvSpPr>
-            <a:spLocks noGrp="1" noRot="1" noChangeAspect="1"/>
-          </p:cNvSpPr>
-          <p:nvPr>
-            <p:ph type="sldImg"/>
-          </p:nvPr>
-        </p:nvSpPr>
-        <p:spPr/>
-      </p:sp>
-      <p:sp>
-        <p:nvSpPr>
-          <p:cNvPr id="3" name="Notes Placeholder 2"/>
-          <p:cNvSpPr>
-            <a:spLocks noGrp="1"/>
-          </p:cNvSpPr>
-          <p:nvPr>
-            <p:ph type="body" idx="1"/>
-          </p:nvPr>
-        </p:nvSpPr>
-        <p:spPr/>
-        <p:txBody>
-          <a:bodyPr/>
-          <a:lstStyle/>
-          <a:p>
-            <a:endParaRPr lang="en-US" dirty="0"/>
-          </a:p>
-        </p:txBody>
-      </p:sp>
-      <p:sp>
-        <p:nvSpPr>
-          <p:cNvPr id="4" name="Slide Number Placeholder 3"/>
-          <p:cNvSpPr>
-            <a:spLocks noGrp="1"/>
-          </p:cNvSpPr>
-          <p:nvPr>
-            <p:ph type="sldNum" sz="quarter" idx="5"/>
-          </p:nvPr>
-        </p:nvSpPr>
-        <p:spPr/>
-        <p:txBody>
-          <a:bodyPr/>
-          <a:lstStyle/>
-          <a:p>
-            <a:pPr marL="0" marR="0" lvl="0" indent="0" algn="r" defTabSz="914400" rtl="0" eaLnBrk="1" fontAlgn="auto" latinLnBrk="0" hangingPunct="1">
-              <a:lnSpc>
-                <a:spcPct val="100000"/>
-              </a:lnSpc>
-              <a:spcBef>
-                <a:spcPts val="0"/>
-              </a:spcBef>
-              <a:spcAft>
-                <a:spcPts val="0"/>
-              </a:spcAft>
-              <a:buClrTx/>
-              <a:buSzTx/>
-              <a:buFontTx/>
-              <a:buNone/>
-              <a:tabLst/>
-              <a:defRPr/>
-            </a:pPr>
-            <a:fld id="{D4B9A9E5-4F7F-4A7D-9DE1-899232329269}" type="slidenum">
-              <a:rPr kumimoji="0" lang="en-US" sz="1200" b="0" i="0" u="none" strike="noStrike" kern="1200" cap="none" spc="0" normalizeH="0" baseline="0" noProof="0" smtClean="0">
-                <a:ln>
-                  <a:noFill/>
-                </a:ln>
-                <a:solidFill>
-                  <a:prstClr val="black"/>
-                </a:solidFill>
-                <a:effectLst/>
-                <a:uLnTx/>
-                <a:uFillTx/>
-                <a:latin typeface="Calibri" panose="020F0502020204030204"/>
-                <a:ea typeface="+mn-ea"/>
-                <a:cs typeface="+mn-cs"/>
-              </a:rPr>
-              <a:pPr marL="0" marR="0" lvl="0" indent="0" algn="r" defTabSz="914400" rtl="0" eaLnBrk="1" fontAlgn="auto" latinLnBrk="0" hangingPunct="1">
-                <a:lnSpc>
-                  <a:spcPct val="100000"/>
-                </a:lnSpc>
-                <a:spcBef>
-                  <a:spcPts val="0"/>
-                </a:spcBef>
-                <a:spcAft>
-                  <a:spcPts val="0"/>
-                </a:spcAft>
-                <a:buClrTx/>
-                <a:buSzTx/>
-                <a:buFontTx/>
-                <a:buNone/>
-                <a:tabLst/>
-                <a:defRPr/>
-              </a:pPr>
-              <a:t>35</a:t>
-            </a:fld>
-            <a:endParaRPr kumimoji="0" lang="en-US" sz="1200" b="0" i="0" u="none" strike="noStrike" kern="1200" cap="none" spc="0" normalizeH="0" baseline="0" noProof="0" dirty="0">
-              <a:ln>
-                <a:noFill/>
-              </a:ln>
-              <a:solidFill>
-                <a:prstClr val="black"/>
-              </a:solidFill>
-              <a:effectLst/>
-              <a:uLnTx/>
-              <a:uFillTx/>
-              <a:latin typeface="Calibri" panose="020F0502020204030204"/>
-              <a:ea typeface="+mn-ea"/>
-              <a:cs typeface="+mn-cs"/>
-            </a:endParaRPr>
-          </a:p>
-        </p:txBody>
-      </p:sp>
-    </p:spTree>
-    <p:extLst>
-      <p:ext uri="{BB962C8B-B14F-4D97-AF65-F5344CB8AC3E}">
-        <p14:creationId xmlns:p14="http://schemas.microsoft.com/office/powerpoint/2010/main" val="4135410870"/>
-      </p:ext>
-    </p:extLst>
-  </p:cSld>
-  <p:clrMapOvr>
-    <a:masterClrMapping/>
-  </p:clrMapOvr>
-</p:notes>
-</file>
-
-<file path=ppt/notesSlides/notesSlide36.xml><?xml version="1.0" encoding="utf-8"?>
-<p:notes xmlns:a="http://schemas.openxmlformats.org/drawingml/2006/main" xmlns:r="http://schemas.openxmlformats.org/officeDocument/2006/relationships" xmlns:p="http://schemas.openxmlformats.org/presentationml/2006/main">
-  <p:cSld>
-    <p:spTree>
-      <p:nvGrpSpPr>
-        <p:cNvPr id="1" name="">
-          <a:extLst>
-            <a:ext uri="{FF2B5EF4-FFF2-40B4-BE49-F238E27FC236}">
-              <a16:creationId xmlns:a16="http://schemas.microsoft.com/office/drawing/2014/main" id="{7FBD8109-3156-5A92-AA34-FCB32DAEA9FF}"/>
-            </a:ext>
-          </a:extLst>
-        </p:cNvPr>
-        <p:cNvGrpSpPr/>
-        <p:nvPr/>
-      </p:nvGrpSpPr>
-      <p:grpSpPr>
-        <a:xfrm>
-          <a:off x="0" y="0"/>
-          <a:ext cx="0" cy="0"/>
-          <a:chOff x="0" y="0"/>
-          <a:chExt cx="0" cy="0"/>
-        </a:xfrm>
-      </p:grpSpPr>
-      <p:sp>
-        <p:nvSpPr>
-          <p:cNvPr id="2" name="Slide Image Placeholder 1">
-            <a:extLst>
-              <a:ext uri="{FF2B5EF4-FFF2-40B4-BE49-F238E27FC236}">
-                <a16:creationId xmlns:a16="http://schemas.microsoft.com/office/drawing/2014/main" id="{6D755A68-2FAB-3561-6C09-BFBD65AF45F3}"/>
-              </a:ext>
-            </a:extLst>
-          </p:cNvPr>
-          <p:cNvSpPr>
-            <a:spLocks noGrp="1" noRot="1" noChangeAspect="1"/>
-          </p:cNvSpPr>
-          <p:nvPr>
-            <p:ph type="sldImg"/>
-          </p:nvPr>
-        </p:nvSpPr>
-        <p:spPr/>
-      </p:sp>
-      <p:sp>
-        <p:nvSpPr>
-          <p:cNvPr id="3" name="Notes Placeholder 2">
-            <a:extLst>
-              <a:ext uri="{FF2B5EF4-FFF2-40B4-BE49-F238E27FC236}">
-                <a16:creationId xmlns:a16="http://schemas.microsoft.com/office/drawing/2014/main" id="{4FF5ACD0-D903-EB0B-D2F1-4A6018327FC7}"/>
-              </a:ext>
-            </a:extLst>
-          </p:cNvPr>
-          <p:cNvSpPr>
-            <a:spLocks noGrp="1"/>
-          </p:cNvSpPr>
-          <p:nvPr>
-            <p:ph type="body" idx="1"/>
-          </p:nvPr>
-        </p:nvSpPr>
-        <p:spPr/>
-        <p:txBody>
-          <a:bodyPr/>
-          <a:lstStyle/>
-          <a:p>
-            <a:endParaRPr lang="en-US" dirty="0"/>
-          </a:p>
-        </p:txBody>
-      </p:sp>
-      <p:sp>
-        <p:nvSpPr>
-          <p:cNvPr id="4" name="Slide Number Placeholder 3">
-            <a:extLst>
-              <a:ext uri="{FF2B5EF4-FFF2-40B4-BE49-F238E27FC236}">
-                <a16:creationId xmlns:a16="http://schemas.microsoft.com/office/drawing/2014/main" id="{F0AE6557-3B4E-AEAD-2C32-43BF39C9FBF8}"/>
-              </a:ext>
-            </a:extLst>
-          </p:cNvPr>
-          <p:cNvSpPr>
-            <a:spLocks noGrp="1"/>
-          </p:cNvSpPr>
-          <p:nvPr>
-            <p:ph type="sldNum" sz="quarter" idx="5"/>
-          </p:nvPr>
-        </p:nvSpPr>
-        <p:spPr/>
-        <p:txBody>
-          <a:bodyPr/>
-          <a:lstStyle/>
-          <a:p>
-            <a:pPr marL="0" marR="0" lvl="0" indent="0" algn="r" defTabSz="914400" rtl="0" eaLnBrk="1" fontAlgn="auto" latinLnBrk="0" hangingPunct="1">
-              <a:lnSpc>
-                <a:spcPct val="100000"/>
-              </a:lnSpc>
-              <a:spcBef>
-                <a:spcPts val="0"/>
-              </a:spcBef>
-              <a:spcAft>
-                <a:spcPts val="0"/>
-              </a:spcAft>
-              <a:buClrTx/>
-              <a:buSzTx/>
-              <a:buFontTx/>
-              <a:buNone/>
-              <a:tabLst/>
-              <a:defRPr/>
-            </a:pPr>
-            <a:fld id="{D4B9A9E5-4F7F-4A7D-9DE1-899232329269}" type="slidenum">
-              <a:rPr kumimoji="0" lang="en-US" sz="1200" b="0" i="0" u="none" strike="noStrike" kern="1200" cap="none" spc="0" normalizeH="0" baseline="0" noProof="0" smtClean="0">
-                <a:ln>
-                  <a:noFill/>
-                </a:ln>
-                <a:solidFill>
-                  <a:prstClr val="black"/>
-                </a:solidFill>
-                <a:effectLst/>
-                <a:uLnTx/>
-                <a:uFillTx/>
-                <a:latin typeface="Calibri" panose="020F0502020204030204"/>
-                <a:ea typeface="+mn-ea"/>
-                <a:cs typeface="+mn-cs"/>
-              </a:rPr>
-              <a:pPr marL="0" marR="0" lvl="0" indent="0" algn="r" defTabSz="914400" rtl="0" eaLnBrk="1" fontAlgn="auto" latinLnBrk="0" hangingPunct="1">
-                <a:lnSpc>
-                  <a:spcPct val="100000"/>
-                </a:lnSpc>
-                <a:spcBef>
-                  <a:spcPts val="0"/>
-                </a:spcBef>
-                <a:spcAft>
-                  <a:spcPts val="0"/>
-                </a:spcAft>
-                <a:buClrTx/>
-                <a:buSzTx/>
-                <a:buFontTx/>
-                <a:buNone/>
-                <a:tabLst/>
-                <a:defRPr/>
-              </a:pPr>
-              <a:t>36</a:t>
-            </a:fld>
-            <a:endParaRPr kumimoji="0" lang="en-US" sz="1200" b="0" i="0" u="none" strike="noStrike" kern="1200" cap="none" spc="0" normalizeH="0" baseline="0" noProof="0" dirty="0">
-              <a:ln>
-                <a:noFill/>
-              </a:ln>
-              <a:solidFill>
-                <a:prstClr val="black"/>
-              </a:solidFill>
-              <a:effectLst/>
-              <a:uLnTx/>
-              <a:uFillTx/>
-              <a:latin typeface="Calibri" panose="020F0502020204030204"/>
-              <a:ea typeface="+mn-ea"/>
-              <a:cs typeface="+mn-cs"/>
-            </a:endParaRPr>
-          </a:p>
-        </p:txBody>
-      </p:sp>
-    </p:spTree>
-    <p:extLst>
-      <p:ext uri="{BB962C8B-B14F-4D97-AF65-F5344CB8AC3E}">
-        <p14:creationId xmlns:p14="http://schemas.microsoft.com/office/powerpoint/2010/main" val="1411459286"/>
-      </p:ext>
-    </p:extLst>
-  </p:cSld>
-  <p:clrMapOvr>
-    <a:masterClrMapping/>
-  </p:clrMapOvr>
-</p:notes>
-</file>
-
-<file path=ppt/notesSlides/notesSlide37.xml><?xml version="1.0" encoding="utf-8"?>
-<p:notes xmlns:a="http://schemas.openxmlformats.org/drawingml/2006/main" xmlns:r="http://schemas.openxmlformats.org/officeDocument/2006/relationships" xmlns:p="http://schemas.openxmlformats.org/presentationml/2006/main">
-  <p:cSld>
-    <p:spTree>
-      <p:nvGrpSpPr>
-        <p:cNvPr id="1" name=""/>
-        <p:cNvGrpSpPr/>
-        <p:nvPr/>
-      </p:nvGrpSpPr>
-      <p:grpSpPr>
-        <a:xfrm>
-          <a:off x="0" y="0"/>
-          <a:ext cx="0" cy="0"/>
-          <a:chOff x="0" y="0"/>
-          <a:chExt cx="0" cy="0"/>
-        </a:xfrm>
-      </p:grpSpPr>
-      <p:sp>
-        <p:nvSpPr>
-          <p:cNvPr id="2" name="Slide Image Placeholder 1"/>
-          <p:cNvSpPr>
-            <a:spLocks noGrp="1" noRot="1" noChangeAspect="1"/>
-          </p:cNvSpPr>
-          <p:nvPr>
-            <p:ph type="sldImg"/>
-          </p:nvPr>
-        </p:nvSpPr>
-        <p:spPr/>
-      </p:sp>
-      <p:sp>
-        <p:nvSpPr>
-          <p:cNvPr id="3" name="Notes Placeholder 2"/>
-          <p:cNvSpPr>
-            <a:spLocks noGrp="1"/>
-          </p:cNvSpPr>
-          <p:nvPr>
-            <p:ph type="body" idx="1"/>
-          </p:nvPr>
-        </p:nvSpPr>
-        <p:spPr/>
-        <p:txBody>
-          <a:bodyPr/>
-          <a:lstStyle/>
-          <a:p>
-            <a:endParaRPr lang="en-US" dirty="0"/>
-          </a:p>
-        </p:txBody>
-      </p:sp>
-      <p:sp>
-        <p:nvSpPr>
-          <p:cNvPr id="4" name="Slide Number Placeholder 3"/>
-          <p:cNvSpPr>
-            <a:spLocks noGrp="1"/>
-          </p:cNvSpPr>
-          <p:nvPr>
-            <p:ph type="sldNum" sz="quarter" idx="5"/>
-          </p:nvPr>
-        </p:nvSpPr>
-        <p:spPr/>
-        <p:txBody>
-          <a:bodyPr/>
-          <a:lstStyle/>
-          <a:p>
-            <a:fld id="{D4B9A9E5-4F7F-4A7D-9DE1-899232329269}" type="slidenum">
-              <a:rPr lang="en-US" smtClean="0"/>
-              <a:t>37</a:t>
-            </a:fld>
-            <a:endParaRPr lang="en-US" dirty="0"/>
-          </a:p>
-        </p:txBody>
-      </p:sp>
-    </p:spTree>
-    <p:extLst>
-      <p:ext uri="{BB962C8B-B14F-4D97-AF65-F5344CB8AC3E}">
-        <p14:creationId xmlns:p14="http://schemas.microsoft.com/office/powerpoint/2010/main" val="2429966596"/>
-      </p:ext>
-    </p:extLst>
-  </p:cSld>
-  <p:clrMapOvr>
-    <a:masterClrMapping/>
-  </p:clrMapOvr>
-</p:notes>
-</file>
-
 <file path=ppt/notesSlides/notesSlide4.xml><?xml version="1.0" encoding="utf-8"?>
 <p:notes xmlns:a="http://schemas.openxmlformats.org/drawingml/2006/main" xmlns:r="http://schemas.openxmlformats.org/officeDocument/2006/relationships" xmlns:p="http://schemas.openxmlformats.org/presentationml/2006/main">
   <p:cSld>
@@ -5466,7 +4774,7 @@
         <p:cNvPr id="1" name="">
           <a:extLst>
             <a:ext uri="{FF2B5EF4-FFF2-40B4-BE49-F238E27FC236}">
-              <a16:creationId xmlns:a16="http://schemas.microsoft.com/office/drawing/2014/main" id="{82766466-B2EB-1E66-E999-EF9C6751D67C}"/>
+              <a16:creationId xmlns:a16="http://schemas.microsoft.com/office/drawing/2014/main" id="{8F0C67E2-F5DA-AADA-E2E8-5C98B93D1159}"/>
             </a:ext>
           </a:extLst>
         </p:cNvPr>
@@ -5486,7 +4794,7 @@
           <p:cNvPr id="2" name="Slide Image Placeholder 1">
             <a:extLst>
               <a:ext uri="{FF2B5EF4-FFF2-40B4-BE49-F238E27FC236}">
-                <a16:creationId xmlns:a16="http://schemas.microsoft.com/office/drawing/2014/main" id="{EB84931F-3F65-B97F-1A18-4567CBF73AE2}"/>
+                <a16:creationId xmlns:a16="http://schemas.microsoft.com/office/drawing/2014/main" id="{34EC903D-226F-165F-0919-971AA9727B61}"/>
               </a:ext>
             </a:extLst>
           </p:cNvPr>
@@ -5504,7 +4812,7 @@
           <p:cNvPr id="3" name="Notes Placeholder 2">
             <a:extLst>
               <a:ext uri="{FF2B5EF4-FFF2-40B4-BE49-F238E27FC236}">
-                <a16:creationId xmlns:a16="http://schemas.microsoft.com/office/drawing/2014/main" id="{E55C3FBE-3193-6E1C-E938-1C6F80FA5C2D}"/>
+                <a16:creationId xmlns:a16="http://schemas.microsoft.com/office/drawing/2014/main" id="{E812A49E-CE8E-7BCA-302C-65115832D490}"/>
               </a:ext>
             </a:extLst>
           </p:cNvPr>
@@ -5529,7 +4837,7 @@
           <p:cNvPr id="4" name="Slide Number Placeholder 3">
             <a:extLst>
               <a:ext uri="{FF2B5EF4-FFF2-40B4-BE49-F238E27FC236}">
-                <a16:creationId xmlns:a16="http://schemas.microsoft.com/office/drawing/2014/main" id="{C3EB17B5-2B49-4C5E-D690-F147AA406D43}"/>
+                <a16:creationId xmlns:a16="http://schemas.microsoft.com/office/drawing/2014/main" id="{D32F8678-8AE8-4A77-B39F-3A552C7C213A}"/>
               </a:ext>
             </a:extLst>
           </p:cNvPr>
@@ -5616,7 +4924,7 @@
     </p:spTree>
     <p:extLst>
       <p:ext uri="{BB962C8B-B14F-4D97-AF65-F5344CB8AC3E}">
-        <p14:creationId xmlns:p14="http://schemas.microsoft.com/office/powerpoint/2010/main" val="924918228"/>
+        <p14:creationId xmlns:p14="http://schemas.microsoft.com/office/powerpoint/2010/main" val="393628584"/>
       </p:ext>
     </p:extLst>
   </p:cSld>
@@ -5634,7 +4942,7 @@
         <p:cNvPr id="1" name="">
           <a:extLst>
             <a:ext uri="{FF2B5EF4-FFF2-40B4-BE49-F238E27FC236}">
-              <a16:creationId xmlns:a16="http://schemas.microsoft.com/office/drawing/2014/main" id="{8F0C67E2-F5DA-AADA-E2E8-5C98B93D1159}"/>
+              <a16:creationId xmlns:a16="http://schemas.microsoft.com/office/drawing/2014/main" id="{0904543B-E79C-E345-7EAC-579770C279AE}"/>
             </a:ext>
           </a:extLst>
         </p:cNvPr>
@@ -5654,7 +4962,7 @@
           <p:cNvPr id="2" name="Slide Image Placeholder 1">
             <a:extLst>
               <a:ext uri="{FF2B5EF4-FFF2-40B4-BE49-F238E27FC236}">
-                <a16:creationId xmlns:a16="http://schemas.microsoft.com/office/drawing/2014/main" id="{34EC903D-226F-165F-0919-971AA9727B61}"/>
+                <a16:creationId xmlns:a16="http://schemas.microsoft.com/office/drawing/2014/main" id="{9D10A542-DA51-69C4-4DD7-DF997862169E}"/>
               </a:ext>
             </a:extLst>
           </p:cNvPr>
@@ -5672,7 +4980,7 @@
           <p:cNvPr id="3" name="Notes Placeholder 2">
             <a:extLst>
               <a:ext uri="{FF2B5EF4-FFF2-40B4-BE49-F238E27FC236}">
-                <a16:creationId xmlns:a16="http://schemas.microsoft.com/office/drawing/2014/main" id="{E812A49E-CE8E-7BCA-302C-65115832D490}"/>
+                <a16:creationId xmlns:a16="http://schemas.microsoft.com/office/drawing/2014/main" id="{0F6A7A6E-50D1-6368-9E79-127646C9F5C2}"/>
               </a:ext>
             </a:extLst>
           </p:cNvPr>
@@ -5697,7 +5005,7 @@
           <p:cNvPr id="4" name="Slide Number Placeholder 3">
             <a:extLst>
               <a:ext uri="{FF2B5EF4-FFF2-40B4-BE49-F238E27FC236}">
-                <a16:creationId xmlns:a16="http://schemas.microsoft.com/office/drawing/2014/main" id="{D32F8678-8AE8-4A77-B39F-3A552C7C213A}"/>
+                <a16:creationId xmlns:a16="http://schemas.microsoft.com/office/drawing/2014/main" id="{5C9FD88B-7D3C-999C-840E-42E88A19EA7F}"/>
               </a:ext>
             </a:extLst>
           </p:cNvPr>
@@ -5784,7 +5092,7 @@
     </p:spTree>
     <p:extLst>
       <p:ext uri="{BB962C8B-B14F-4D97-AF65-F5344CB8AC3E}">
-        <p14:creationId xmlns:p14="http://schemas.microsoft.com/office/powerpoint/2010/main" val="393628584"/>
+        <p14:creationId xmlns:p14="http://schemas.microsoft.com/office/powerpoint/2010/main" val="2152298147"/>
       </p:ext>
     </p:extLst>
   </p:cSld>
@@ -5802,7 +5110,7 @@
         <p:cNvPr id="1" name="">
           <a:extLst>
             <a:ext uri="{FF2B5EF4-FFF2-40B4-BE49-F238E27FC236}">
-              <a16:creationId xmlns:a16="http://schemas.microsoft.com/office/drawing/2014/main" id="{0904543B-E79C-E345-7EAC-579770C279AE}"/>
+              <a16:creationId xmlns:a16="http://schemas.microsoft.com/office/drawing/2014/main" id="{81AE7A61-C4A1-26CC-6AEF-917392681702}"/>
             </a:ext>
           </a:extLst>
         </p:cNvPr>
@@ -5822,7 +5130,7 @@
           <p:cNvPr id="2" name="Slide Image Placeholder 1">
             <a:extLst>
               <a:ext uri="{FF2B5EF4-FFF2-40B4-BE49-F238E27FC236}">
-                <a16:creationId xmlns:a16="http://schemas.microsoft.com/office/drawing/2014/main" id="{9D10A542-DA51-69C4-4DD7-DF997862169E}"/>
+                <a16:creationId xmlns:a16="http://schemas.microsoft.com/office/drawing/2014/main" id="{8A31DB4F-5268-32F9-B972-21D8DCE05229}"/>
               </a:ext>
             </a:extLst>
           </p:cNvPr>
@@ -5840,7 +5148,7 @@
           <p:cNvPr id="3" name="Notes Placeholder 2">
             <a:extLst>
               <a:ext uri="{FF2B5EF4-FFF2-40B4-BE49-F238E27FC236}">
-                <a16:creationId xmlns:a16="http://schemas.microsoft.com/office/drawing/2014/main" id="{0F6A7A6E-50D1-6368-9E79-127646C9F5C2}"/>
+                <a16:creationId xmlns:a16="http://schemas.microsoft.com/office/drawing/2014/main" id="{4D6989B9-1848-303B-717B-2F152F2C4B02}"/>
               </a:ext>
             </a:extLst>
           </p:cNvPr>
@@ -5865,7 +5173,7 @@
           <p:cNvPr id="4" name="Slide Number Placeholder 3">
             <a:extLst>
               <a:ext uri="{FF2B5EF4-FFF2-40B4-BE49-F238E27FC236}">
-                <a16:creationId xmlns:a16="http://schemas.microsoft.com/office/drawing/2014/main" id="{5C9FD88B-7D3C-999C-840E-42E88A19EA7F}"/>
+                <a16:creationId xmlns:a16="http://schemas.microsoft.com/office/drawing/2014/main" id="{F3879C7B-3661-20E6-458F-B740424CEC5A}"/>
               </a:ext>
             </a:extLst>
           </p:cNvPr>
@@ -5952,7 +5260,7 @@
     </p:spTree>
     <p:extLst>
       <p:ext uri="{BB962C8B-B14F-4D97-AF65-F5344CB8AC3E}">
-        <p14:creationId xmlns:p14="http://schemas.microsoft.com/office/powerpoint/2010/main" val="2152298147"/>
+        <p14:creationId xmlns:p14="http://schemas.microsoft.com/office/powerpoint/2010/main" val="3813544842"/>
       </p:ext>
     </p:extLst>
   </p:cSld>
@@ -10963,7 +10271,7 @@
         <p:cNvPr id="1" name="">
           <a:extLst>
             <a:ext uri="{FF2B5EF4-FFF2-40B4-BE49-F238E27FC236}">
-              <a16:creationId xmlns:a16="http://schemas.microsoft.com/office/drawing/2014/main" id="{9DE34E70-86C4-79DD-322E-FB0F30AEE811}"/>
+              <a16:creationId xmlns:a16="http://schemas.microsoft.com/office/drawing/2014/main" id="{CE574DD9-A142-9F4E-1CE2-173819AB1827}"/>
             </a:ext>
           </a:extLst>
         </p:cNvPr>
@@ -10980,10 +10288,10 @@
       </p:grpSpPr>
       <p:sp>
         <p:nvSpPr>
-          <p:cNvPr id="7" name="Title 6">
-            <a:extLst>
-              <a:ext uri="{FF2B5EF4-FFF2-40B4-BE49-F238E27FC236}">
-                <a16:creationId xmlns:a16="http://schemas.microsoft.com/office/drawing/2014/main" id="{DF826CFC-0F37-6F34-6070-85BF334517A5}"/>
+          <p:cNvPr id="2" name="Title 1">
+            <a:extLst>
+              <a:ext uri="{FF2B5EF4-FFF2-40B4-BE49-F238E27FC236}">
+                <a16:creationId xmlns:a16="http://schemas.microsoft.com/office/drawing/2014/main" id="{D9820A52-C506-D35B-3A79-E089E3A6823C}"/>
               </a:ext>
             </a:extLst>
           </p:cNvPr>
@@ -10996,8 +10304,8 @@
         </p:nvSpPr>
         <p:spPr>
           <a:xfrm>
-            <a:off x="6126480" y="1310639"/>
-            <a:ext cx="4805997" cy="2689629"/>
+            <a:off x="914399" y="365125"/>
+            <a:ext cx="10363201" cy="1629601"/>
           </a:xfrm>
         </p:spPr>
         <p:txBody>
@@ -11007,7 +10315,7 @@
           <a:lstStyle/>
           <a:p>
             <a:r>
-              <a:rPr lang="en-US" sz="6000" cap="none" dirty="0">
+              <a:rPr lang="en-US" sz="4000" cap="none" dirty="0">
                 <a:latin typeface="Arial" panose="020B0604020202020204" pitchFamily="34" charset="0"/>
                 <a:cs typeface="Arial" panose="020B0604020202020204" pitchFamily="34" charset="0"/>
               </a:rPr>
@@ -11016,35 +10324,134 @@
           </a:p>
         </p:txBody>
       </p:sp>
+      <p:sp>
+        <p:nvSpPr>
+          <p:cNvPr id="5" name="Slide Number Placeholder 4">
+            <a:extLst>
+              <a:ext uri="{FF2B5EF4-FFF2-40B4-BE49-F238E27FC236}">
+                <a16:creationId xmlns:a16="http://schemas.microsoft.com/office/drawing/2014/main" id="{C3FFDC52-F8BD-2137-E7FF-60AD05C5078E}"/>
+              </a:ext>
+            </a:extLst>
+          </p:cNvPr>
+          <p:cNvSpPr>
+            <a:spLocks noGrp="1"/>
+          </p:cNvSpPr>
+          <p:nvPr>
+            <p:ph type="sldNum" sz="quarter" idx="4"/>
+          </p:nvPr>
+        </p:nvSpPr>
+        <p:spPr>
+          <a:xfrm>
+            <a:off x="914400" y="6246254"/>
+            <a:ext cx="631065" cy="296214"/>
+          </a:xfrm>
+        </p:spPr>
+        <p:txBody>
+          <a:bodyPr/>
+          <a:lstStyle/>
+          <a:p>
+            <a:pPr marL="0" marR="0" lvl="0" indent="0" algn="l" defTabSz="914400" rtl="0" eaLnBrk="1" fontAlgn="auto" latinLnBrk="0" hangingPunct="1">
+              <a:lnSpc>
+                <a:spcPct val="100000"/>
+              </a:lnSpc>
+              <a:spcBef>
+                <a:spcPts val="0"/>
+              </a:spcBef>
+              <a:spcAft>
+                <a:spcPts val="0"/>
+              </a:spcAft>
+              <a:buClrTx/>
+              <a:buSzTx/>
+              <a:buFontTx/>
+              <a:buNone/>
+              <a:tabLst/>
+              <a:defRPr/>
+            </a:pPr>
+            <a:fld id="{B5CEABB6-07DC-46E8-9B57-56EC44A396E5}" type="slidenum">
+              <a:rPr kumimoji="0" lang="en-US" sz="1200" b="0" i="0" u="none" strike="noStrike" kern="1200" cap="none" spc="0" normalizeH="0" baseline="0" noProof="0" smtClean="0">
+                <a:ln>
+                  <a:noFill/>
+                </a:ln>
+                <a:solidFill>
+                  <a:prstClr val="black"/>
+                </a:solidFill>
+                <a:effectLst/>
+                <a:uLnTx/>
+                <a:uFillTx/>
+                <a:latin typeface="Tenorite"/>
+                <a:ea typeface="+mn-ea"/>
+                <a:cs typeface="+mn-cs"/>
+              </a:rPr>
+              <a:pPr marL="0" marR="0" lvl="0" indent="0" algn="l" defTabSz="914400" rtl="0" eaLnBrk="1" fontAlgn="auto" latinLnBrk="0" hangingPunct="1">
+                <a:lnSpc>
+                  <a:spcPct val="100000"/>
+                </a:lnSpc>
+                <a:spcBef>
+                  <a:spcPts val="0"/>
+                </a:spcBef>
+                <a:spcAft>
+                  <a:spcPts val="0"/>
+                </a:spcAft>
+                <a:buClrTx/>
+                <a:buSzTx/>
+                <a:buFontTx/>
+                <a:buNone/>
+                <a:tabLst/>
+                <a:defRPr/>
+              </a:pPr>
+              <a:t>10</a:t>
+            </a:fld>
+            <a:endParaRPr kumimoji="0" lang="en-US" sz="1200" b="0" i="0" u="none" strike="noStrike" kern="1200" cap="none" spc="0" normalizeH="0" baseline="0" noProof="0" dirty="0">
+              <a:ln>
+                <a:noFill/>
+              </a:ln>
+              <a:solidFill>
+                <a:prstClr val="black"/>
+              </a:solidFill>
+              <a:effectLst/>
+              <a:uLnTx/>
+              <a:uFillTx/>
+              <a:latin typeface="Tenorite"/>
+              <a:ea typeface="+mn-ea"/>
+              <a:cs typeface="+mn-cs"/>
+            </a:endParaRPr>
+          </a:p>
+        </p:txBody>
+      </p:sp>
       <p:pic>
         <p:nvPicPr>
-          <p:cNvPr id="16" name="Picture Placeholder 15" descr="A logo of people and a blue diamond&#10;&#10;AI-generated content may be incorrect.">
-            <a:extLst>
-              <a:ext uri="{FF2B5EF4-FFF2-40B4-BE49-F238E27FC236}">
-                <a16:creationId xmlns:a16="http://schemas.microsoft.com/office/drawing/2014/main" id="{41786C57-49C1-74DF-70E1-05E2DF1855D7}"/>
+          <p:cNvPr id="6" name="Picture 5">
+            <a:extLst>
+              <a:ext uri="{FF2B5EF4-FFF2-40B4-BE49-F238E27FC236}">
+                <a16:creationId xmlns:a16="http://schemas.microsoft.com/office/drawing/2014/main" id="{45AD5D1E-937A-9FB4-85C6-4911143C777A}"/>
               </a:ext>
             </a:extLst>
           </p:cNvPr>
           <p:cNvPicPr>
-            <a:picLocks noGrp="1" noChangeAspect="1"/>
+            <a:picLocks noChangeAspect="1"/>
           </p:cNvPicPr>
-          <p:nvPr>
-            <p:ph type="pic" sz="quarter" idx="11"/>
-          </p:nvPr>
+          <p:nvPr/>
         </p:nvPicPr>
         <p:blipFill>
           <a:blip r:embed="rId3"/>
-          <a:srcRect l="8556" r="8556"/>
           <a:stretch>
             <a:fillRect/>
           </a:stretch>
         </p:blipFill>
-        <p:spPr/>
+        <p:spPr>
+          <a:xfrm>
+            <a:off x="3421591" y="1486452"/>
+            <a:ext cx="5348815" cy="4656164"/>
+          </a:xfrm>
+          <a:prstGeom prst="rect">
+            <a:avLst/>
+          </a:prstGeom>
+        </p:spPr>
       </p:pic>
     </p:spTree>
     <p:extLst>
       <p:ext uri="{BB962C8B-B14F-4D97-AF65-F5344CB8AC3E}">
-        <p14:creationId xmlns:p14="http://schemas.microsoft.com/office/powerpoint/2010/main" val="751660820"/>
+        <p14:creationId xmlns:p14="http://schemas.microsoft.com/office/powerpoint/2010/main" val="1538183879"/>
       </p:ext>
     </p:extLst>
   </p:cSld>
@@ -11359,6 +10766,303 @@
         <p:cNvPr id="1" name="">
           <a:extLst>
             <a:ext uri="{FF2B5EF4-FFF2-40B4-BE49-F238E27FC236}">
+              <a16:creationId xmlns:a16="http://schemas.microsoft.com/office/drawing/2014/main" id="{C2B235A2-7C5A-0AA7-DBB0-17B55170CA7D}"/>
+            </a:ext>
+          </a:extLst>
+        </p:cNvPr>
+        <p:cNvGrpSpPr/>
+        <p:nvPr/>
+      </p:nvGrpSpPr>
+      <p:grpSpPr>
+        <a:xfrm>
+          <a:off x="0" y="0"/>
+          <a:ext cx="0" cy="0"/>
+          <a:chOff x="0" y="0"/>
+          <a:chExt cx="0" cy="0"/>
+        </a:xfrm>
+      </p:grpSpPr>
+      <p:sp>
+        <p:nvSpPr>
+          <p:cNvPr id="2" name="Title 1">
+            <a:extLst>
+              <a:ext uri="{FF2B5EF4-FFF2-40B4-BE49-F238E27FC236}">
+                <a16:creationId xmlns:a16="http://schemas.microsoft.com/office/drawing/2014/main" id="{ED83D640-CA28-C58A-2F32-457D855B17BC}"/>
+              </a:ext>
+            </a:extLst>
+          </p:cNvPr>
+          <p:cNvSpPr>
+            <a:spLocks noGrp="1"/>
+          </p:cNvSpPr>
+          <p:nvPr>
+            <p:ph type="title"/>
+          </p:nvPr>
+        </p:nvSpPr>
+        <p:spPr>
+          <a:xfrm>
+            <a:off x="914400" y="365125"/>
+            <a:ext cx="2710928" cy="1629601"/>
+          </a:xfrm>
+        </p:spPr>
+        <p:txBody>
+          <a:bodyPr>
+            <a:normAutofit/>
+          </a:bodyPr>
+          <a:lstStyle/>
+          <a:p>
+            <a:r>
+              <a:rPr lang="en-US" sz="4000" cap="none" dirty="0">
+                <a:latin typeface="Arial" panose="020B0604020202020204" pitchFamily="34" charset="0"/>
+                <a:cs typeface="Arial" panose="020B0604020202020204" pitchFamily="34" charset="0"/>
+              </a:rPr>
+              <a:t>Sign-up</a:t>
+            </a:r>
+          </a:p>
+        </p:txBody>
+      </p:sp>
+      <p:sp>
+        <p:nvSpPr>
+          <p:cNvPr id="5" name="Slide Number Placeholder 4">
+            <a:extLst>
+              <a:ext uri="{FF2B5EF4-FFF2-40B4-BE49-F238E27FC236}">
+                <a16:creationId xmlns:a16="http://schemas.microsoft.com/office/drawing/2014/main" id="{96FC545A-D486-6A72-D734-A0AD234D8803}"/>
+              </a:ext>
+            </a:extLst>
+          </p:cNvPr>
+          <p:cNvSpPr>
+            <a:spLocks noGrp="1"/>
+          </p:cNvSpPr>
+          <p:nvPr>
+            <p:ph type="sldNum" sz="quarter" idx="4"/>
+          </p:nvPr>
+        </p:nvSpPr>
+        <p:spPr>
+          <a:xfrm>
+            <a:off x="914400" y="6246254"/>
+            <a:ext cx="631065" cy="296214"/>
+          </a:xfrm>
+        </p:spPr>
+        <p:txBody>
+          <a:bodyPr/>
+          <a:lstStyle/>
+          <a:p>
+            <a:pPr marL="0" marR="0" lvl="0" indent="0" algn="l" defTabSz="914400" rtl="0" eaLnBrk="1" fontAlgn="auto" latinLnBrk="0" hangingPunct="1">
+              <a:lnSpc>
+                <a:spcPct val="100000"/>
+              </a:lnSpc>
+              <a:spcBef>
+                <a:spcPts val="0"/>
+              </a:spcBef>
+              <a:spcAft>
+                <a:spcPts val="0"/>
+              </a:spcAft>
+              <a:buClrTx/>
+              <a:buSzTx/>
+              <a:buFontTx/>
+              <a:buNone/>
+              <a:tabLst/>
+              <a:defRPr/>
+            </a:pPr>
+            <a:fld id="{B5CEABB6-07DC-46E8-9B57-56EC44A396E5}" type="slidenum">
+              <a:rPr kumimoji="0" lang="en-US" sz="1200" b="0" i="0" u="none" strike="noStrike" kern="1200" cap="none" spc="0" normalizeH="0" baseline="0" noProof="0" smtClean="0">
+                <a:ln>
+                  <a:noFill/>
+                </a:ln>
+                <a:solidFill>
+                  <a:prstClr val="black"/>
+                </a:solidFill>
+                <a:effectLst/>
+                <a:uLnTx/>
+                <a:uFillTx/>
+                <a:latin typeface="Tenorite"/>
+                <a:ea typeface="+mn-ea"/>
+                <a:cs typeface="+mn-cs"/>
+              </a:rPr>
+              <a:pPr marL="0" marR="0" lvl="0" indent="0" algn="l" defTabSz="914400" rtl="0" eaLnBrk="1" fontAlgn="auto" latinLnBrk="0" hangingPunct="1">
+                <a:lnSpc>
+                  <a:spcPct val="100000"/>
+                </a:lnSpc>
+                <a:spcBef>
+                  <a:spcPts val="0"/>
+                </a:spcBef>
+                <a:spcAft>
+                  <a:spcPts val="0"/>
+                </a:spcAft>
+                <a:buClrTx/>
+                <a:buSzTx/>
+                <a:buFontTx/>
+                <a:buNone/>
+                <a:tabLst/>
+                <a:defRPr/>
+              </a:pPr>
+              <a:t>14</a:t>
+            </a:fld>
+            <a:endParaRPr kumimoji="0" lang="en-US" sz="1200" b="0" i="0" u="none" strike="noStrike" kern="1200" cap="none" spc="0" normalizeH="0" baseline="0" noProof="0" dirty="0">
+              <a:ln>
+                <a:noFill/>
+              </a:ln>
+              <a:solidFill>
+                <a:prstClr val="black"/>
+              </a:solidFill>
+              <a:effectLst/>
+              <a:uLnTx/>
+              <a:uFillTx/>
+              <a:latin typeface="Tenorite"/>
+              <a:ea typeface="+mn-ea"/>
+              <a:cs typeface="+mn-cs"/>
+            </a:endParaRPr>
+          </a:p>
+        </p:txBody>
+      </p:sp>
+      <p:pic>
+        <p:nvPicPr>
+          <p:cNvPr id="4" name="Picture 3">
+            <a:extLst>
+              <a:ext uri="{FF2B5EF4-FFF2-40B4-BE49-F238E27FC236}">
+                <a16:creationId xmlns:a16="http://schemas.microsoft.com/office/drawing/2014/main" id="{CC7341F3-F41B-8B72-E0E9-0D1EAA49C6DA}"/>
+              </a:ext>
+            </a:extLst>
+          </p:cNvPr>
+          <p:cNvPicPr>
+            <a:picLocks noChangeAspect="1"/>
+          </p:cNvPicPr>
+          <p:nvPr/>
+        </p:nvPicPr>
+        <p:blipFill>
+          <a:blip r:embed="rId3"/>
+          <a:stretch>
+            <a:fillRect/>
+          </a:stretch>
+        </p:blipFill>
+        <p:spPr>
+          <a:xfrm>
+            <a:off x="4156542" y="475994"/>
+            <a:ext cx="3878916" cy="5906012"/>
+          </a:xfrm>
+          <a:prstGeom prst="rect">
+            <a:avLst/>
+          </a:prstGeom>
+        </p:spPr>
+      </p:pic>
+    </p:spTree>
+    <p:extLst>
+      <p:ext uri="{BB962C8B-B14F-4D97-AF65-F5344CB8AC3E}">
+        <p14:creationId xmlns:p14="http://schemas.microsoft.com/office/powerpoint/2010/main" val="251619565"/>
+      </p:ext>
+    </p:extLst>
+  </p:cSld>
+  <p:clrMapOvr>
+    <a:masterClrMapping/>
+  </p:clrMapOvr>
+</p:sld>
+</file>
+
+<file path=ppt/slides/slide15.xml><?xml version="1.0" encoding="utf-8"?>
+<p:sld xmlns:a="http://schemas.openxmlformats.org/drawingml/2006/main" xmlns:r="http://schemas.openxmlformats.org/officeDocument/2006/relationships" xmlns:p="http://schemas.openxmlformats.org/presentationml/2006/main">
+  <p:cSld>
+    <p:spTree>
+      <p:nvGrpSpPr>
+        <p:cNvPr id="1" name="">
+          <a:extLst>
+            <a:ext uri="{FF2B5EF4-FFF2-40B4-BE49-F238E27FC236}">
+              <a16:creationId xmlns:a16="http://schemas.microsoft.com/office/drawing/2014/main" id="{70904910-9CFC-6D7F-9184-6A9EE3DA77D7}"/>
+            </a:ext>
+          </a:extLst>
+        </p:cNvPr>
+        <p:cNvGrpSpPr/>
+        <p:nvPr/>
+      </p:nvGrpSpPr>
+      <p:grpSpPr>
+        <a:xfrm>
+          <a:off x="0" y="0"/>
+          <a:ext cx="0" cy="0"/>
+          <a:chOff x="0" y="0"/>
+          <a:chExt cx="0" cy="0"/>
+        </a:xfrm>
+      </p:grpSpPr>
+      <p:sp>
+        <p:nvSpPr>
+          <p:cNvPr id="7" name="Title 6">
+            <a:extLst>
+              <a:ext uri="{FF2B5EF4-FFF2-40B4-BE49-F238E27FC236}">
+                <a16:creationId xmlns:a16="http://schemas.microsoft.com/office/drawing/2014/main" id="{E04EA3BC-A599-5BD8-99FC-2E7C770FD64D}"/>
+              </a:ext>
+            </a:extLst>
+          </p:cNvPr>
+          <p:cNvSpPr>
+            <a:spLocks noGrp="1"/>
+          </p:cNvSpPr>
+          <p:nvPr>
+            <p:ph type="title"/>
+          </p:nvPr>
+        </p:nvSpPr>
+        <p:spPr>
+          <a:xfrm>
+            <a:off x="6096000" y="2418676"/>
+            <a:ext cx="5728447" cy="2689629"/>
+          </a:xfrm>
+        </p:spPr>
+        <p:txBody>
+          <a:bodyPr>
+            <a:normAutofit/>
+          </a:bodyPr>
+          <a:lstStyle/>
+          <a:p>
+            <a:r>
+              <a:rPr lang="en-US" sz="6000" cap="none" dirty="0">
+                <a:latin typeface="Arial" panose="020B0604020202020204" pitchFamily="34" charset="0"/>
+                <a:cs typeface="Arial" panose="020B0604020202020204" pitchFamily="34" charset="0"/>
+              </a:rPr>
+              <a:t>External Identity Providers</a:t>
+            </a:r>
+          </a:p>
+        </p:txBody>
+      </p:sp>
+      <p:pic>
+        <p:nvPicPr>
+          <p:cNvPr id="16" name="Picture Placeholder 15" descr="A logo of people and a blue diamond&#10;&#10;AI-generated content may be incorrect.">
+            <a:extLst>
+              <a:ext uri="{FF2B5EF4-FFF2-40B4-BE49-F238E27FC236}">
+                <a16:creationId xmlns:a16="http://schemas.microsoft.com/office/drawing/2014/main" id="{055ACA04-1333-9992-8BFF-11A9D98B6F19}"/>
+              </a:ext>
+            </a:extLst>
+          </p:cNvPr>
+          <p:cNvPicPr>
+            <a:picLocks noGrp="1" noChangeAspect="1"/>
+          </p:cNvPicPr>
+          <p:nvPr>
+            <p:ph type="pic" sz="quarter" idx="11"/>
+          </p:nvPr>
+        </p:nvPicPr>
+        <p:blipFill>
+          <a:blip r:embed="rId3"/>
+          <a:srcRect l="8556" r="8556"/>
+          <a:stretch>
+            <a:fillRect/>
+          </a:stretch>
+        </p:blipFill>
+        <p:spPr/>
+      </p:pic>
+    </p:spTree>
+    <p:extLst>
+      <p:ext uri="{BB962C8B-B14F-4D97-AF65-F5344CB8AC3E}">
+        <p14:creationId xmlns:p14="http://schemas.microsoft.com/office/powerpoint/2010/main" val="2957076574"/>
+      </p:ext>
+    </p:extLst>
+  </p:cSld>
+  <p:clrMapOvr>
+    <a:masterClrMapping/>
+  </p:clrMapOvr>
+</p:sld>
+</file>
+
+<file path=ppt/slides/slide16.xml><?xml version="1.0" encoding="utf-8"?>
+<p:sld xmlns:a="http://schemas.openxmlformats.org/drawingml/2006/main" xmlns:r="http://schemas.openxmlformats.org/officeDocument/2006/relationships" xmlns:p="http://schemas.openxmlformats.org/presentationml/2006/main">
+  <p:cSld>
+    <p:spTree>
+      <p:nvGrpSpPr>
+        <p:cNvPr id="1" name="">
+          <a:extLst>
+            <a:ext uri="{FF2B5EF4-FFF2-40B4-BE49-F238E27FC236}">
               <a16:creationId xmlns:a16="http://schemas.microsoft.com/office/drawing/2014/main" id="{7F07EAC7-1EB9-DE14-09CB-1EF8073D6A2D}"/>
             </a:ext>
           </a:extLst>
@@ -11450,7 +11154,7 @@
 </p:sld>
 </file>
 
-<file path=ppt/slides/slide15.xml><?xml version="1.0" encoding="utf-8"?>
+<file path=ppt/slides/slide17.xml><?xml version="1.0" encoding="utf-8"?>
 <p:sld xmlns:a="http://schemas.openxmlformats.org/drawingml/2006/main" xmlns:r="http://schemas.openxmlformats.org/officeDocument/2006/relationships" xmlns:p="http://schemas.openxmlformats.org/presentationml/2006/main">
   <p:cSld>
     <p:spTree>
@@ -11549,106 +11253,7 @@
 </p:sld>
 </file>
 
-<file path=ppt/slides/slide16.xml><?xml version="1.0" encoding="utf-8"?>
-<p:sld xmlns:a="http://schemas.openxmlformats.org/drawingml/2006/main" xmlns:r="http://schemas.openxmlformats.org/officeDocument/2006/relationships" xmlns:p="http://schemas.openxmlformats.org/presentationml/2006/main">
-  <p:cSld>
-    <p:spTree>
-      <p:nvGrpSpPr>
-        <p:cNvPr id="1" name="">
-          <a:extLst>
-            <a:ext uri="{FF2B5EF4-FFF2-40B4-BE49-F238E27FC236}">
-              <a16:creationId xmlns:a16="http://schemas.microsoft.com/office/drawing/2014/main" id="{70904910-9CFC-6D7F-9184-6A9EE3DA77D7}"/>
-            </a:ext>
-          </a:extLst>
-        </p:cNvPr>
-        <p:cNvGrpSpPr/>
-        <p:nvPr/>
-      </p:nvGrpSpPr>
-      <p:grpSpPr>
-        <a:xfrm>
-          <a:off x="0" y="0"/>
-          <a:ext cx="0" cy="0"/>
-          <a:chOff x="0" y="0"/>
-          <a:chExt cx="0" cy="0"/>
-        </a:xfrm>
-      </p:grpSpPr>
-      <p:sp>
-        <p:nvSpPr>
-          <p:cNvPr id="7" name="Title 6">
-            <a:extLst>
-              <a:ext uri="{FF2B5EF4-FFF2-40B4-BE49-F238E27FC236}">
-                <a16:creationId xmlns:a16="http://schemas.microsoft.com/office/drawing/2014/main" id="{E04EA3BC-A599-5BD8-99FC-2E7C770FD64D}"/>
-              </a:ext>
-            </a:extLst>
-          </p:cNvPr>
-          <p:cNvSpPr>
-            <a:spLocks noGrp="1"/>
-          </p:cNvSpPr>
-          <p:nvPr>
-            <p:ph type="title"/>
-          </p:nvPr>
-        </p:nvSpPr>
-        <p:spPr>
-          <a:xfrm>
-            <a:off x="6096000" y="2418676"/>
-            <a:ext cx="5728447" cy="2689629"/>
-          </a:xfrm>
-        </p:spPr>
-        <p:txBody>
-          <a:bodyPr>
-            <a:normAutofit/>
-          </a:bodyPr>
-          <a:lstStyle/>
-          <a:p>
-            <a:r>
-              <a:rPr lang="en-US" sz="6000" cap="none" dirty="0">
-                <a:latin typeface="Arial" panose="020B0604020202020204" pitchFamily="34" charset="0"/>
-                <a:cs typeface="Arial" panose="020B0604020202020204" pitchFamily="34" charset="0"/>
-              </a:rPr>
-              <a:t>External Identity Providers</a:t>
-            </a:r>
-          </a:p>
-        </p:txBody>
-      </p:sp>
-      <p:pic>
-        <p:nvPicPr>
-          <p:cNvPr id="16" name="Picture Placeholder 15" descr="A logo of people and a blue diamond&#10;&#10;AI-generated content may be incorrect.">
-            <a:extLst>
-              <a:ext uri="{FF2B5EF4-FFF2-40B4-BE49-F238E27FC236}">
-                <a16:creationId xmlns:a16="http://schemas.microsoft.com/office/drawing/2014/main" id="{055ACA04-1333-9992-8BFF-11A9D98B6F19}"/>
-              </a:ext>
-            </a:extLst>
-          </p:cNvPr>
-          <p:cNvPicPr>
-            <a:picLocks noGrp="1" noChangeAspect="1"/>
-          </p:cNvPicPr>
-          <p:nvPr>
-            <p:ph type="pic" sz="quarter" idx="11"/>
-          </p:nvPr>
-        </p:nvPicPr>
-        <p:blipFill>
-          <a:blip r:embed="rId3"/>
-          <a:srcRect l="8556" r="8556"/>
-          <a:stretch>
-            <a:fillRect/>
-          </a:stretch>
-        </p:blipFill>
-        <p:spPr/>
-      </p:pic>
-    </p:spTree>
-    <p:extLst>
-      <p:ext uri="{BB962C8B-B14F-4D97-AF65-F5344CB8AC3E}">
-        <p14:creationId xmlns:p14="http://schemas.microsoft.com/office/powerpoint/2010/main" val="2957076574"/>
-      </p:ext>
-    </p:extLst>
-  </p:cSld>
-  <p:clrMapOvr>
-    <a:masterClrMapping/>
-  </p:clrMapOvr>
-</p:sld>
-</file>
-
-<file path=ppt/slides/slide17.xml><?xml version="1.0" encoding="utf-8"?>
+<file path=ppt/slides/slide18.xml><?xml version="1.0" encoding="utf-8"?>
 <p:sld xmlns:a="http://schemas.openxmlformats.org/drawingml/2006/main" xmlns:r="http://schemas.openxmlformats.org/officeDocument/2006/relationships" xmlns:p="http://schemas.openxmlformats.org/presentationml/2006/main">
   <p:cSld>
     <p:spTree>
@@ -11747,7 +11352,7 @@
 </p:sld>
 </file>
 
-<file path=ppt/slides/slide18.xml><?xml version="1.0" encoding="utf-8"?>
+<file path=ppt/slides/slide19.xml><?xml version="1.0" encoding="utf-8"?>
 <p:sld xmlns:a="http://schemas.openxmlformats.org/drawingml/2006/main" xmlns:r="http://schemas.openxmlformats.org/officeDocument/2006/relationships" xmlns:p="http://schemas.openxmlformats.org/presentationml/2006/main">
   <p:cSld>
     <p:spTree>
@@ -11837,105 +11442,6 @@
     <p:extLst>
       <p:ext uri="{BB962C8B-B14F-4D97-AF65-F5344CB8AC3E}">
         <p14:creationId xmlns:p14="http://schemas.microsoft.com/office/powerpoint/2010/main" val="905045057"/>
-      </p:ext>
-    </p:extLst>
-  </p:cSld>
-  <p:clrMapOvr>
-    <a:masterClrMapping/>
-  </p:clrMapOvr>
-</p:sld>
-</file>
-
-<file path=ppt/slides/slide19.xml><?xml version="1.0" encoding="utf-8"?>
-<p:sld xmlns:a="http://schemas.openxmlformats.org/drawingml/2006/main" xmlns:r="http://schemas.openxmlformats.org/officeDocument/2006/relationships" xmlns:p="http://schemas.openxmlformats.org/presentationml/2006/main">
-  <p:cSld>
-    <p:spTree>
-      <p:nvGrpSpPr>
-        <p:cNvPr id="1" name="">
-          <a:extLst>
-            <a:ext uri="{FF2B5EF4-FFF2-40B4-BE49-F238E27FC236}">
-              <a16:creationId xmlns:a16="http://schemas.microsoft.com/office/drawing/2014/main" id="{BB57E59B-FA17-8780-799E-AA09B9777628}"/>
-            </a:ext>
-          </a:extLst>
-        </p:cNvPr>
-        <p:cNvGrpSpPr/>
-        <p:nvPr/>
-      </p:nvGrpSpPr>
-      <p:grpSpPr>
-        <a:xfrm>
-          <a:off x="0" y="0"/>
-          <a:ext cx="0" cy="0"/>
-          <a:chOff x="0" y="0"/>
-          <a:chExt cx="0" cy="0"/>
-        </a:xfrm>
-      </p:grpSpPr>
-      <p:sp>
-        <p:nvSpPr>
-          <p:cNvPr id="7" name="Title 6">
-            <a:extLst>
-              <a:ext uri="{FF2B5EF4-FFF2-40B4-BE49-F238E27FC236}">
-                <a16:creationId xmlns:a16="http://schemas.microsoft.com/office/drawing/2014/main" id="{36A51F3D-D2B3-EC91-D517-A765493803A6}"/>
-              </a:ext>
-            </a:extLst>
-          </p:cNvPr>
-          <p:cNvSpPr>
-            <a:spLocks noGrp="1"/>
-          </p:cNvSpPr>
-          <p:nvPr>
-            <p:ph type="title"/>
-          </p:nvPr>
-        </p:nvSpPr>
-        <p:spPr>
-          <a:xfrm>
-            <a:off x="6096000" y="1697914"/>
-            <a:ext cx="5093746" cy="2689629"/>
-          </a:xfrm>
-        </p:spPr>
-        <p:txBody>
-          <a:bodyPr>
-            <a:normAutofit/>
-          </a:bodyPr>
-          <a:lstStyle/>
-          <a:p>
-            <a:r>
-              <a:rPr lang="en-US" sz="6000" cap="none" dirty="0">
-                <a:latin typeface="Arial" panose="020B0604020202020204" pitchFamily="34" charset="0"/>
-                <a:cs typeface="Arial" panose="020B0604020202020204" pitchFamily="34" charset="0"/>
-              </a:rPr>
-              <a:t>Pricing</a:t>
-            </a:r>
-          </a:p>
-        </p:txBody>
-      </p:sp>
-      <p:pic>
-        <p:nvPicPr>
-          <p:cNvPr id="16" name="Picture Placeholder 15" descr="A logo of people and a blue diamond&#10;&#10;AI-generated content may be incorrect.">
-            <a:extLst>
-              <a:ext uri="{FF2B5EF4-FFF2-40B4-BE49-F238E27FC236}">
-                <a16:creationId xmlns:a16="http://schemas.microsoft.com/office/drawing/2014/main" id="{6C379574-5513-9422-125A-9BC8EEA2CC14}"/>
-              </a:ext>
-            </a:extLst>
-          </p:cNvPr>
-          <p:cNvPicPr>
-            <a:picLocks noGrp="1" noChangeAspect="1"/>
-          </p:cNvPicPr>
-          <p:nvPr>
-            <p:ph type="pic" sz="quarter" idx="11"/>
-          </p:nvPr>
-        </p:nvPicPr>
-        <p:blipFill>
-          <a:blip r:embed="rId3"/>
-          <a:srcRect l="8556" r="8556"/>
-          <a:stretch>
-            <a:fillRect/>
-          </a:stretch>
-        </p:blipFill>
-        <p:spPr/>
-      </p:pic>
-    </p:spTree>
-    <p:extLst>
-      <p:ext uri="{BB962C8B-B14F-4D97-AF65-F5344CB8AC3E}">
-        <p14:creationId xmlns:p14="http://schemas.microsoft.com/office/powerpoint/2010/main" val="1266639869"/>
       </p:ext>
     </p:extLst>
   </p:cSld>
@@ -12103,22 +11609,13 @@
               <a:buFont typeface="Arial" panose="020B0604020202020204" pitchFamily="34" charset="0"/>
               <a:buChar char="•"/>
             </a:pPr>
-            <a:endParaRPr lang="en-US" sz="2800" cap="none" dirty="0">
-              <a:latin typeface="Arial" panose="020B0604020202020204" pitchFamily="34" charset="0"/>
-              <a:cs typeface="Arial" panose="020B0604020202020204" pitchFamily="34" charset="0"/>
-            </a:endParaRPr>
-          </a:p>
-          <a:p>
-            <a:pPr marL="228600" indent="-228600">
-              <a:spcBef>
-                <a:spcPts val="0"/>
-              </a:spcBef>
-              <a:spcAft>
-                <a:spcPts val="1200"/>
-              </a:spcAft>
-              <a:buFont typeface="Arial" panose="020B0604020202020204" pitchFamily="34" charset="0"/>
-              <a:buChar char="•"/>
-            </a:pPr>
+            <a:r>
+              <a:rPr lang="en-US" sz="2800" dirty="0">
+                <a:latin typeface="Arial" panose="020B0604020202020204" pitchFamily="34" charset="0"/>
+                <a:cs typeface="Arial" panose="020B0604020202020204" pitchFamily="34" charset="0"/>
+              </a:rPr>
+              <a:t>Azure AD B2C at end</a:t>
+            </a:r>
             <a:endParaRPr lang="en-US" cap="none" dirty="0">
               <a:latin typeface="Arial" panose="020B0604020202020204" pitchFamily="34" charset="0"/>
               <a:cs typeface="Arial" panose="020B0604020202020204" pitchFamily="34" charset="0"/>
@@ -12234,6 +11731,105 @@
         <p:cNvPr id="1" name="">
           <a:extLst>
             <a:ext uri="{FF2B5EF4-FFF2-40B4-BE49-F238E27FC236}">
+              <a16:creationId xmlns:a16="http://schemas.microsoft.com/office/drawing/2014/main" id="{BB57E59B-FA17-8780-799E-AA09B9777628}"/>
+            </a:ext>
+          </a:extLst>
+        </p:cNvPr>
+        <p:cNvGrpSpPr/>
+        <p:nvPr/>
+      </p:nvGrpSpPr>
+      <p:grpSpPr>
+        <a:xfrm>
+          <a:off x="0" y="0"/>
+          <a:ext cx="0" cy="0"/>
+          <a:chOff x="0" y="0"/>
+          <a:chExt cx="0" cy="0"/>
+        </a:xfrm>
+      </p:grpSpPr>
+      <p:sp>
+        <p:nvSpPr>
+          <p:cNvPr id="7" name="Title 6">
+            <a:extLst>
+              <a:ext uri="{FF2B5EF4-FFF2-40B4-BE49-F238E27FC236}">
+                <a16:creationId xmlns:a16="http://schemas.microsoft.com/office/drawing/2014/main" id="{36A51F3D-D2B3-EC91-D517-A765493803A6}"/>
+              </a:ext>
+            </a:extLst>
+          </p:cNvPr>
+          <p:cNvSpPr>
+            <a:spLocks noGrp="1"/>
+          </p:cNvSpPr>
+          <p:nvPr>
+            <p:ph type="title"/>
+          </p:nvPr>
+        </p:nvSpPr>
+        <p:spPr>
+          <a:xfrm>
+            <a:off x="6096000" y="1697914"/>
+            <a:ext cx="5093746" cy="2689629"/>
+          </a:xfrm>
+        </p:spPr>
+        <p:txBody>
+          <a:bodyPr>
+            <a:normAutofit/>
+          </a:bodyPr>
+          <a:lstStyle/>
+          <a:p>
+            <a:r>
+              <a:rPr lang="en-US" sz="6000" cap="none" dirty="0">
+                <a:latin typeface="Arial" panose="020B0604020202020204" pitchFamily="34" charset="0"/>
+                <a:cs typeface="Arial" panose="020B0604020202020204" pitchFamily="34" charset="0"/>
+              </a:rPr>
+              <a:t>Pricing</a:t>
+            </a:r>
+          </a:p>
+        </p:txBody>
+      </p:sp>
+      <p:pic>
+        <p:nvPicPr>
+          <p:cNvPr id="16" name="Picture Placeholder 15" descr="A logo of people and a blue diamond&#10;&#10;AI-generated content may be incorrect.">
+            <a:extLst>
+              <a:ext uri="{FF2B5EF4-FFF2-40B4-BE49-F238E27FC236}">
+                <a16:creationId xmlns:a16="http://schemas.microsoft.com/office/drawing/2014/main" id="{6C379574-5513-9422-125A-9BC8EEA2CC14}"/>
+              </a:ext>
+            </a:extLst>
+          </p:cNvPr>
+          <p:cNvPicPr>
+            <a:picLocks noGrp="1" noChangeAspect="1"/>
+          </p:cNvPicPr>
+          <p:nvPr>
+            <p:ph type="pic" sz="quarter" idx="11"/>
+          </p:nvPr>
+        </p:nvPicPr>
+        <p:blipFill>
+          <a:blip r:embed="rId3"/>
+          <a:srcRect l="8556" r="8556"/>
+          <a:stretch>
+            <a:fillRect/>
+          </a:stretch>
+        </p:blipFill>
+        <p:spPr/>
+      </p:pic>
+    </p:spTree>
+    <p:extLst>
+      <p:ext uri="{BB962C8B-B14F-4D97-AF65-F5344CB8AC3E}">
+        <p14:creationId xmlns:p14="http://schemas.microsoft.com/office/powerpoint/2010/main" val="1266639869"/>
+      </p:ext>
+    </p:extLst>
+  </p:cSld>
+  <p:clrMapOvr>
+    <a:masterClrMapping/>
+  </p:clrMapOvr>
+</p:sld>
+</file>
+
+<file path=ppt/slides/slide21.xml><?xml version="1.0" encoding="utf-8"?>
+<p:sld xmlns:a="http://schemas.openxmlformats.org/drawingml/2006/main" xmlns:r="http://schemas.openxmlformats.org/officeDocument/2006/relationships" xmlns:p="http://schemas.openxmlformats.org/presentationml/2006/main">
+  <p:cSld>
+    <p:spTree>
+      <p:nvGrpSpPr>
+        <p:cNvPr id="1" name="">
+          <a:extLst>
+            <a:ext uri="{FF2B5EF4-FFF2-40B4-BE49-F238E27FC236}">
               <a16:creationId xmlns:a16="http://schemas.microsoft.com/office/drawing/2014/main" id="{698A8CDF-3386-9C40-896F-AE7782EC9D6F}"/>
             </a:ext>
           </a:extLst>
@@ -12473,7 +12069,7 @@
             <a:fld id="{B5CEABB6-07DC-46E8-9B57-56EC44A396E5}" type="slidenum">
               <a:rPr lang="en-US" smtClean="0"/>
               <a:pPr/>
-              <a:t>20</a:t>
+              <a:t>21</a:t>
             </a:fld>
             <a:endParaRPr lang="en-US" dirty="0"/>
           </a:p>
@@ -12492,7 +12088,205 @@
 </p:sld>
 </file>
 
-<file path=ppt/slides/slide21.xml><?xml version="1.0" encoding="utf-8"?>
+<file path=ppt/slides/slide22.xml><?xml version="1.0" encoding="utf-8"?>
+<p:sld xmlns:a="http://schemas.openxmlformats.org/drawingml/2006/main" xmlns:r="http://schemas.openxmlformats.org/officeDocument/2006/relationships" xmlns:p="http://schemas.openxmlformats.org/presentationml/2006/main">
+  <p:cSld>
+    <p:spTree>
+      <p:nvGrpSpPr>
+        <p:cNvPr id="1" name="">
+          <a:extLst>
+            <a:ext uri="{FF2B5EF4-FFF2-40B4-BE49-F238E27FC236}">
+              <a16:creationId xmlns:a16="http://schemas.microsoft.com/office/drawing/2014/main" id="{DE599C96-F4A9-D375-3FE1-49130FBC26A5}"/>
+            </a:ext>
+          </a:extLst>
+        </p:cNvPr>
+        <p:cNvGrpSpPr/>
+        <p:nvPr/>
+      </p:nvGrpSpPr>
+      <p:grpSpPr>
+        <a:xfrm>
+          <a:off x="0" y="0"/>
+          <a:ext cx="0" cy="0"/>
+          <a:chOff x="0" y="0"/>
+          <a:chExt cx="0" cy="0"/>
+        </a:xfrm>
+      </p:grpSpPr>
+      <p:sp>
+        <p:nvSpPr>
+          <p:cNvPr id="7" name="Title 6">
+            <a:extLst>
+              <a:ext uri="{FF2B5EF4-FFF2-40B4-BE49-F238E27FC236}">
+                <a16:creationId xmlns:a16="http://schemas.microsoft.com/office/drawing/2014/main" id="{DFFA202B-EF8D-060E-4201-15EC6EDAC0F6}"/>
+              </a:ext>
+            </a:extLst>
+          </p:cNvPr>
+          <p:cNvSpPr>
+            <a:spLocks noGrp="1"/>
+          </p:cNvSpPr>
+          <p:nvPr>
+            <p:ph type="title"/>
+          </p:nvPr>
+        </p:nvSpPr>
+        <p:spPr>
+          <a:xfrm>
+            <a:off x="6096000" y="1697914"/>
+            <a:ext cx="5093746" cy="2689629"/>
+          </a:xfrm>
+        </p:spPr>
+        <p:txBody>
+          <a:bodyPr>
+            <a:normAutofit/>
+          </a:bodyPr>
+          <a:lstStyle/>
+          <a:p>
+            <a:r>
+              <a:rPr lang="en-US" sz="6000" cap="none" dirty="0">
+                <a:latin typeface="Arial" panose="020B0604020202020204" pitchFamily="34" charset="0"/>
+                <a:cs typeface="Arial" panose="020B0604020202020204" pitchFamily="34" charset="0"/>
+              </a:rPr>
+              <a:t>Woodgrove Groceries</a:t>
+            </a:r>
+          </a:p>
+        </p:txBody>
+      </p:sp>
+      <p:pic>
+        <p:nvPicPr>
+          <p:cNvPr id="16" name="Picture Placeholder 15" descr="A logo of people and a blue diamond&#10;&#10;AI-generated content may be incorrect.">
+            <a:extLst>
+              <a:ext uri="{FF2B5EF4-FFF2-40B4-BE49-F238E27FC236}">
+                <a16:creationId xmlns:a16="http://schemas.microsoft.com/office/drawing/2014/main" id="{7FFA8ACD-AADE-33BA-975B-6E51C7FA2906}"/>
+              </a:ext>
+            </a:extLst>
+          </p:cNvPr>
+          <p:cNvPicPr>
+            <a:picLocks noGrp="1" noChangeAspect="1"/>
+          </p:cNvPicPr>
+          <p:nvPr>
+            <p:ph type="pic" sz="quarter" idx="11"/>
+          </p:nvPr>
+        </p:nvPicPr>
+        <p:blipFill>
+          <a:blip r:embed="rId3"/>
+          <a:srcRect l="8556" r="8556"/>
+          <a:stretch>
+            <a:fillRect/>
+          </a:stretch>
+        </p:blipFill>
+        <p:spPr/>
+      </p:pic>
+    </p:spTree>
+    <p:extLst>
+      <p:ext uri="{BB962C8B-B14F-4D97-AF65-F5344CB8AC3E}">
+        <p14:creationId xmlns:p14="http://schemas.microsoft.com/office/powerpoint/2010/main" val="1426865374"/>
+      </p:ext>
+    </p:extLst>
+  </p:cSld>
+  <p:clrMapOvr>
+    <a:masterClrMapping/>
+  </p:clrMapOvr>
+</p:sld>
+</file>
+
+<file path=ppt/slides/slide23.xml><?xml version="1.0" encoding="utf-8"?>
+<p:sld xmlns:a="http://schemas.openxmlformats.org/drawingml/2006/main" xmlns:r="http://schemas.openxmlformats.org/officeDocument/2006/relationships" xmlns:p="http://schemas.openxmlformats.org/presentationml/2006/main">
+  <p:cSld>
+    <p:spTree>
+      <p:nvGrpSpPr>
+        <p:cNvPr id="1" name="">
+          <a:extLst>
+            <a:ext uri="{FF2B5EF4-FFF2-40B4-BE49-F238E27FC236}">
+              <a16:creationId xmlns:a16="http://schemas.microsoft.com/office/drawing/2014/main" id="{5A72478B-987D-FEB1-7E7C-1E77F4D0C36A}"/>
+            </a:ext>
+          </a:extLst>
+        </p:cNvPr>
+        <p:cNvGrpSpPr/>
+        <p:nvPr/>
+      </p:nvGrpSpPr>
+      <p:grpSpPr>
+        <a:xfrm>
+          <a:off x="0" y="0"/>
+          <a:ext cx="0" cy="0"/>
+          <a:chOff x="0" y="0"/>
+          <a:chExt cx="0" cy="0"/>
+        </a:xfrm>
+      </p:grpSpPr>
+      <p:sp>
+        <p:nvSpPr>
+          <p:cNvPr id="7" name="Title 6">
+            <a:extLst>
+              <a:ext uri="{FF2B5EF4-FFF2-40B4-BE49-F238E27FC236}">
+                <a16:creationId xmlns:a16="http://schemas.microsoft.com/office/drawing/2014/main" id="{8C1A6292-DF95-A45D-31F9-4AED1C51788B}"/>
+              </a:ext>
+            </a:extLst>
+          </p:cNvPr>
+          <p:cNvSpPr>
+            <a:spLocks noGrp="1"/>
+          </p:cNvSpPr>
+          <p:nvPr>
+            <p:ph type="title"/>
+          </p:nvPr>
+        </p:nvSpPr>
+        <p:spPr>
+          <a:xfrm>
+            <a:off x="6096000" y="1697914"/>
+            <a:ext cx="5093746" cy="2689629"/>
+          </a:xfrm>
+        </p:spPr>
+        <p:txBody>
+          <a:bodyPr>
+            <a:normAutofit/>
+          </a:bodyPr>
+          <a:lstStyle/>
+          <a:p>
+            <a:r>
+              <a:rPr lang="en-US" sz="6000" cap="none" dirty="0">
+                <a:latin typeface="Arial" panose="020B0604020202020204" pitchFamily="34" charset="0"/>
+                <a:cs typeface="Arial" panose="020B0604020202020204" pitchFamily="34" charset="0"/>
+              </a:rPr>
+              <a:t>Samples</a:t>
+            </a:r>
+          </a:p>
+        </p:txBody>
+      </p:sp>
+      <p:pic>
+        <p:nvPicPr>
+          <p:cNvPr id="16" name="Picture Placeholder 15" descr="A logo of people and a blue diamond&#10;&#10;AI-generated content may be incorrect.">
+            <a:extLst>
+              <a:ext uri="{FF2B5EF4-FFF2-40B4-BE49-F238E27FC236}">
+                <a16:creationId xmlns:a16="http://schemas.microsoft.com/office/drawing/2014/main" id="{F75FC08F-D241-22AF-C9F6-66218E146A4E}"/>
+              </a:ext>
+            </a:extLst>
+          </p:cNvPr>
+          <p:cNvPicPr>
+            <a:picLocks noGrp="1" noChangeAspect="1"/>
+          </p:cNvPicPr>
+          <p:nvPr>
+            <p:ph type="pic" sz="quarter" idx="11"/>
+          </p:nvPr>
+        </p:nvPicPr>
+        <p:blipFill>
+          <a:blip r:embed="rId3"/>
+          <a:srcRect l="8556" r="8556"/>
+          <a:stretch>
+            <a:fillRect/>
+          </a:stretch>
+        </p:blipFill>
+        <p:spPr/>
+      </p:pic>
+    </p:spTree>
+    <p:extLst>
+      <p:ext uri="{BB962C8B-B14F-4D97-AF65-F5344CB8AC3E}">
+        <p14:creationId xmlns:p14="http://schemas.microsoft.com/office/powerpoint/2010/main" val="3088837"/>
+      </p:ext>
+    </p:extLst>
+  </p:cSld>
+  <p:clrMapOvr>
+    <a:masterClrMapping/>
+  </p:clrMapOvr>
+</p:sld>
+</file>
+
+<file path=ppt/slides/slide24.xml><?xml version="1.0" encoding="utf-8"?>
 <p:sld xmlns:a="http://schemas.openxmlformats.org/drawingml/2006/main" xmlns:r="http://schemas.openxmlformats.org/officeDocument/2006/relationships" xmlns:p="http://schemas.openxmlformats.org/presentationml/2006/main">
   <p:cSld>
     <p:spTree>
@@ -12548,45 +12342,7 @@
                 <a:latin typeface="Arial" panose="020B0604020202020204" pitchFamily="34" charset="0"/>
                 <a:cs typeface="Arial" panose="020B0604020202020204" pitchFamily="34" charset="0"/>
               </a:rPr>
-              <a:t>And finally</a:t>
-            </a:r>
-          </a:p>
-        </p:txBody>
-      </p:sp>
-      <p:sp>
-        <p:nvSpPr>
-          <p:cNvPr id="8" name="Content Placeholder 7">
-            <a:extLst>
-              <a:ext uri="{FF2B5EF4-FFF2-40B4-BE49-F238E27FC236}">
-                <a16:creationId xmlns:a16="http://schemas.microsoft.com/office/drawing/2014/main" id="{F58B039C-CBC0-6DF1-FBD6-39809B8A252B}"/>
-              </a:ext>
-            </a:extLst>
-          </p:cNvPr>
-          <p:cNvSpPr>
-            <a:spLocks noGrp="1"/>
-          </p:cNvSpPr>
-          <p:nvPr>
-            <p:ph sz="quarter" idx="10"/>
-          </p:nvPr>
-        </p:nvSpPr>
-        <p:spPr>
-          <a:xfrm>
-            <a:off x="6126480" y="4205262"/>
-            <a:ext cx="5244353" cy="2389736"/>
-          </a:xfrm>
-        </p:spPr>
-        <p:txBody>
-          <a:bodyPr>
-            <a:normAutofit/>
-          </a:bodyPr>
-          <a:lstStyle/>
-          <a:p>
-            <a:r>
-              <a:rPr lang="en-US" sz="4000" dirty="0">
-                <a:latin typeface="Arial" panose="020B0604020202020204" pitchFamily="34" charset="0"/>
-                <a:cs typeface="Arial" panose="020B0604020202020204" pitchFamily="34" charset="0"/>
-              </a:rPr>
-              <a:t>B2C questions !!!!</a:t>
+              <a:t>Questions?</a:t>
             </a:r>
           </a:p>
         </p:txBody>
@@ -12634,7 +12390,149 @@
 </p:sld>
 </file>
 
-<file path=ppt/slides/slide22.xml><?xml version="1.0" encoding="utf-8"?>
+<file path=ppt/slides/slide25.xml><?xml version="1.0" encoding="utf-8"?>
+<p:sld xmlns:a="http://schemas.openxmlformats.org/drawingml/2006/main" xmlns:r="http://schemas.openxmlformats.org/officeDocument/2006/relationships" xmlns:p="http://schemas.openxmlformats.org/presentationml/2006/main">
+  <p:cSld>
+    <p:spTree>
+      <p:nvGrpSpPr>
+        <p:cNvPr id="1" name="">
+          <a:extLst>
+            <a:ext uri="{FF2B5EF4-FFF2-40B4-BE49-F238E27FC236}">
+              <a16:creationId xmlns:a16="http://schemas.microsoft.com/office/drawing/2014/main" id="{3A989203-ADE9-69A2-997F-B6B284722120}"/>
+            </a:ext>
+          </a:extLst>
+        </p:cNvPr>
+        <p:cNvGrpSpPr/>
+        <p:nvPr/>
+      </p:nvGrpSpPr>
+      <p:grpSpPr>
+        <a:xfrm>
+          <a:off x="0" y="0"/>
+          <a:ext cx="0" cy="0"/>
+          <a:chOff x="0" y="0"/>
+          <a:chExt cx="0" cy="0"/>
+        </a:xfrm>
+      </p:grpSpPr>
+      <p:sp>
+        <p:nvSpPr>
+          <p:cNvPr id="7" name="Title 6">
+            <a:extLst>
+              <a:ext uri="{FF2B5EF4-FFF2-40B4-BE49-F238E27FC236}">
+                <a16:creationId xmlns:a16="http://schemas.microsoft.com/office/drawing/2014/main" id="{A531AC60-9CAF-48E2-AFB5-0EB4F6E9FFE3}"/>
+              </a:ext>
+            </a:extLst>
+          </p:cNvPr>
+          <p:cNvSpPr>
+            <a:spLocks noGrp="1"/>
+          </p:cNvSpPr>
+          <p:nvPr>
+            <p:ph type="title"/>
+          </p:nvPr>
+        </p:nvSpPr>
+        <p:spPr>
+          <a:xfrm>
+            <a:off x="6126480" y="1009424"/>
+            <a:ext cx="4805997" cy="2689629"/>
+          </a:xfrm>
+        </p:spPr>
+        <p:txBody>
+          <a:bodyPr>
+            <a:normAutofit/>
+          </a:bodyPr>
+          <a:lstStyle/>
+          <a:p>
+            <a:r>
+              <a:rPr lang="en-US" sz="6000" cap="none" dirty="0">
+                <a:latin typeface="Arial" panose="020B0604020202020204" pitchFamily="34" charset="0"/>
+                <a:cs typeface="Arial" panose="020B0604020202020204" pitchFamily="34" charset="0"/>
+              </a:rPr>
+              <a:t>And finally</a:t>
+            </a:r>
+          </a:p>
+        </p:txBody>
+      </p:sp>
+      <p:sp>
+        <p:nvSpPr>
+          <p:cNvPr id="8" name="Content Placeholder 7">
+            <a:extLst>
+              <a:ext uri="{FF2B5EF4-FFF2-40B4-BE49-F238E27FC236}">
+                <a16:creationId xmlns:a16="http://schemas.microsoft.com/office/drawing/2014/main" id="{7952F033-BD1E-488C-7EEA-2CFD0FC8C493}"/>
+              </a:ext>
+            </a:extLst>
+          </p:cNvPr>
+          <p:cNvSpPr>
+            <a:spLocks noGrp="1"/>
+          </p:cNvSpPr>
+          <p:nvPr>
+            <p:ph sz="quarter" idx="10"/>
+          </p:nvPr>
+        </p:nvSpPr>
+        <p:spPr>
+          <a:xfrm>
+            <a:off x="6126480" y="4205262"/>
+            <a:ext cx="5244353" cy="2389736"/>
+          </a:xfrm>
+        </p:spPr>
+        <p:txBody>
+          <a:bodyPr>
+            <a:normAutofit/>
+          </a:bodyPr>
+          <a:lstStyle/>
+          <a:p>
+            <a:r>
+              <a:rPr lang="en-US" sz="4000" dirty="0">
+                <a:latin typeface="Arial" panose="020B0604020202020204" pitchFamily="34" charset="0"/>
+                <a:cs typeface="Arial" panose="020B0604020202020204" pitchFamily="34" charset="0"/>
+              </a:rPr>
+              <a:t>B2C questions !!!!</a:t>
+            </a:r>
+          </a:p>
+        </p:txBody>
+      </p:sp>
+      <p:pic>
+        <p:nvPicPr>
+          <p:cNvPr id="16" name="Picture Placeholder 15" descr="A logo of people and a blue diamond&#10;&#10;AI-generated content may be incorrect.">
+            <a:extLst>
+              <a:ext uri="{FF2B5EF4-FFF2-40B4-BE49-F238E27FC236}">
+                <a16:creationId xmlns:a16="http://schemas.microsoft.com/office/drawing/2014/main" id="{EE753F21-725F-C8C9-129D-73EBDD373049}"/>
+              </a:ext>
+            </a:extLst>
+          </p:cNvPr>
+          <p:cNvPicPr>
+            <a:picLocks noGrp="1" noChangeAspect="1"/>
+          </p:cNvPicPr>
+          <p:nvPr>
+            <p:ph type="pic" sz="quarter" idx="11"/>
+          </p:nvPr>
+        </p:nvPicPr>
+        <p:blipFill>
+          <a:blip r:embed="rId3"/>
+          <a:srcRect l="8556" r="8556"/>
+          <a:stretch>
+            <a:fillRect/>
+          </a:stretch>
+        </p:blipFill>
+        <p:spPr>
+          <a:xfrm>
+            <a:off x="0" y="32872"/>
+            <a:ext cx="6096000" cy="6858000"/>
+          </a:xfrm>
+        </p:spPr>
+      </p:pic>
+    </p:spTree>
+    <p:extLst>
+      <p:ext uri="{BB962C8B-B14F-4D97-AF65-F5344CB8AC3E}">
+        <p14:creationId xmlns:p14="http://schemas.microsoft.com/office/powerpoint/2010/main" val="3442147076"/>
+      </p:ext>
+    </p:extLst>
+  </p:cSld>
+  <p:clrMapOvr>
+    <a:masterClrMapping/>
+  </p:clrMapOvr>
+</p:sld>
+</file>
+
+<file path=ppt/slides/slide26.xml><?xml version="1.0" encoding="utf-8"?>
 <p:sld xmlns:a="http://schemas.openxmlformats.org/drawingml/2006/main" xmlns:r="http://schemas.openxmlformats.org/officeDocument/2006/relationships" xmlns:p="http://schemas.openxmlformats.org/presentationml/2006/main">
   <p:cSld>
     <p:spTree>
@@ -12905,7 +12803,7 @@
             <a:fld id="{B5CEABB6-07DC-46E8-9B57-56EC44A396E5}" type="slidenum">
               <a:rPr lang="en-US" smtClean="0"/>
               <a:pPr/>
-              <a:t>22</a:t>
+              <a:t>26</a:t>
             </a:fld>
             <a:endParaRPr lang="en-US" dirty="0"/>
           </a:p>
@@ -12924,7 +12822,7 @@
 </p:sld>
 </file>
 
-<file path=ppt/slides/slide23.xml><?xml version="1.0" encoding="utf-8"?>
+<file path=ppt/slides/slide27.xml><?xml version="1.0" encoding="utf-8"?>
 <p:sld xmlns:a="http://schemas.openxmlformats.org/drawingml/2006/main" xmlns:r="http://schemas.openxmlformats.org/officeDocument/2006/relationships" xmlns:p="http://schemas.openxmlformats.org/presentationml/2006/main">
   <p:cSld>
     <p:spTree>
@@ -13131,8 +13029,23 @@
               <a:buFont typeface="Arial" panose="020B0604020202020204" pitchFamily="34" charset="0"/>
               <a:buChar char="•"/>
             </a:pPr>
+            <a:r>
+              <a:rPr lang="en-US" sz="2800" cap="none" dirty="0">
+                <a:latin typeface="Arial" panose="020B0604020202020204" pitchFamily="34" charset="0"/>
+                <a:cs typeface="Arial" panose="020B0604020202020204" pitchFamily="34" charset="0"/>
+                <a:hlinkClick r:id="rId8">
+                  <a:extLst>
+                    <a:ext uri="{A12FA001-AC4F-418D-AE19-62706E023703}">
+                      <ahyp:hlinkClr xmlns:ahyp="http://schemas.microsoft.com/office/drawing/2018/hyperlinkcolor" val="tx"/>
+                    </a:ext>
+                  </a:extLst>
+                </a:hlinkClick>
+              </a:rPr>
+              <a:t>My presentations</a:t>
+            </a:r>
             <a:endParaRPr lang="en-US" sz="2800" cap="none" dirty="0">
-              <a:cs typeface="Calibri"/>
+              <a:latin typeface="Arial" panose="020B0604020202020204" pitchFamily="34" charset="0"/>
+              <a:cs typeface="Arial" panose="020B0604020202020204" pitchFamily="34" charset="0"/>
             </a:endParaRPr>
           </a:p>
           <a:p>
@@ -13432,7 +13345,7 @@
                 <a:tabLst/>
                 <a:defRPr/>
               </a:pPr>
-              <a:t>23</a:t>
+              <a:t>27</a:t>
             </a:fld>
             <a:endParaRPr kumimoji="0" lang="en-US" sz="1200" b="0" i="0" u="none" strike="noStrike" kern="1200" cap="none" spc="0" normalizeH="0" baseline="0" noProof="0" dirty="0">
               <a:ln>
@@ -13464,7 +13377,7 @@
 </p:sld>
 </file>
 
-<file path=ppt/slides/slide24.xml><?xml version="1.0" encoding="utf-8"?>
+<file path=ppt/slides/slide28.xml><?xml version="1.0" encoding="utf-8"?>
 <p:sld xmlns:a="http://schemas.openxmlformats.org/drawingml/2006/main" xmlns:r="http://schemas.openxmlformats.org/officeDocument/2006/relationships" xmlns:p="http://schemas.openxmlformats.org/presentationml/2006/main">
   <p:cSld>
     <p:spTree>
@@ -13668,8 +13581,23 @@
               <a:buFont typeface="Arial" panose="020B0604020202020204" pitchFamily="34" charset="0"/>
               <a:buChar char="•"/>
             </a:pPr>
-            <a:endParaRPr lang="en-US" dirty="0">
-              <a:cs typeface="Calibri"/>
+            <a:r>
+              <a:rPr lang="en-US" sz="2800" dirty="0">
+                <a:latin typeface="Arial" panose="020B0604020202020204" pitchFamily="34" charset="0"/>
+                <a:cs typeface="Arial" panose="020B0604020202020204" pitchFamily="34" charset="0"/>
+                <a:hlinkClick r:id="rId7">
+                  <a:extLst>
+                    <a:ext uri="{A12FA001-AC4F-418D-AE19-62706E023703}">
+                      <ahyp:hlinkClr xmlns:ahyp="http://schemas.microsoft.com/office/drawing/2018/hyperlinkcolor" val="tx"/>
+                    </a:ext>
+                  </a:extLst>
+                </a:hlinkClick>
+              </a:rPr>
+              <a:t>Samples</a:t>
+            </a:r>
+            <a:endParaRPr lang="en-US" sz="2800" dirty="0">
+              <a:latin typeface="Arial" panose="020B0604020202020204" pitchFamily="34" charset="0"/>
+              <a:cs typeface="Arial" panose="020B0604020202020204" pitchFamily="34" charset="0"/>
             </a:endParaRPr>
           </a:p>
           <a:p>
@@ -13984,7 +13912,7 @@
                 <a:tabLst/>
                 <a:defRPr/>
               </a:pPr>
-              <a:t>24</a:t>
+              <a:t>28</a:t>
             </a:fld>
             <a:endParaRPr kumimoji="0" lang="en-US" sz="1200" b="0" i="0" u="none" strike="noStrike" kern="1200" cap="none" spc="0" normalizeH="0" baseline="0" noProof="0" dirty="0">
               <a:ln>
@@ -14016,7 +13944,7 @@
 </p:sld>
 </file>
 
-<file path=ppt/slides/slide25.xml><?xml version="1.0" encoding="utf-8"?>
+<file path=ppt/slides/slide29.xml><?xml version="1.0" encoding="utf-8"?>
 <p:sld xmlns:a="http://schemas.openxmlformats.org/drawingml/2006/main" xmlns:r="http://schemas.openxmlformats.org/officeDocument/2006/relationships" xmlns:p="http://schemas.openxmlformats.org/presentationml/2006/main">
   <p:cSld>
     <p:bg>
@@ -14174,1451 +14102,27 @@
               <a:t>rbrayb@gmail.com</a:t>
             </a:r>
           </a:p>
+          <a:p>
+            <a:endParaRPr lang="en-US" dirty="0">
+              <a:latin typeface="Arial" panose="020B0604020202020204" pitchFamily="34" charset="0"/>
+              <a:cs typeface="Arial" panose="020B0604020202020204" pitchFamily="34" charset="0"/>
+            </a:endParaRPr>
+          </a:p>
+          <a:p>
+            <a:r>
+              <a:rPr lang="en-US" dirty="0">
+                <a:latin typeface="Arial" panose="020B0604020202020204" pitchFamily="34" charset="0"/>
+                <a:cs typeface="Arial" panose="020B0604020202020204" pitchFamily="34" charset="0"/>
+              </a:rPr>
+              <a:t>https://rbrayb.github.io/Presentations/</a:t>
+            </a:r>
+          </a:p>
         </p:txBody>
       </p:sp>
     </p:spTree>
     <p:extLst>
       <p:ext uri="{BB962C8B-B14F-4D97-AF65-F5344CB8AC3E}">
         <p14:creationId xmlns:p14="http://schemas.microsoft.com/office/powerpoint/2010/main" val="4220286911"/>
-      </p:ext>
-    </p:extLst>
-  </p:cSld>
-  <p:clrMapOvr>
-    <a:masterClrMapping/>
-  </p:clrMapOvr>
-</p:sld>
-</file>
-
-<file path=ppt/slides/slide26.xml><?xml version="1.0" encoding="utf-8"?>
-<p:sld xmlns:a="http://schemas.openxmlformats.org/drawingml/2006/main" xmlns:r="http://schemas.openxmlformats.org/officeDocument/2006/relationships" xmlns:p="http://schemas.openxmlformats.org/presentationml/2006/main">
-  <p:cSld>
-    <p:spTree>
-      <p:nvGrpSpPr>
-        <p:cNvPr id="1" name=""/>
-        <p:cNvGrpSpPr/>
-        <p:nvPr/>
-      </p:nvGrpSpPr>
-      <p:grpSpPr>
-        <a:xfrm>
-          <a:off x="0" y="0"/>
-          <a:ext cx="0" cy="0"/>
-          <a:chOff x="0" y="0"/>
-          <a:chExt cx="0" cy="0"/>
-        </a:xfrm>
-      </p:grpSpPr>
-      <p:sp>
-        <p:nvSpPr>
-          <p:cNvPr id="2" name="Title 1">
-            <a:extLst>
-              <a:ext uri="{FF2B5EF4-FFF2-40B4-BE49-F238E27FC236}">
-                <a16:creationId xmlns:a16="http://schemas.microsoft.com/office/drawing/2014/main" id="{14808221-C29B-07A3-B569-B8B466B1020B}"/>
-              </a:ext>
-            </a:extLst>
-          </p:cNvPr>
-          <p:cNvSpPr>
-            <a:spLocks noGrp="1"/>
-          </p:cNvSpPr>
-          <p:nvPr>
-            <p:ph type="title"/>
-          </p:nvPr>
-        </p:nvSpPr>
-        <p:spPr>
-          <a:xfrm>
-            <a:off x="6096000" y="375285"/>
-            <a:ext cx="4896678" cy="3624984"/>
-          </a:xfrm>
-        </p:spPr>
-        <p:txBody>
-          <a:bodyPr/>
-          <a:lstStyle/>
-          <a:p>
-            <a:r>
-              <a:rPr lang="en-US" dirty="0"/>
-              <a:t>Product benefits</a:t>
-            </a:r>
-          </a:p>
-        </p:txBody>
-      </p:sp>
-      <p:pic>
-        <p:nvPicPr>
-          <p:cNvPr id="5" name="Picture Placeholder 4" descr="A person standing in a greenhouse">
-            <a:extLst>
-              <a:ext uri="{FF2B5EF4-FFF2-40B4-BE49-F238E27FC236}">
-                <a16:creationId xmlns:a16="http://schemas.microsoft.com/office/drawing/2014/main" id="{EE30546E-D63D-6DD8-4DA7-41DD51A44C2F}"/>
-              </a:ext>
-            </a:extLst>
-          </p:cNvPr>
-          <p:cNvPicPr>
-            <a:picLocks noGrp="1" noChangeAspect="1"/>
-          </p:cNvPicPr>
-          <p:nvPr>
-            <p:ph type="pic" sz="quarter" idx="11"/>
-          </p:nvPr>
-        </p:nvPicPr>
-        <p:blipFill>
-          <a:blip r:embed="rId3"/>
-          <a:srcRect t="12487" b="12487"/>
-          <a:stretch/>
-        </p:blipFill>
-        <p:spPr>
-          <a:xfrm>
-            <a:off x="0" y="0"/>
-            <a:ext cx="6096000" cy="6858000"/>
-          </a:xfrm>
-        </p:spPr>
-      </p:pic>
-      <p:sp>
-        <p:nvSpPr>
-          <p:cNvPr id="3" name="Content Placeholder 2">
-            <a:extLst>
-              <a:ext uri="{FF2B5EF4-FFF2-40B4-BE49-F238E27FC236}">
-                <a16:creationId xmlns:a16="http://schemas.microsoft.com/office/drawing/2014/main" id="{D6BEA7D4-8B96-5A0E-252E-6B8E8B1CF178}"/>
-              </a:ext>
-            </a:extLst>
-          </p:cNvPr>
-          <p:cNvSpPr>
-            <a:spLocks noGrp="1"/>
-          </p:cNvSpPr>
-          <p:nvPr>
-            <p:ph sz="quarter" idx="10"/>
-          </p:nvPr>
-        </p:nvSpPr>
-        <p:spPr>
-          <a:xfrm>
-            <a:off x="6096000" y="4172990"/>
-            <a:ext cx="4896677" cy="2309726"/>
-          </a:xfrm>
-        </p:spPr>
-        <p:txBody>
-          <a:bodyPr/>
-          <a:lstStyle/>
-          <a:p>
-            <a:r>
-              <a:rPr lang="en-US" noProof="1"/>
-              <a:t>Online store and market swap</a:t>
-            </a:r>
-          </a:p>
-        </p:txBody>
-      </p:sp>
-    </p:spTree>
-    <p:extLst>
-      <p:ext uri="{BB962C8B-B14F-4D97-AF65-F5344CB8AC3E}">
-        <p14:creationId xmlns:p14="http://schemas.microsoft.com/office/powerpoint/2010/main" val="1760417424"/>
-      </p:ext>
-    </p:extLst>
-  </p:cSld>
-  <p:clrMapOvr>
-    <a:masterClrMapping/>
-  </p:clrMapOvr>
-</p:sld>
-</file>
-
-<file path=ppt/slides/slide27.xml><?xml version="1.0" encoding="utf-8"?>
-<p:sld xmlns:a="http://schemas.openxmlformats.org/drawingml/2006/main" xmlns:r="http://schemas.openxmlformats.org/officeDocument/2006/relationships" xmlns:p="http://schemas.openxmlformats.org/presentationml/2006/main">
-  <p:cSld>
-    <p:spTree>
-      <p:nvGrpSpPr>
-        <p:cNvPr id="1" name=""/>
-        <p:cNvGrpSpPr/>
-        <p:nvPr/>
-      </p:nvGrpSpPr>
-      <p:grpSpPr>
-        <a:xfrm>
-          <a:off x="0" y="0"/>
-          <a:ext cx="0" cy="0"/>
-          <a:chOff x="0" y="0"/>
-          <a:chExt cx="0" cy="0"/>
-        </a:xfrm>
-      </p:grpSpPr>
-      <p:sp>
-        <p:nvSpPr>
-          <p:cNvPr id="2" name="Title 1">
-            <a:extLst>
-              <a:ext uri="{FF2B5EF4-FFF2-40B4-BE49-F238E27FC236}">
-                <a16:creationId xmlns:a16="http://schemas.microsoft.com/office/drawing/2014/main" id="{6DBDB0AE-5ADD-1975-6BDD-38608925072A}"/>
-              </a:ext>
-            </a:extLst>
-          </p:cNvPr>
-          <p:cNvSpPr>
-            <a:spLocks noGrp="1"/>
-          </p:cNvSpPr>
-          <p:nvPr>
-            <p:ph type="title"/>
-          </p:nvPr>
-        </p:nvSpPr>
-        <p:spPr>
-          <a:xfrm>
-            <a:off x="914398" y="365125"/>
-            <a:ext cx="10439401" cy="1617017"/>
-          </a:xfrm>
-        </p:spPr>
-        <p:txBody>
-          <a:bodyPr/>
-          <a:lstStyle/>
-          <a:p>
-            <a:r>
-              <a:rPr lang="en-US" dirty="0"/>
-              <a:t>Product overview </a:t>
-            </a:r>
-          </a:p>
-        </p:txBody>
-      </p:sp>
-      <p:sp>
-        <p:nvSpPr>
-          <p:cNvPr id="3" name="Content Placeholder 2">
-            <a:extLst>
-              <a:ext uri="{FF2B5EF4-FFF2-40B4-BE49-F238E27FC236}">
-                <a16:creationId xmlns:a16="http://schemas.microsoft.com/office/drawing/2014/main" id="{E374C67C-D286-74AE-086C-3E45FF9D9542}"/>
-              </a:ext>
-            </a:extLst>
-          </p:cNvPr>
-          <p:cNvSpPr>
-            <a:spLocks noGrp="1"/>
-          </p:cNvSpPr>
-          <p:nvPr>
-            <p:ph sz="quarter" idx="10"/>
-          </p:nvPr>
-        </p:nvSpPr>
-        <p:spPr>
-          <a:xfrm>
-            <a:off x="914399" y="2022250"/>
-            <a:ext cx="3310129" cy="3747180"/>
-          </a:xfrm>
-        </p:spPr>
-        <p:txBody>
-          <a:bodyPr/>
-          <a:lstStyle/>
-          <a:p>
-            <a:r>
-              <a:rPr lang="en-US" dirty="0"/>
-              <a:t>Unique</a:t>
-            </a:r>
-          </a:p>
-          <a:p>
-            <a:r>
-              <a:rPr lang="en-US" dirty="0"/>
-              <a:t>First to market</a:t>
-            </a:r>
-          </a:p>
-          <a:p>
-            <a:r>
-              <a:rPr lang="en-US" dirty="0"/>
-              <a:t>Tested</a:t>
-            </a:r>
-          </a:p>
-          <a:p>
-            <a:r>
-              <a:rPr lang="en-US" dirty="0"/>
-              <a:t>Authentic</a:t>
-            </a:r>
-          </a:p>
-        </p:txBody>
-      </p:sp>
-      <p:sp>
-        <p:nvSpPr>
-          <p:cNvPr id="4" name="Content Placeholder 3">
-            <a:extLst>
-              <a:ext uri="{FF2B5EF4-FFF2-40B4-BE49-F238E27FC236}">
-                <a16:creationId xmlns:a16="http://schemas.microsoft.com/office/drawing/2014/main" id="{701C2F4A-ABC8-39B2-B7BB-36C02B7A4540}"/>
-              </a:ext>
-            </a:extLst>
-          </p:cNvPr>
-          <p:cNvSpPr>
-            <a:spLocks noGrp="1"/>
-          </p:cNvSpPr>
-          <p:nvPr>
-            <p:ph sz="quarter" idx="11"/>
-          </p:nvPr>
-        </p:nvSpPr>
-        <p:spPr>
-          <a:xfrm>
-            <a:off x="4602310" y="2018120"/>
-            <a:ext cx="6751489" cy="3747180"/>
-          </a:xfrm>
-        </p:spPr>
-        <p:txBody>
-          <a:bodyPr/>
-          <a:lstStyle/>
-          <a:p>
-            <a:r>
-              <a:rPr lang="en-US" dirty="0"/>
-              <a:t>Only product specifically dedicated to this niche market</a:t>
-            </a:r>
-          </a:p>
-          <a:p>
-            <a:r>
-              <a:rPr lang="en-US" dirty="0"/>
-              <a:t>First beautifully designed product that's both stylish and functional</a:t>
-            </a:r>
-          </a:p>
-          <a:p>
-            <a:r>
-              <a:rPr lang="en-US" dirty="0"/>
-              <a:t>Conducted testing with college students in the area</a:t>
-            </a:r>
-          </a:p>
-          <a:p>
-            <a:r>
-              <a:rPr lang="en-US" dirty="0"/>
-              <a:t>Designed with the help and input of experts in the field </a:t>
-            </a:r>
-          </a:p>
-        </p:txBody>
-      </p:sp>
-      <p:sp>
-        <p:nvSpPr>
-          <p:cNvPr id="5" name="Slide Number Placeholder 4">
-            <a:extLst>
-              <a:ext uri="{FF2B5EF4-FFF2-40B4-BE49-F238E27FC236}">
-                <a16:creationId xmlns:a16="http://schemas.microsoft.com/office/drawing/2014/main" id="{4D27E5DB-AFB6-9088-87C9-1F671C0B0330}"/>
-              </a:ext>
-            </a:extLst>
-          </p:cNvPr>
-          <p:cNvSpPr>
-            <a:spLocks noGrp="1"/>
-          </p:cNvSpPr>
-          <p:nvPr>
-            <p:ph type="sldNum" sz="quarter" idx="4"/>
-          </p:nvPr>
-        </p:nvSpPr>
-        <p:spPr>
-          <a:xfrm>
-            <a:off x="914400" y="6246254"/>
-            <a:ext cx="631065" cy="296214"/>
-          </a:xfrm>
-        </p:spPr>
-        <p:txBody>
-          <a:bodyPr/>
-          <a:lstStyle/>
-          <a:p>
-            <a:fld id="{B5CEABB6-07DC-46E8-9B57-56EC44A396E5}" type="slidenum">
-              <a:rPr lang="en-US" smtClean="0"/>
-              <a:pPr/>
-              <a:t>27</a:t>
-            </a:fld>
-            <a:endParaRPr lang="en-US" dirty="0"/>
-          </a:p>
-        </p:txBody>
-      </p:sp>
-    </p:spTree>
-    <p:extLst>
-      <p:ext uri="{BB962C8B-B14F-4D97-AF65-F5344CB8AC3E}">
-        <p14:creationId xmlns:p14="http://schemas.microsoft.com/office/powerpoint/2010/main" val="569699605"/>
-      </p:ext>
-    </p:extLst>
-  </p:cSld>
-  <p:clrMapOvr>
-    <a:masterClrMapping/>
-  </p:clrMapOvr>
-</p:sld>
-</file>
-
-<file path=ppt/slides/slide28.xml><?xml version="1.0" encoding="utf-8"?>
-<p:sld xmlns:a="http://schemas.openxmlformats.org/drawingml/2006/main" xmlns:r="http://schemas.openxmlformats.org/officeDocument/2006/relationships" xmlns:p="http://schemas.openxmlformats.org/presentationml/2006/main">
-  <p:cSld>
-    <p:spTree>
-      <p:nvGrpSpPr>
-        <p:cNvPr id="1" name=""/>
-        <p:cNvGrpSpPr/>
-        <p:nvPr/>
-      </p:nvGrpSpPr>
-      <p:grpSpPr>
-        <a:xfrm>
-          <a:off x="0" y="0"/>
-          <a:ext cx="0" cy="0"/>
-          <a:chOff x="0" y="0"/>
-          <a:chExt cx="0" cy="0"/>
-        </a:xfrm>
-      </p:grpSpPr>
-      <p:sp>
-        <p:nvSpPr>
-          <p:cNvPr id="2" name="Title 1">
-            <a:extLst>
-              <a:ext uri="{FF2B5EF4-FFF2-40B4-BE49-F238E27FC236}">
-                <a16:creationId xmlns:a16="http://schemas.microsoft.com/office/drawing/2014/main" id="{56FEAA13-E02F-EB47-E510-E3F48A95F847}"/>
-              </a:ext>
-            </a:extLst>
-          </p:cNvPr>
-          <p:cNvSpPr>
-            <a:spLocks noGrp="1"/>
-          </p:cNvSpPr>
-          <p:nvPr>
-            <p:ph type="title"/>
-          </p:nvPr>
-        </p:nvSpPr>
-        <p:spPr>
-          <a:xfrm>
-            <a:off x="916385" y="446313"/>
-            <a:ext cx="5179615" cy="1448747"/>
-          </a:xfrm>
-        </p:spPr>
-        <p:txBody>
-          <a:bodyPr/>
-          <a:lstStyle/>
-          <a:p>
-            <a:r>
-              <a:rPr lang="en-US" dirty="0"/>
-              <a:t>Growth strategy</a:t>
-            </a:r>
-          </a:p>
-        </p:txBody>
-      </p:sp>
-      <p:sp>
-        <p:nvSpPr>
-          <p:cNvPr id="3" name="Content Placeholder 2">
-            <a:extLst>
-              <a:ext uri="{FF2B5EF4-FFF2-40B4-BE49-F238E27FC236}">
-                <a16:creationId xmlns:a16="http://schemas.microsoft.com/office/drawing/2014/main" id="{05E26637-007F-EC9E-F644-AAFBA0900F3C}"/>
-              </a:ext>
-            </a:extLst>
-          </p:cNvPr>
-          <p:cNvSpPr>
-            <a:spLocks noGrp="1"/>
-          </p:cNvSpPr>
-          <p:nvPr>
-            <p:ph sz="quarter" idx="10"/>
-          </p:nvPr>
-        </p:nvSpPr>
-        <p:spPr>
-          <a:xfrm>
-            <a:off x="914399" y="2022250"/>
-            <a:ext cx="5181600" cy="3747180"/>
-          </a:xfrm>
-        </p:spPr>
-        <p:txBody>
-          <a:bodyPr/>
-          <a:lstStyle/>
-          <a:p>
-            <a:r>
-              <a:rPr lang="en-US" b="1" dirty="0"/>
-              <a:t>Feb 20XX: </a:t>
-            </a:r>
-            <a:r>
-              <a:rPr lang="en-US" dirty="0"/>
-              <a:t>roll out product to high profile or top-level participants to help establish the product</a:t>
-            </a:r>
-          </a:p>
-          <a:p>
-            <a:r>
-              <a:rPr lang="en-US" b="1" dirty="0"/>
-              <a:t>May 20XX: </a:t>
-            </a:r>
-            <a:r>
-              <a:rPr lang="en-US" dirty="0"/>
-              <a:t>release the product to the public and monitor press release and social media accounts</a:t>
-            </a:r>
-          </a:p>
-          <a:p>
-            <a:r>
-              <a:rPr lang="en-US" b="1" dirty="0"/>
-              <a:t>Oct 20XX: </a:t>
-            </a:r>
-            <a:r>
-              <a:rPr lang="en-US" dirty="0"/>
-              <a:t>gather feedback and adjust product design as necessary</a:t>
-            </a:r>
-          </a:p>
-        </p:txBody>
-      </p:sp>
-      <p:sp>
-        <p:nvSpPr>
-          <p:cNvPr id="5" name="Slide Number Placeholder 4">
-            <a:extLst>
-              <a:ext uri="{FF2B5EF4-FFF2-40B4-BE49-F238E27FC236}">
-                <a16:creationId xmlns:a16="http://schemas.microsoft.com/office/drawing/2014/main" id="{1DDD930B-FB1B-543D-6828-8C31F30BBD28}"/>
-              </a:ext>
-            </a:extLst>
-          </p:cNvPr>
-          <p:cNvSpPr>
-            <a:spLocks noGrp="1"/>
-          </p:cNvSpPr>
-          <p:nvPr>
-            <p:ph type="sldNum" sz="quarter" idx="4"/>
-          </p:nvPr>
-        </p:nvSpPr>
-        <p:spPr>
-          <a:xfrm>
-            <a:off x="914400" y="6246254"/>
-            <a:ext cx="631065" cy="296214"/>
-          </a:xfrm>
-        </p:spPr>
-        <p:txBody>
-          <a:bodyPr/>
-          <a:lstStyle/>
-          <a:p>
-            <a:fld id="{B5CEABB6-07DC-46E8-9B57-56EC44A396E5}" type="slidenum">
-              <a:rPr lang="en-US" smtClean="0"/>
-              <a:pPr/>
-              <a:t>28</a:t>
-            </a:fld>
-            <a:endParaRPr lang="en-US" dirty="0"/>
-          </a:p>
-        </p:txBody>
-      </p:sp>
-      <p:pic>
-        <p:nvPicPr>
-          <p:cNvPr id="18" name="Picture Placeholder 17" descr="Two people looking at their phones">
-            <a:extLst>
-              <a:ext uri="{FF2B5EF4-FFF2-40B4-BE49-F238E27FC236}">
-                <a16:creationId xmlns:a16="http://schemas.microsoft.com/office/drawing/2014/main" id="{1609D79A-E8EF-302E-E8CA-07C644CE0E0F}"/>
-              </a:ext>
-            </a:extLst>
-          </p:cNvPr>
-          <p:cNvPicPr>
-            <a:picLocks noGrp="1" noChangeAspect="1"/>
-          </p:cNvPicPr>
-          <p:nvPr>
-            <p:ph type="pic" sz="quarter" idx="11"/>
-          </p:nvPr>
-        </p:nvPicPr>
-        <p:blipFill>
-          <a:blip r:embed="rId3"/>
-          <a:srcRect l="81" r="81"/>
-          <a:stretch/>
-        </p:blipFill>
-        <p:spPr>
-          <a:xfrm>
-            <a:off x="6076950" y="0"/>
-            <a:ext cx="6115050" cy="6868886"/>
-          </a:xfrm>
-        </p:spPr>
-      </p:pic>
-    </p:spTree>
-    <p:extLst>
-      <p:ext uri="{BB962C8B-B14F-4D97-AF65-F5344CB8AC3E}">
-        <p14:creationId xmlns:p14="http://schemas.microsoft.com/office/powerpoint/2010/main" val="1517447069"/>
-      </p:ext>
-    </p:extLst>
-  </p:cSld>
-  <p:clrMapOvr>
-    <a:masterClrMapping/>
-  </p:clrMapOvr>
-</p:sld>
-</file>
-
-<file path=ppt/slides/slide29.xml><?xml version="1.0" encoding="utf-8"?>
-<p:sld xmlns:a="http://schemas.openxmlformats.org/drawingml/2006/main" xmlns:r="http://schemas.openxmlformats.org/officeDocument/2006/relationships" xmlns:p="http://schemas.openxmlformats.org/presentationml/2006/main">
-  <p:cSld>
-    <p:spTree>
-      <p:nvGrpSpPr>
-        <p:cNvPr id="1" name=""/>
-        <p:cNvGrpSpPr/>
-        <p:nvPr/>
-      </p:nvGrpSpPr>
-      <p:grpSpPr>
-        <a:xfrm>
-          <a:off x="0" y="0"/>
-          <a:ext cx="0" cy="0"/>
-          <a:chOff x="0" y="0"/>
-          <a:chExt cx="0" cy="0"/>
-        </a:xfrm>
-      </p:grpSpPr>
-      <p:sp>
-        <p:nvSpPr>
-          <p:cNvPr id="2" name="Title 1">
-            <a:extLst>
-              <a:ext uri="{FF2B5EF4-FFF2-40B4-BE49-F238E27FC236}">
-                <a16:creationId xmlns:a16="http://schemas.microsoft.com/office/drawing/2014/main" id="{8ED62B2F-534F-A196-1186-33D282CE3C7F}"/>
-              </a:ext>
-            </a:extLst>
-          </p:cNvPr>
-          <p:cNvSpPr>
-            <a:spLocks noGrp="1"/>
-          </p:cNvSpPr>
-          <p:nvPr>
-            <p:ph type="title"/>
-          </p:nvPr>
-        </p:nvSpPr>
-        <p:spPr>
-          <a:xfrm>
-            <a:off x="914399" y="365125"/>
-            <a:ext cx="10363202" cy="1603462"/>
-          </a:xfrm>
-        </p:spPr>
-        <p:txBody>
-          <a:bodyPr/>
-          <a:lstStyle/>
-          <a:p>
-            <a:r>
-              <a:rPr lang="en-US" dirty="0"/>
-              <a:t>Market overview</a:t>
-            </a:r>
-          </a:p>
-        </p:txBody>
-      </p:sp>
-      <p:sp>
-        <p:nvSpPr>
-          <p:cNvPr id="3" name="Content Placeholder 2">
-            <a:extLst>
-              <a:ext uri="{FF2B5EF4-FFF2-40B4-BE49-F238E27FC236}">
-                <a16:creationId xmlns:a16="http://schemas.microsoft.com/office/drawing/2014/main" id="{93C71586-1388-197C-1294-83D4DD85293E}"/>
-              </a:ext>
-            </a:extLst>
-          </p:cNvPr>
-          <p:cNvSpPr>
-            <a:spLocks noGrp="1"/>
-          </p:cNvSpPr>
-          <p:nvPr>
-            <p:ph sz="quarter" idx="10"/>
-          </p:nvPr>
-        </p:nvSpPr>
-        <p:spPr>
-          <a:xfrm>
-            <a:off x="914399" y="2022250"/>
-            <a:ext cx="3299013" cy="3914910"/>
-          </a:xfrm>
-        </p:spPr>
-        <p:txBody>
-          <a:bodyPr/>
-          <a:lstStyle/>
-          <a:p>
-            <a:r>
-              <a:rPr lang="en-US" dirty="0"/>
-              <a:t>Opportunity to build</a:t>
-            </a:r>
-          </a:p>
-          <a:p>
-            <a:r>
-              <a:rPr lang="en-US" dirty="0"/>
-              <a:t>Fully inclusive market</a:t>
-            </a:r>
-          </a:p>
-          <a:p>
-            <a:r>
-              <a:rPr lang="en-US" dirty="0"/>
-              <a:t>Total addressable market</a:t>
-            </a:r>
-          </a:p>
-          <a:p>
-            <a:r>
-              <a:rPr lang="en-US" noProof="1"/>
-              <a:t>Freedom to invent</a:t>
-            </a:r>
-            <a:endParaRPr lang="en-US" dirty="0"/>
-          </a:p>
-          <a:p>
-            <a:r>
-              <a:rPr lang="en-US" noProof="1"/>
-              <a:t>Selectively inclusive market</a:t>
-            </a:r>
-          </a:p>
-          <a:p>
-            <a:r>
-              <a:rPr lang="en-US" noProof="1"/>
-              <a:t>Serviceable available market</a:t>
-            </a:r>
-          </a:p>
-        </p:txBody>
-      </p:sp>
-      <p:graphicFrame>
-        <p:nvGraphicFramePr>
-          <p:cNvPr id="6" name="Table 11">
-            <a:extLst>
-              <a:ext uri="{FF2B5EF4-FFF2-40B4-BE49-F238E27FC236}">
-                <a16:creationId xmlns:a16="http://schemas.microsoft.com/office/drawing/2014/main" id="{2EE5D6E7-8306-54E8-220A-099D3B755FFE}"/>
-              </a:ext>
-            </a:extLst>
-          </p:cNvPr>
-          <p:cNvGraphicFramePr>
-            <a:graphicFrameLocks noGrp="1"/>
-          </p:cNvGraphicFramePr>
-          <p:nvPr>
-            <p:ph type="tbl" sz="quarter" idx="11"/>
-            <p:extLst>
-              <p:ext uri="{D42A27DB-BD31-4B8C-83A1-F6EECF244321}">
-                <p14:modId xmlns:p14="http://schemas.microsoft.com/office/powerpoint/2010/main" val="2564561545"/>
-              </p:ext>
-            </p:extLst>
-          </p:nvPr>
-        </p:nvGraphicFramePr>
-        <p:xfrm>
-          <a:off x="4602163" y="2017713"/>
-          <a:ext cx="6675294" cy="3925485"/>
-        </p:xfrm>
-        <a:graphic>
-          <a:graphicData uri="http://schemas.openxmlformats.org/drawingml/2006/table">
-            <a:tbl>
-              <a:tblPr firstRow="1" bandRow="1">
-                <a:tableStyleId>{5C22544A-7EE6-4342-B048-85BDC9FD1C3A}</a:tableStyleId>
-              </a:tblPr>
-              <a:tblGrid>
-                <a:gridCol w="1085272">
-                  <a:extLst>
-                    <a:ext uri="{9D8B030D-6E8A-4147-A177-3AD203B41FA5}">
-                      <a16:colId xmlns:a16="http://schemas.microsoft.com/office/drawing/2014/main" val="3233966979"/>
-                    </a:ext>
-                  </a:extLst>
-                </a:gridCol>
-                <a:gridCol w="1085272">
-                  <a:extLst>
-                    <a:ext uri="{9D8B030D-6E8A-4147-A177-3AD203B41FA5}">
-                      <a16:colId xmlns:a16="http://schemas.microsoft.com/office/drawing/2014/main" val="1158840958"/>
-                    </a:ext>
-                  </a:extLst>
-                </a:gridCol>
-                <a:gridCol w="1085272">
-                  <a:extLst>
-                    <a:ext uri="{9D8B030D-6E8A-4147-A177-3AD203B41FA5}">
-                      <a16:colId xmlns:a16="http://schemas.microsoft.com/office/drawing/2014/main" val="1014947327"/>
-                    </a:ext>
-                  </a:extLst>
-                </a:gridCol>
-                <a:gridCol w="1709739">
-                  <a:extLst>
-                    <a:ext uri="{9D8B030D-6E8A-4147-A177-3AD203B41FA5}">
-                      <a16:colId xmlns:a16="http://schemas.microsoft.com/office/drawing/2014/main" val="2653728004"/>
-                    </a:ext>
-                  </a:extLst>
-                </a:gridCol>
-                <a:gridCol w="1709739">
-                  <a:extLst>
-                    <a:ext uri="{9D8B030D-6E8A-4147-A177-3AD203B41FA5}">
-                      <a16:colId xmlns:a16="http://schemas.microsoft.com/office/drawing/2014/main" val="4218738779"/>
-                    </a:ext>
-                  </a:extLst>
-                </a:gridCol>
-              </a:tblGrid>
-              <a:tr h="785097">
-                <a:tc>
-                  <a:txBody>
-                    <a:bodyPr/>
-                    <a:lstStyle/>
-                    <a:p>
-                      <a:pPr algn="l"/>
-                      <a:endParaRPr lang="en-US" sz="1800" dirty="0">
-                        <a:solidFill>
-                          <a:schemeClr val="tx1"/>
-                        </a:solidFill>
-                      </a:endParaRPr>
-                    </a:p>
-                  </a:txBody>
-                  <a:tcPr/>
-                </a:tc>
-                <a:tc>
-                  <a:txBody>
-                    <a:bodyPr/>
-                    <a:lstStyle/>
-                    <a:p>
-                      <a:pPr algn="l"/>
-                      <a:r>
-                        <a:rPr lang="en-US" sz="1800" dirty="0">
-                          <a:solidFill>
-                            <a:schemeClr val="tx1"/>
-                          </a:solidFill>
-                        </a:rPr>
-                        <a:t>Clients</a:t>
-                      </a:r>
-                      <a:endParaRPr lang="ru-RU" sz="1800" dirty="0">
-                        <a:solidFill>
-                          <a:schemeClr val="tx1"/>
-                        </a:solidFill>
-                      </a:endParaRPr>
-                    </a:p>
-                  </a:txBody>
-                  <a:tcPr marL="95186" marR="95186" marT="47593" marB="47593" anchor="ctr"/>
-                </a:tc>
-                <a:tc>
-                  <a:txBody>
-                    <a:bodyPr/>
-                    <a:lstStyle/>
-                    <a:p>
-                      <a:pPr algn="l"/>
-                      <a:r>
-                        <a:rPr lang="en-US" sz="1800" dirty="0">
-                          <a:solidFill>
-                            <a:schemeClr val="tx1"/>
-                          </a:solidFill>
-                        </a:rPr>
-                        <a:t>Orders</a:t>
-                      </a:r>
-                      <a:endParaRPr lang="ru-RU" sz="1800" dirty="0">
-                        <a:solidFill>
-                          <a:schemeClr val="tx1"/>
-                        </a:solidFill>
-                      </a:endParaRPr>
-                    </a:p>
-                  </a:txBody>
-                  <a:tcPr marL="95186" marR="95186" marT="47593" marB="47593" anchor="ctr"/>
-                </a:tc>
-                <a:tc>
-                  <a:txBody>
-                    <a:bodyPr/>
-                    <a:lstStyle/>
-                    <a:p>
-                      <a:pPr algn="l"/>
-                      <a:r>
-                        <a:rPr lang="en-US" sz="1800" dirty="0">
-                          <a:solidFill>
-                            <a:schemeClr val="tx1"/>
-                          </a:solidFill>
-                        </a:rPr>
-                        <a:t>Gross revenue</a:t>
-                      </a:r>
-                      <a:endParaRPr lang="ru-RU" sz="1800" dirty="0">
-                        <a:solidFill>
-                          <a:schemeClr val="tx1"/>
-                        </a:solidFill>
-                      </a:endParaRPr>
-                    </a:p>
-                  </a:txBody>
-                  <a:tcPr marL="95186" marR="95186" marT="47593" marB="47593" anchor="ctr"/>
-                </a:tc>
-                <a:tc>
-                  <a:txBody>
-                    <a:bodyPr/>
-                    <a:lstStyle/>
-                    <a:p>
-                      <a:pPr algn="l"/>
-                      <a:r>
-                        <a:rPr lang="en-US" sz="1800" dirty="0">
-                          <a:solidFill>
-                            <a:schemeClr val="tx1"/>
-                          </a:solidFill>
-                        </a:rPr>
-                        <a:t>Net revenue</a:t>
-                      </a:r>
-                      <a:endParaRPr lang="ru-RU" sz="1800" dirty="0">
-                        <a:solidFill>
-                          <a:schemeClr val="tx1"/>
-                        </a:solidFill>
-                      </a:endParaRPr>
-                    </a:p>
-                  </a:txBody>
-                  <a:tcPr marL="95186" marR="95186" marT="47593" marB="47593" anchor="ctr"/>
-                </a:tc>
-                <a:extLst>
-                  <a:ext uri="{0D108BD9-81ED-4DB2-BD59-A6C34878D82A}">
-                    <a16:rowId xmlns:a16="http://schemas.microsoft.com/office/drawing/2014/main" val="3213590700"/>
-                  </a:ext>
-                </a:extLst>
-              </a:tr>
-              <a:tr h="785097">
-                <a:tc>
-                  <a:txBody>
-                    <a:bodyPr/>
-                    <a:lstStyle/>
-                    <a:p>
-                      <a:pPr algn="l"/>
-                      <a:r>
-                        <a:rPr lang="en-US" sz="1800" dirty="0">
-                          <a:solidFill>
-                            <a:schemeClr val="tx1"/>
-                          </a:solidFill>
-                        </a:rPr>
-                        <a:t>20XX</a:t>
-                      </a:r>
-                      <a:endParaRPr lang="ru-RU" sz="1800" dirty="0">
-                        <a:solidFill>
-                          <a:schemeClr val="tx1"/>
-                        </a:solidFill>
-                      </a:endParaRPr>
-                    </a:p>
-                  </a:txBody>
-                  <a:tcPr anchor="ctr"/>
-                </a:tc>
-                <a:tc>
-                  <a:txBody>
-                    <a:bodyPr/>
-                    <a:lstStyle/>
-                    <a:p>
-                      <a:pPr algn="l"/>
-                      <a:r>
-                        <a:rPr lang="en-US" sz="1800" dirty="0">
-                          <a:solidFill>
-                            <a:schemeClr val="tx1"/>
-                          </a:solidFill>
-                        </a:rPr>
-                        <a:t>10</a:t>
-                      </a:r>
-                      <a:endParaRPr lang="ru-RU" sz="1800" dirty="0">
-                        <a:solidFill>
-                          <a:schemeClr val="tx1"/>
-                        </a:solidFill>
-                      </a:endParaRPr>
-                    </a:p>
-                  </a:txBody>
-                  <a:tcPr marL="95186" marR="95186" marT="47593" marB="47593" anchor="ctr"/>
-                </a:tc>
-                <a:tc>
-                  <a:txBody>
-                    <a:bodyPr/>
-                    <a:lstStyle/>
-                    <a:p>
-                      <a:pPr algn="l"/>
-                      <a:r>
-                        <a:rPr lang="en-US" sz="1800" dirty="0">
-                          <a:solidFill>
-                            <a:schemeClr val="tx1"/>
-                          </a:solidFill>
-                        </a:rPr>
-                        <a:t>1100</a:t>
-                      </a:r>
-                      <a:endParaRPr lang="ru-RU" sz="1800" dirty="0">
-                        <a:solidFill>
-                          <a:schemeClr val="tx1"/>
-                        </a:solidFill>
-                      </a:endParaRPr>
-                    </a:p>
-                  </a:txBody>
-                  <a:tcPr marL="95186" marR="95186" marT="47593" marB="47593" anchor="ctr"/>
-                </a:tc>
-                <a:tc>
-                  <a:txBody>
-                    <a:bodyPr/>
-                    <a:lstStyle/>
-                    <a:p>
-                      <a:pPr algn="l"/>
-                      <a:r>
-                        <a:rPr lang="en-US" sz="1800" dirty="0">
-                          <a:solidFill>
-                            <a:schemeClr val="tx1"/>
-                          </a:solidFill>
-                        </a:rPr>
-                        <a:t>$10,000</a:t>
-                      </a:r>
-                      <a:endParaRPr lang="ru-RU" sz="1800" dirty="0">
-                        <a:solidFill>
-                          <a:schemeClr val="tx1"/>
-                        </a:solidFill>
-                      </a:endParaRPr>
-                    </a:p>
-                  </a:txBody>
-                  <a:tcPr marL="95186" marR="95186" marT="47593" marB="47593" anchor="ctr"/>
-                </a:tc>
-                <a:tc>
-                  <a:txBody>
-                    <a:bodyPr/>
-                    <a:lstStyle/>
-                    <a:p>
-                      <a:pPr algn="l"/>
-                      <a:r>
-                        <a:rPr lang="en-US" sz="1800" dirty="0">
-                          <a:solidFill>
-                            <a:schemeClr val="tx1"/>
-                          </a:solidFill>
-                        </a:rPr>
-                        <a:t>$7,000</a:t>
-                      </a:r>
-                      <a:endParaRPr lang="ru-RU" sz="1800" dirty="0">
-                        <a:solidFill>
-                          <a:schemeClr val="tx1"/>
-                        </a:solidFill>
-                      </a:endParaRPr>
-                    </a:p>
-                  </a:txBody>
-                  <a:tcPr marL="95186" marR="95186" marT="47593" marB="47593" anchor="ctr"/>
-                </a:tc>
-                <a:extLst>
-                  <a:ext uri="{0D108BD9-81ED-4DB2-BD59-A6C34878D82A}">
-                    <a16:rowId xmlns:a16="http://schemas.microsoft.com/office/drawing/2014/main" val="2830826746"/>
-                  </a:ext>
-                </a:extLst>
-              </a:tr>
-              <a:tr h="785097">
-                <a:tc>
-                  <a:txBody>
-                    <a:bodyPr/>
-                    <a:lstStyle/>
-                    <a:p>
-                      <a:pPr algn="l"/>
-                      <a:r>
-                        <a:rPr lang="en-US" sz="1800" dirty="0">
-                          <a:solidFill>
-                            <a:schemeClr val="tx1"/>
-                          </a:solidFill>
-                        </a:rPr>
-                        <a:t>20XX</a:t>
-                      </a:r>
-                      <a:endParaRPr lang="ru-RU" sz="1800" dirty="0">
-                        <a:solidFill>
-                          <a:schemeClr val="tx1"/>
-                        </a:solidFill>
-                      </a:endParaRPr>
-                    </a:p>
-                  </a:txBody>
-                  <a:tcPr anchor="ctr"/>
-                </a:tc>
-                <a:tc>
-                  <a:txBody>
-                    <a:bodyPr/>
-                    <a:lstStyle/>
-                    <a:p>
-                      <a:pPr algn="l"/>
-                      <a:r>
-                        <a:rPr lang="en-US" sz="1800" dirty="0">
-                          <a:solidFill>
-                            <a:schemeClr val="tx1"/>
-                          </a:solidFill>
-                        </a:rPr>
-                        <a:t>20</a:t>
-                      </a:r>
-                      <a:endParaRPr lang="ru-RU" sz="1800" dirty="0">
-                        <a:solidFill>
-                          <a:schemeClr val="tx1"/>
-                        </a:solidFill>
-                      </a:endParaRPr>
-                    </a:p>
-                  </a:txBody>
-                  <a:tcPr marL="95186" marR="95186" marT="47593" marB="47593" anchor="ctr"/>
-                </a:tc>
-                <a:tc>
-                  <a:txBody>
-                    <a:bodyPr/>
-                    <a:lstStyle/>
-                    <a:p>
-                      <a:pPr algn="l"/>
-                      <a:r>
-                        <a:rPr lang="en-US" sz="1800" dirty="0">
-                          <a:solidFill>
-                            <a:schemeClr val="tx1"/>
-                          </a:solidFill>
-                        </a:rPr>
-                        <a:t>200</a:t>
-                      </a:r>
-                      <a:endParaRPr lang="ru-RU" sz="1800" dirty="0">
-                        <a:solidFill>
-                          <a:schemeClr val="tx1"/>
-                        </a:solidFill>
-                      </a:endParaRPr>
-                    </a:p>
-                  </a:txBody>
-                  <a:tcPr marL="95186" marR="95186" marT="47593" marB="47593" anchor="ctr"/>
-                </a:tc>
-                <a:tc>
-                  <a:txBody>
-                    <a:bodyPr/>
-                    <a:lstStyle/>
-                    <a:p>
-                      <a:pPr marL="0" marR="0" lvl="0" indent="0" algn="l" defTabSz="914400" rtl="0" eaLnBrk="1" fontAlgn="auto" latinLnBrk="0" hangingPunct="1">
-                        <a:lnSpc>
-                          <a:spcPct val="100000"/>
-                        </a:lnSpc>
-                        <a:spcBef>
-                          <a:spcPts val="0"/>
-                        </a:spcBef>
-                        <a:spcAft>
-                          <a:spcPts val="0"/>
-                        </a:spcAft>
-                        <a:buClrTx/>
-                        <a:buSzTx/>
-                        <a:buFontTx/>
-                        <a:buNone/>
-                        <a:tabLst/>
-                        <a:defRPr/>
-                      </a:pPr>
-                      <a:r>
-                        <a:rPr lang="en-US" sz="1800" dirty="0">
-                          <a:solidFill>
-                            <a:schemeClr val="tx1"/>
-                          </a:solidFill>
-                        </a:rPr>
-                        <a:t>$20,000</a:t>
-                      </a:r>
-                      <a:endParaRPr lang="ru-RU" sz="1800" dirty="0">
-                        <a:solidFill>
-                          <a:schemeClr val="tx1"/>
-                        </a:solidFill>
-                      </a:endParaRPr>
-                    </a:p>
-                  </a:txBody>
-                  <a:tcPr marL="95186" marR="95186" marT="47593" marB="47593" anchor="ctr"/>
-                </a:tc>
-                <a:tc>
-                  <a:txBody>
-                    <a:bodyPr/>
-                    <a:lstStyle/>
-                    <a:p>
-                      <a:pPr marL="0" marR="0" lvl="0" indent="0" algn="l" defTabSz="914400" rtl="0" eaLnBrk="1" fontAlgn="auto" latinLnBrk="0" hangingPunct="1">
-                        <a:lnSpc>
-                          <a:spcPct val="100000"/>
-                        </a:lnSpc>
-                        <a:spcBef>
-                          <a:spcPts val="0"/>
-                        </a:spcBef>
-                        <a:spcAft>
-                          <a:spcPts val="0"/>
-                        </a:spcAft>
-                        <a:buClrTx/>
-                        <a:buSzTx/>
-                        <a:buFontTx/>
-                        <a:buNone/>
-                        <a:tabLst/>
-                        <a:defRPr/>
-                      </a:pPr>
-                      <a:r>
-                        <a:rPr lang="en-US" sz="1800" dirty="0">
-                          <a:solidFill>
-                            <a:schemeClr val="tx1"/>
-                          </a:solidFill>
-                        </a:rPr>
-                        <a:t>$16,000</a:t>
-                      </a:r>
-                      <a:endParaRPr lang="ru-RU" sz="1800" dirty="0">
-                        <a:solidFill>
-                          <a:schemeClr val="tx1"/>
-                        </a:solidFill>
-                      </a:endParaRPr>
-                    </a:p>
-                  </a:txBody>
-                  <a:tcPr marL="95186" marR="95186" marT="47593" marB="47593" anchor="ctr"/>
-                </a:tc>
-                <a:extLst>
-                  <a:ext uri="{0D108BD9-81ED-4DB2-BD59-A6C34878D82A}">
-                    <a16:rowId xmlns:a16="http://schemas.microsoft.com/office/drawing/2014/main" val="2517333721"/>
-                  </a:ext>
-                </a:extLst>
-              </a:tr>
-              <a:tr h="785097">
-                <a:tc>
-                  <a:txBody>
-                    <a:bodyPr/>
-                    <a:lstStyle/>
-                    <a:p>
-                      <a:pPr algn="l"/>
-                      <a:r>
-                        <a:rPr lang="en-US" sz="1800" dirty="0">
-                          <a:solidFill>
-                            <a:schemeClr val="tx1"/>
-                          </a:solidFill>
-                        </a:rPr>
-                        <a:t>20XX</a:t>
-                      </a:r>
-                      <a:endParaRPr lang="ru-RU" sz="1800" dirty="0">
-                        <a:solidFill>
-                          <a:schemeClr val="tx1"/>
-                        </a:solidFill>
-                      </a:endParaRPr>
-                    </a:p>
-                  </a:txBody>
-                  <a:tcPr anchor="ctr"/>
-                </a:tc>
-                <a:tc>
-                  <a:txBody>
-                    <a:bodyPr/>
-                    <a:lstStyle/>
-                    <a:p>
-                      <a:pPr algn="l"/>
-                      <a:r>
-                        <a:rPr lang="en-US" sz="1800" dirty="0">
-                          <a:solidFill>
-                            <a:schemeClr val="tx1"/>
-                          </a:solidFill>
-                        </a:rPr>
-                        <a:t>30</a:t>
-                      </a:r>
-                      <a:endParaRPr lang="ru-RU" sz="1800" dirty="0">
-                        <a:solidFill>
-                          <a:schemeClr val="tx1"/>
-                        </a:solidFill>
-                      </a:endParaRPr>
-                    </a:p>
-                  </a:txBody>
-                  <a:tcPr marL="95186" marR="95186" marT="47593" marB="47593" anchor="ctr"/>
-                </a:tc>
-                <a:tc>
-                  <a:txBody>
-                    <a:bodyPr/>
-                    <a:lstStyle/>
-                    <a:p>
-                      <a:pPr algn="l"/>
-                      <a:r>
-                        <a:rPr lang="en-US" sz="1800" dirty="0">
-                          <a:solidFill>
-                            <a:schemeClr val="tx1"/>
-                          </a:solidFill>
-                        </a:rPr>
-                        <a:t>300</a:t>
-                      </a:r>
-                      <a:endParaRPr lang="ru-RU" sz="1800" dirty="0">
-                        <a:solidFill>
-                          <a:schemeClr val="tx1"/>
-                        </a:solidFill>
-                      </a:endParaRPr>
-                    </a:p>
-                  </a:txBody>
-                  <a:tcPr marL="95186" marR="95186" marT="47593" marB="47593" anchor="ctr"/>
-                </a:tc>
-                <a:tc>
-                  <a:txBody>
-                    <a:bodyPr/>
-                    <a:lstStyle/>
-                    <a:p>
-                      <a:pPr marL="0" marR="0" lvl="0" indent="0" algn="l" defTabSz="914400" rtl="0" eaLnBrk="1" fontAlgn="auto" latinLnBrk="0" hangingPunct="1">
-                        <a:lnSpc>
-                          <a:spcPct val="100000"/>
-                        </a:lnSpc>
-                        <a:spcBef>
-                          <a:spcPts val="0"/>
-                        </a:spcBef>
-                        <a:spcAft>
-                          <a:spcPts val="0"/>
-                        </a:spcAft>
-                        <a:buClrTx/>
-                        <a:buSzTx/>
-                        <a:buFontTx/>
-                        <a:buNone/>
-                        <a:tabLst/>
-                        <a:defRPr/>
-                      </a:pPr>
-                      <a:r>
-                        <a:rPr lang="en-US" sz="1800" dirty="0">
-                          <a:solidFill>
-                            <a:schemeClr val="tx1"/>
-                          </a:solidFill>
-                        </a:rPr>
-                        <a:t>$30,000</a:t>
-                      </a:r>
-                      <a:endParaRPr lang="ru-RU" sz="1800" dirty="0">
-                        <a:solidFill>
-                          <a:schemeClr val="tx1"/>
-                        </a:solidFill>
-                      </a:endParaRPr>
-                    </a:p>
-                  </a:txBody>
-                  <a:tcPr marL="95186" marR="95186" marT="47593" marB="47593" anchor="ctr"/>
-                </a:tc>
-                <a:tc>
-                  <a:txBody>
-                    <a:bodyPr/>
-                    <a:lstStyle/>
-                    <a:p>
-                      <a:pPr marL="0" marR="0" lvl="0" indent="0" algn="l" defTabSz="914400" rtl="0" eaLnBrk="1" fontAlgn="auto" latinLnBrk="0" hangingPunct="1">
-                        <a:lnSpc>
-                          <a:spcPct val="100000"/>
-                        </a:lnSpc>
-                        <a:spcBef>
-                          <a:spcPts val="0"/>
-                        </a:spcBef>
-                        <a:spcAft>
-                          <a:spcPts val="0"/>
-                        </a:spcAft>
-                        <a:buClrTx/>
-                        <a:buSzTx/>
-                        <a:buFontTx/>
-                        <a:buNone/>
-                        <a:tabLst/>
-                        <a:defRPr/>
-                      </a:pPr>
-                      <a:r>
-                        <a:rPr lang="en-US" sz="1800" dirty="0">
-                          <a:solidFill>
-                            <a:schemeClr val="tx1"/>
-                          </a:solidFill>
-                        </a:rPr>
-                        <a:t>$25,000</a:t>
-                      </a:r>
-                      <a:endParaRPr lang="ru-RU" sz="1800" dirty="0">
-                        <a:solidFill>
-                          <a:schemeClr val="tx1"/>
-                        </a:solidFill>
-                      </a:endParaRPr>
-                    </a:p>
-                  </a:txBody>
-                  <a:tcPr marL="95186" marR="95186" marT="47593" marB="47593" anchor="ctr"/>
-                </a:tc>
-                <a:extLst>
-                  <a:ext uri="{0D108BD9-81ED-4DB2-BD59-A6C34878D82A}">
-                    <a16:rowId xmlns:a16="http://schemas.microsoft.com/office/drawing/2014/main" val="3321589815"/>
-                  </a:ext>
-                </a:extLst>
-              </a:tr>
-              <a:tr h="785097">
-                <a:tc>
-                  <a:txBody>
-                    <a:bodyPr/>
-                    <a:lstStyle/>
-                    <a:p>
-                      <a:pPr algn="l"/>
-                      <a:r>
-                        <a:rPr lang="en-US" sz="1800" dirty="0">
-                          <a:solidFill>
-                            <a:schemeClr val="tx1"/>
-                          </a:solidFill>
-                        </a:rPr>
-                        <a:t>20XX</a:t>
-                      </a:r>
-                      <a:endParaRPr lang="ru-RU" sz="1800" dirty="0">
-                        <a:solidFill>
-                          <a:schemeClr val="tx1"/>
-                        </a:solidFill>
-                      </a:endParaRPr>
-                    </a:p>
-                  </a:txBody>
-                  <a:tcPr anchor="ctr"/>
-                </a:tc>
-                <a:tc>
-                  <a:txBody>
-                    <a:bodyPr/>
-                    <a:lstStyle/>
-                    <a:p>
-                      <a:pPr algn="l"/>
-                      <a:r>
-                        <a:rPr lang="en-US" sz="1800" dirty="0">
-                          <a:solidFill>
-                            <a:schemeClr val="tx1"/>
-                          </a:solidFill>
-                        </a:rPr>
-                        <a:t>40</a:t>
-                      </a:r>
-                      <a:endParaRPr lang="ru-RU" sz="1800" dirty="0">
-                        <a:solidFill>
-                          <a:schemeClr val="tx1"/>
-                        </a:solidFill>
-                      </a:endParaRPr>
-                    </a:p>
-                  </a:txBody>
-                  <a:tcPr marL="95186" marR="95186" marT="47593" marB="47593" anchor="ctr"/>
-                </a:tc>
-                <a:tc>
-                  <a:txBody>
-                    <a:bodyPr/>
-                    <a:lstStyle/>
-                    <a:p>
-                      <a:pPr algn="l"/>
-                      <a:r>
-                        <a:rPr lang="en-US" sz="1800" dirty="0">
-                          <a:solidFill>
-                            <a:schemeClr val="tx1"/>
-                          </a:solidFill>
-                        </a:rPr>
-                        <a:t>400</a:t>
-                      </a:r>
-                      <a:endParaRPr lang="ru-RU" sz="1800" dirty="0">
-                        <a:solidFill>
-                          <a:schemeClr val="tx1"/>
-                        </a:solidFill>
-                      </a:endParaRPr>
-                    </a:p>
-                  </a:txBody>
-                  <a:tcPr marL="95186" marR="95186" marT="47593" marB="47593" anchor="ctr"/>
-                </a:tc>
-                <a:tc>
-                  <a:txBody>
-                    <a:bodyPr/>
-                    <a:lstStyle/>
-                    <a:p>
-                      <a:pPr marL="0" marR="0" lvl="0" indent="0" algn="l" defTabSz="914400" rtl="0" eaLnBrk="1" fontAlgn="auto" latinLnBrk="0" hangingPunct="1">
-                        <a:lnSpc>
-                          <a:spcPct val="100000"/>
-                        </a:lnSpc>
-                        <a:spcBef>
-                          <a:spcPts val="0"/>
-                        </a:spcBef>
-                        <a:spcAft>
-                          <a:spcPts val="0"/>
-                        </a:spcAft>
-                        <a:buClrTx/>
-                        <a:buSzTx/>
-                        <a:buFontTx/>
-                        <a:buNone/>
-                        <a:tabLst/>
-                        <a:defRPr/>
-                      </a:pPr>
-                      <a:r>
-                        <a:rPr lang="en-US" sz="1800" dirty="0">
-                          <a:solidFill>
-                            <a:schemeClr val="tx1"/>
-                          </a:solidFill>
-                        </a:rPr>
-                        <a:t>$40,000</a:t>
-                      </a:r>
-                      <a:endParaRPr lang="ru-RU" sz="1800" dirty="0">
-                        <a:solidFill>
-                          <a:schemeClr val="tx1"/>
-                        </a:solidFill>
-                      </a:endParaRPr>
-                    </a:p>
-                  </a:txBody>
-                  <a:tcPr marL="95186" marR="95186" marT="47593" marB="47593" anchor="ctr"/>
-                </a:tc>
-                <a:tc>
-                  <a:txBody>
-                    <a:bodyPr/>
-                    <a:lstStyle/>
-                    <a:p>
-                      <a:pPr marL="0" marR="0" lvl="0" indent="0" algn="l" defTabSz="914400" rtl="0" eaLnBrk="1" fontAlgn="auto" latinLnBrk="0" hangingPunct="1">
-                        <a:lnSpc>
-                          <a:spcPct val="100000"/>
-                        </a:lnSpc>
-                        <a:spcBef>
-                          <a:spcPts val="0"/>
-                        </a:spcBef>
-                        <a:spcAft>
-                          <a:spcPts val="0"/>
-                        </a:spcAft>
-                        <a:buClrTx/>
-                        <a:buSzTx/>
-                        <a:buFontTx/>
-                        <a:buNone/>
-                        <a:tabLst/>
-                        <a:defRPr/>
-                      </a:pPr>
-                      <a:r>
-                        <a:rPr lang="en-US" sz="1800" dirty="0">
-                          <a:solidFill>
-                            <a:schemeClr val="tx1"/>
-                          </a:solidFill>
-                        </a:rPr>
-                        <a:t>$30,000</a:t>
-                      </a:r>
-                      <a:endParaRPr lang="ru-RU" sz="1800" dirty="0">
-                        <a:solidFill>
-                          <a:schemeClr val="tx1"/>
-                        </a:solidFill>
-                      </a:endParaRPr>
-                    </a:p>
-                  </a:txBody>
-                  <a:tcPr marL="95186" marR="95186" marT="47593" marB="47593" anchor="ctr"/>
-                </a:tc>
-                <a:extLst>
-                  <a:ext uri="{0D108BD9-81ED-4DB2-BD59-A6C34878D82A}">
-                    <a16:rowId xmlns:a16="http://schemas.microsoft.com/office/drawing/2014/main" val="3345832805"/>
-                  </a:ext>
-                </a:extLst>
-              </a:tr>
-            </a:tbl>
-          </a:graphicData>
-        </a:graphic>
-      </p:graphicFrame>
-      <p:sp>
-        <p:nvSpPr>
-          <p:cNvPr id="5" name="Slide Number Placeholder 4">
-            <a:extLst>
-              <a:ext uri="{FF2B5EF4-FFF2-40B4-BE49-F238E27FC236}">
-                <a16:creationId xmlns:a16="http://schemas.microsoft.com/office/drawing/2014/main" id="{0FF6EF25-1A43-B685-800B-85D36602EF9F}"/>
-              </a:ext>
-            </a:extLst>
-          </p:cNvPr>
-          <p:cNvSpPr>
-            <a:spLocks noGrp="1"/>
-          </p:cNvSpPr>
-          <p:nvPr>
-            <p:ph type="sldNum" sz="quarter" idx="4"/>
-          </p:nvPr>
-        </p:nvSpPr>
-        <p:spPr>
-          <a:xfrm>
-            <a:off x="914400" y="6246254"/>
-            <a:ext cx="631065" cy="296214"/>
-          </a:xfrm>
-        </p:spPr>
-        <p:txBody>
-          <a:bodyPr/>
-          <a:lstStyle/>
-          <a:p>
-            <a:fld id="{B5CEABB6-07DC-46E8-9B57-56EC44A396E5}" type="slidenum">
-              <a:rPr lang="en-US" smtClean="0"/>
-              <a:pPr/>
-              <a:t>29</a:t>
-            </a:fld>
-            <a:endParaRPr lang="en-US" dirty="0"/>
-          </a:p>
-        </p:txBody>
-      </p:sp>
-    </p:spTree>
-    <p:extLst>
-      <p:ext uri="{BB962C8B-B14F-4D97-AF65-F5344CB8AC3E}">
-        <p14:creationId xmlns:p14="http://schemas.microsoft.com/office/powerpoint/2010/main" val="2149261472"/>
       </p:ext>
     </p:extLst>
   </p:cSld>
@@ -15816,7 +14320,13 @@
                 <a:latin typeface="Arial" panose="020B0604020202020204" pitchFamily="34" charset="0"/>
                 <a:cs typeface="Arial" panose="020B0604020202020204" pitchFamily="34" charset="0"/>
                 <a:sym typeface="Wingdings" panose="05000000000000000000" pitchFamily="2" charset="2"/>
-                <a:hlinkClick r:id="rId3"/>
+                <a:hlinkClick r:id="rId3">
+                  <a:extLst>
+                    <a:ext uri="{A12FA001-AC4F-418D-AE19-62706E023703}">
+                      <ahyp:hlinkClr xmlns:ahyp="http://schemas.microsoft.com/office/drawing/2018/hyperlinkcolor" val="tx"/>
+                    </a:ext>
+                  </a:extLst>
+                </a:hlinkClick>
               </a:rPr>
               <a:t>Supported features</a:t>
             </a:r>
@@ -15968,2234 +14478,6 @@
     <p:extLst>
       <p:ext uri="{BB962C8B-B14F-4D97-AF65-F5344CB8AC3E}">
         <p14:creationId xmlns:p14="http://schemas.microsoft.com/office/powerpoint/2010/main" val="3032526475"/>
-      </p:ext>
-    </p:extLst>
-  </p:cSld>
-  <p:clrMapOvr>
-    <a:masterClrMapping/>
-  </p:clrMapOvr>
-</p:sld>
-</file>
-
-<file path=ppt/slides/slide30.xml><?xml version="1.0" encoding="utf-8"?>
-<p:sld xmlns:a="http://schemas.openxmlformats.org/drawingml/2006/main" xmlns:r="http://schemas.openxmlformats.org/officeDocument/2006/relationships" xmlns:p="http://schemas.openxmlformats.org/presentationml/2006/main">
-  <p:cSld>
-    <p:spTree>
-      <p:nvGrpSpPr>
-        <p:cNvPr id="1" name=""/>
-        <p:cNvGrpSpPr/>
-        <p:nvPr/>
-      </p:nvGrpSpPr>
-      <p:grpSpPr>
-        <a:xfrm>
-          <a:off x="0" y="0"/>
-          <a:ext cx="0" cy="0"/>
-          <a:chOff x="0" y="0"/>
-          <a:chExt cx="0" cy="0"/>
-        </a:xfrm>
-      </p:grpSpPr>
-      <p:sp>
-        <p:nvSpPr>
-          <p:cNvPr id="2" name="Title 1">
-            <a:extLst>
-              <a:ext uri="{FF2B5EF4-FFF2-40B4-BE49-F238E27FC236}">
-                <a16:creationId xmlns:a16="http://schemas.microsoft.com/office/drawing/2014/main" id="{B4386DBB-D0DC-05D4-788C-E10EEF6B4A91}"/>
-              </a:ext>
-            </a:extLst>
-          </p:cNvPr>
-          <p:cNvSpPr>
-            <a:spLocks noGrp="1"/>
-          </p:cNvSpPr>
-          <p:nvPr>
-            <p:ph type="title"/>
-          </p:nvPr>
-        </p:nvSpPr>
-        <p:spPr>
-          <a:xfrm>
-            <a:off x="891990" y="434225"/>
-            <a:ext cx="9524998" cy="1499627"/>
-          </a:xfrm>
-        </p:spPr>
-        <p:txBody>
-          <a:bodyPr/>
-          <a:lstStyle/>
-          <a:p>
-            <a:r>
-              <a:rPr lang="en-US" dirty="0"/>
-              <a:t>Solution</a:t>
-            </a:r>
-          </a:p>
-        </p:txBody>
-      </p:sp>
-      <p:sp>
-        <p:nvSpPr>
-          <p:cNvPr id="3" name="Content Placeholder 2">
-            <a:extLst>
-              <a:ext uri="{FF2B5EF4-FFF2-40B4-BE49-F238E27FC236}">
-                <a16:creationId xmlns:a16="http://schemas.microsoft.com/office/drawing/2014/main" id="{F0E41F64-E350-1F21-8A57-E740F48F3132}"/>
-              </a:ext>
-            </a:extLst>
-          </p:cNvPr>
-          <p:cNvSpPr>
-            <a:spLocks noGrp="1"/>
-          </p:cNvSpPr>
-          <p:nvPr>
-            <p:ph sz="quarter" idx="10"/>
-          </p:nvPr>
-        </p:nvSpPr>
-        <p:spPr>
-          <a:xfrm>
-            <a:off x="914399" y="2022250"/>
-            <a:ext cx="6257366" cy="3914910"/>
-          </a:xfrm>
-        </p:spPr>
-        <p:txBody>
-          <a:bodyPr/>
-          <a:lstStyle/>
-          <a:p>
-            <a:r>
-              <a:rPr lang="en-US" dirty="0"/>
-              <a:t>Our product makes consumer lives easier, and no other product on the market offers the same features</a:t>
-            </a:r>
-          </a:p>
-          <a:p>
-            <a:pPr lvl="1"/>
-            <a:r>
-              <a:rPr lang="en-US" dirty="0"/>
-              <a:t>Gen Z (18-25 years old)</a:t>
-            </a:r>
-          </a:p>
-          <a:p>
-            <a:pPr lvl="1"/>
-            <a:r>
-              <a:rPr lang="en-US" dirty="0"/>
-              <a:t>Reduce expenses for replacement products </a:t>
-            </a:r>
-          </a:p>
-          <a:p>
-            <a:pPr lvl="1"/>
-            <a:r>
-              <a:rPr lang="en-US" dirty="0"/>
-              <a:t>Simple design that gives customers the targeted information they need</a:t>
-            </a:r>
-          </a:p>
-          <a:p>
-            <a:endParaRPr lang="en-US" dirty="0"/>
-          </a:p>
-          <a:p>
-            <a:endParaRPr lang="en-US" dirty="0"/>
-          </a:p>
-        </p:txBody>
-      </p:sp>
-      <p:sp>
-        <p:nvSpPr>
-          <p:cNvPr id="4" name="Content Placeholder 3">
-            <a:extLst>
-              <a:ext uri="{FF2B5EF4-FFF2-40B4-BE49-F238E27FC236}">
-                <a16:creationId xmlns:a16="http://schemas.microsoft.com/office/drawing/2014/main" id="{3735AC68-D86C-E73B-5402-F22C9F54DC0C}"/>
-              </a:ext>
-            </a:extLst>
-          </p:cNvPr>
-          <p:cNvSpPr>
-            <a:spLocks noGrp="1"/>
-          </p:cNvSpPr>
-          <p:nvPr>
-            <p:ph sz="quarter" idx="11"/>
-          </p:nvPr>
-        </p:nvSpPr>
-        <p:spPr>
-          <a:xfrm>
-            <a:off x="7967475" y="2018119"/>
-            <a:ext cx="2449514" cy="3931919"/>
-          </a:xfrm>
-        </p:spPr>
-        <p:txBody>
-          <a:bodyPr/>
-          <a:lstStyle/>
-          <a:p>
-            <a:r>
-              <a:rPr lang="en-US" dirty="0"/>
-              <a:t>Close the gap</a:t>
-            </a:r>
-          </a:p>
-          <a:p>
-            <a:r>
-              <a:rPr lang="en-US" dirty="0"/>
-              <a:t>Target audience </a:t>
-            </a:r>
-          </a:p>
-          <a:p>
-            <a:r>
-              <a:rPr lang="en-US" dirty="0"/>
-              <a:t>Cost savings</a:t>
-            </a:r>
-          </a:p>
-          <a:p>
-            <a:r>
-              <a:rPr lang="en-US" dirty="0"/>
-              <a:t>Easy to use</a:t>
-            </a:r>
-          </a:p>
-        </p:txBody>
-      </p:sp>
-      <p:sp>
-        <p:nvSpPr>
-          <p:cNvPr id="5" name="Slide Number Placeholder 4">
-            <a:extLst>
-              <a:ext uri="{FF2B5EF4-FFF2-40B4-BE49-F238E27FC236}">
-                <a16:creationId xmlns:a16="http://schemas.microsoft.com/office/drawing/2014/main" id="{C99D2502-F7A7-039F-01A0-59462ADFF659}"/>
-              </a:ext>
-            </a:extLst>
-          </p:cNvPr>
-          <p:cNvSpPr>
-            <a:spLocks noGrp="1"/>
-          </p:cNvSpPr>
-          <p:nvPr>
-            <p:ph type="sldNum" sz="quarter" idx="4"/>
-          </p:nvPr>
-        </p:nvSpPr>
-        <p:spPr>
-          <a:xfrm>
-            <a:off x="914400" y="6246254"/>
-            <a:ext cx="631065" cy="296214"/>
-          </a:xfrm>
-        </p:spPr>
-        <p:txBody>
-          <a:bodyPr/>
-          <a:lstStyle/>
-          <a:p>
-            <a:fld id="{B5CEABB6-07DC-46E8-9B57-56EC44A396E5}" type="slidenum">
-              <a:rPr lang="en-US" smtClean="0"/>
-              <a:pPr/>
-              <a:t>30</a:t>
-            </a:fld>
-            <a:endParaRPr lang="en-US" dirty="0"/>
-          </a:p>
-        </p:txBody>
-      </p:sp>
-    </p:spTree>
-    <p:extLst>
-      <p:ext uri="{BB962C8B-B14F-4D97-AF65-F5344CB8AC3E}">
-        <p14:creationId xmlns:p14="http://schemas.microsoft.com/office/powerpoint/2010/main" val="2398406067"/>
-      </p:ext>
-    </p:extLst>
-  </p:cSld>
-  <p:clrMapOvr>
-    <a:masterClrMapping/>
-  </p:clrMapOvr>
-</p:sld>
-</file>
-
-<file path=ppt/slides/slide31.xml><?xml version="1.0" encoding="utf-8"?>
-<p:sld xmlns:a="http://schemas.openxmlformats.org/drawingml/2006/main" xmlns:r="http://schemas.openxmlformats.org/officeDocument/2006/relationships" xmlns:p="http://schemas.openxmlformats.org/presentationml/2006/main">
-  <p:cSld>
-    <p:spTree>
-      <p:nvGrpSpPr>
-        <p:cNvPr id="1" name=""/>
-        <p:cNvGrpSpPr/>
-        <p:nvPr/>
-      </p:nvGrpSpPr>
-      <p:grpSpPr>
-        <a:xfrm>
-          <a:off x="0" y="0"/>
-          <a:ext cx="0" cy="0"/>
-          <a:chOff x="0" y="0"/>
-          <a:chExt cx="0" cy="0"/>
-        </a:xfrm>
-      </p:grpSpPr>
-      <p:sp>
-        <p:nvSpPr>
-          <p:cNvPr id="2" name="Title 1">
-            <a:extLst>
-              <a:ext uri="{FF2B5EF4-FFF2-40B4-BE49-F238E27FC236}">
-                <a16:creationId xmlns:a16="http://schemas.microsoft.com/office/drawing/2014/main" id="{958ECED9-3D31-C7EF-C4E5-0D218F611807}"/>
-              </a:ext>
-            </a:extLst>
-          </p:cNvPr>
-          <p:cNvSpPr>
-            <a:spLocks noGrp="1"/>
-          </p:cNvSpPr>
-          <p:nvPr>
-            <p:ph type="title"/>
-          </p:nvPr>
-        </p:nvSpPr>
-        <p:spPr>
-          <a:xfrm>
-            <a:off x="923545" y="584477"/>
-            <a:ext cx="10354052" cy="1209765"/>
-          </a:xfrm>
-        </p:spPr>
-        <p:txBody>
-          <a:bodyPr/>
-          <a:lstStyle/>
-          <a:p>
-            <a:r>
-              <a:rPr lang="en-US" dirty="0"/>
-              <a:t>Financials</a:t>
-            </a:r>
-          </a:p>
-        </p:txBody>
-      </p:sp>
-      <p:graphicFrame>
-        <p:nvGraphicFramePr>
-          <p:cNvPr id="5" name="Table 9">
-            <a:extLst>
-              <a:ext uri="{FF2B5EF4-FFF2-40B4-BE49-F238E27FC236}">
-                <a16:creationId xmlns:a16="http://schemas.microsoft.com/office/drawing/2014/main" id="{B782709C-FC0C-E355-9C94-A8EE025BAC7B}"/>
-              </a:ext>
-            </a:extLst>
-          </p:cNvPr>
-          <p:cNvGraphicFramePr>
-            <a:graphicFrameLocks noGrp="1"/>
-          </p:cNvGraphicFramePr>
-          <p:nvPr>
-            <p:ph type="tbl" sz="quarter" idx="10"/>
-            <p:extLst>
-              <p:ext uri="{D42A27DB-BD31-4B8C-83A1-F6EECF244321}">
-                <p14:modId xmlns:p14="http://schemas.microsoft.com/office/powerpoint/2010/main" val="829977845"/>
-              </p:ext>
-            </p:extLst>
-          </p:nvPr>
-        </p:nvGraphicFramePr>
-        <p:xfrm>
-          <a:off x="923925" y="2009775"/>
-          <a:ext cx="10363201" cy="3934070"/>
-        </p:xfrm>
-        <a:graphic>
-          <a:graphicData uri="http://schemas.openxmlformats.org/drawingml/2006/table">
-            <a:tbl>
-              <a:tblPr firstRow="1" bandRow="1">
-                <a:tableStyleId>{5C22544A-7EE6-4342-B048-85BDC9FD1C3A}</a:tableStyleId>
-              </a:tblPr>
-              <a:tblGrid>
-                <a:gridCol w="4324555">
-                  <a:extLst>
-                    <a:ext uri="{9D8B030D-6E8A-4147-A177-3AD203B41FA5}">
-                      <a16:colId xmlns:a16="http://schemas.microsoft.com/office/drawing/2014/main" val="3446012419"/>
-                    </a:ext>
-                  </a:extLst>
-                </a:gridCol>
-                <a:gridCol w="2012882">
-                  <a:extLst>
-                    <a:ext uri="{9D8B030D-6E8A-4147-A177-3AD203B41FA5}">
-                      <a16:colId xmlns:a16="http://schemas.microsoft.com/office/drawing/2014/main" val="4052646397"/>
-                    </a:ext>
-                  </a:extLst>
-                </a:gridCol>
-                <a:gridCol w="2012882">
-                  <a:extLst>
-                    <a:ext uri="{9D8B030D-6E8A-4147-A177-3AD203B41FA5}">
-                      <a16:colId xmlns:a16="http://schemas.microsoft.com/office/drawing/2014/main" val="1935352797"/>
-                    </a:ext>
-                  </a:extLst>
-                </a:gridCol>
-                <a:gridCol w="2012882">
-                  <a:extLst>
-                    <a:ext uri="{9D8B030D-6E8A-4147-A177-3AD203B41FA5}">
-                      <a16:colId xmlns:a16="http://schemas.microsoft.com/office/drawing/2014/main" val="1218263486"/>
-                    </a:ext>
-                  </a:extLst>
-                </a:gridCol>
-              </a:tblGrid>
-              <a:tr h="562010">
-                <a:tc>
-                  <a:txBody>
-                    <a:bodyPr/>
-                    <a:lstStyle/>
-                    <a:p>
-                      <a:pPr algn="l" fontAlgn="b"/>
-                      <a:endParaRPr lang="en-US" sz="1800" b="0" i="0" u="none" strike="noStrike" dirty="0">
-                        <a:solidFill>
-                          <a:schemeClr val="tx1"/>
-                        </a:solidFill>
-                        <a:effectLst/>
-                        <a:latin typeface="+mn-lt"/>
-                      </a:endParaRPr>
-                    </a:p>
-                  </a:txBody>
-                  <a:tcPr marL="288000" anchor="ctr"/>
-                </a:tc>
-                <a:tc>
-                  <a:txBody>
-                    <a:bodyPr/>
-                    <a:lstStyle/>
-                    <a:p>
-                      <a:pPr algn="l" fontAlgn="b"/>
-                      <a:r>
-                        <a:rPr lang="en-US" sz="1800" b="1" u="none" strike="noStrike" dirty="0">
-                          <a:solidFill>
-                            <a:schemeClr val="tx1"/>
-                          </a:solidFill>
-                          <a:effectLst/>
-                        </a:rPr>
-                        <a:t>Year 1</a:t>
-                      </a:r>
-                      <a:endParaRPr lang="en-US" sz="1800" b="1" i="0" u="none" strike="noStrike" dirty="0">
-                        <a:solidFill>
-                          <a:schemeClr val="tx1"/>
-                        </a:solidFill>
-                        <a:effectLst/>
-                        <a:latin typeface="+mn-lt"/>
-                      </a:endParaRPr>
-                    </a:p>
-                  </a:txBody>
-                  <a:tcPr anchor="ctr"/>
-                </a:tc>
-                <a:tc>
-                  <a:txBody>
-                    <a:bodyPr/>
-                    <a:lstStyle/>
-                    <a:p>
-                      <a:pPr algn="l" fontAlgn="b"/>
-                      <a:r>
-                        <a:rPr lang="en-US" sz="1800" b="1" u="none" strike="noStrike" dirty="0">
-                          <a:solidFill>
-                            <a:schemeClr val="tx1"/>
-                          </a:solidFill>
-                          <a:effectLst/>
-                        </a:rPr>
-                        <a:t>Year 2</a:t>
-                      </a:r>
-                      <a:endParaRPr lang="en-US" sz="1800" b="1" i="0" u="none" strike="noStrike" dirty="0">
-                        <a:solidFill>
-                          <a:schemeClr val="tx1"/>
-                        </a:solidFill>
-                        <a:effectLst/>
-                        <a:latin typeface="+mn-lt"/>
-                      </a:endParaRPr>
-                    </a:p>
-                  </a:txBody>
-                  <a:tcPr anchor="ctr"/>
-                </a:tc>
-                <a:tc>
-                  <a:txBody>
-                    <a:bodyPr/>
-                    <a:lstStyle/>
-                    <a:p>
-                      <a:pPr algn="l" fontAlgn="b"/>
-                      <a:r>
-                        <a:rPr lang="en-US" sz="1800" b="1" u="none" strike="noStrike" dirty="0">
-                          <a:solidFill>
-                            <a:schemeClr val="tx1"/>
-                          </a:solidFill>
-                          <a:effectLst/>
-                        </a:rPr>
-                        <a:t>Year 3</a:t>
-                      </a:r>
-                      <a:endParaRPr lang="en-US" sz="1800" b="1" i="0" u="none" strike="noStrike" dirty="0">
-                        <a:solidFill>
-                          <a:schemeClr val="tx1"/>
-                        </a:solidFill>
-                        <a:effectLst/>
-                        <a:latin typeface="+mn-lt"/>
-                      </a:endParaRPr>
-                    </a:p>
-                  </a:txBody>
-                  <a:tcPr anchor="ctr"/>
-                </a:tc>
-                <a:extLst>
-                  <a:ext uri="{0D108BD9-81ED-4DB2-BD59-A6C34878D82A}">
-                    <a16:rowId xmlns:a16="http://schemas.microsoft.com/office/drawing/2014/main" val="4140773105"/>
-                  </a:ext>
-                </a:extLst>
-              </a:tr>
-              <a:tr h="562010">
-                <a:tc>
-                  <a:txBody>
-                    <a:bodyPr/>
-                    <a:lstStyle/>
-                    <a:p>
-                      <a:pPr algn="l" fontAlgn="b"/>
-                      <a:r>
-                        <a:rPr lang="en-US" sz="1800" b="0" u="none" strike="noStrike" dirty="0">
-                          <a:solidFill>
-                            <a:schemeClr val="tx1"/>
-                          </a:solidFill>
-                          <a:effectLst/>
-                        </a:rPr>
-                        <a:t>Income</a:t>
-                      </a:r>
-                      <a:endParaRPr lang="en-US" sz="1800" b="0" i="0" u="none" strike="noStrike" dirty="0">
-                        <a:solidFill>
-                          <a:schemeClr val="tx1"/>
-                        </a:solidFill>
-                        <a:effectLst/>
-                        <a:latin typeface="+mn-lt"/>
-                      </a:endParaRPr>
-                    </a:p>
-                  </a:txBody>
-                  <a:tcPr marL="288000" anchor="ctr"/>
-                </a:tc>
-                <a:tc>
-                  <a:txBody>
-                    <a:bodyPr/>
-                    <a:lstStyle/>
-                    <a:p>
-                      <a:pPr algn="l" fontAlgn="b"/>
-                      <a:endParaRPr lang="en-US" sz="1800" b="0" i="0" u="none" strike="noStrike" dirty="0">
-                        <a:solidFill>
-                          <a:schemeClr val="tx1"/>
-                        </a:solidFill>
-                        <a:effectLst/>
-                        <a:latin typeface="+mn-lt"/>
-                      </a:endParaRPr>
-                    </a:p>
-                  </a:txBody>
-                  <a:tcPr anchor="ctr"/>
-                </a:tc>
-                <a:tc>
-                  <a:txBody>
-                    <a:bodyPr/>
-                    <a:lstStyle/>
-                    <a:p>
-                      <a:pPr algn="l" fontAlgn="b"/>
-                      <a:endParaRPr lang="en-US" sz="1800" b="0" i="0" u="none" strike="noStrike" dirty="0">
-                        <a:solidFill>
-                          <a:schemeClr val="tx1"/>
-                        </a:solidFill>
-                        <a:effectLst/>
-                        <a:latin typeface="+mn-lt"/>
-                      </a:endParaRPr>
-                    </a:p>
-                  </a:txBody>
-                  <a:tcPr anchor="ctr"/>
-                </a:tc>
-                <a:tc>
-                  <a:txBody>
-                    <a:bodyPr/>
-                    <a:lstStyle/>
-                    <a:p>
-                      <a:pPr algn="l" fontAlgn="b"/>
-                      <a:endParaRPr lang="en-US" sz="1800" b="0" i="0" u="none" strike="noStrike" dirty="0">
-                        <a:solidFill>
-                          <a:schemeClr val="tx1"/>
-                        </a:solidFill>
-                        <a:effectLst/>
-                        <a:latin typeface="+mn-lt"/>
-                      </a:endParaRPr>
-                    </a:p>
-                  </a:txBody>
-                  <a:tcPr anchor="ctr"/>
-                </a:tc>
-                <a:extLst>
-                  <a:ext uri="{0D108BD9-81ED-4DB2-BD59-A6C34878D82A}">
-                    <a16:rowId xmlns:a16="http://schemas.microsoft.com/office/drawing/2014/main" val="4142911372"/>
-                  </a:ext>
-                </a:extLst>
-              </a:tr>
-              <a:tr h="562010">
-                <a:tc>
-                  <a:txBody>
-                    <a:bodyPr/>
-                    <a:lstStyle/>
-                    <a:p>
-                      <a:pPr lvl="1" algn="l" fontAlgn="b"/>
-                      <a:r>
-                        <a:rPr lang="en-US" sz="1800" b="0" u="none" strike="noStrike" dirty="0">
-                          <a:solidFill>
-                            <a:schemeClr val="tx1"/>
-                          </a:solidFill>
-                          <a:effectLst/>
-                        </a:rPr>
-                        <a:t>Users</a:t>
-                      </a:r>
-                      <a:endParaRPr lang="en-US" sz="1800" b="0" i="0" u="none" strike="noStrike" dirty="0">
-                        <a:solidFill>
-                          <a:schemeClr val="tx1"/>
-                        </a:solidFill>
-                        <a:effectLst/>
-                        <a:latin typeface="+mn-lt"/>
-                      </a:endParaRPr>
-                    </a:p>
-                  </a:txBody>
-                  <a:tcPr marL="288000" anchor="ctr"/>
-                </a:tc>
-                <a:tc>
-                  <a:txBody>
-                    <a:bodyPr/>
-                    <a:lstStyle/>
-                    <a:p>
-                      <a:pPr algn="l" fontAlgn="b"/>
-                      <a:r>
-                        <a:rPr lang="en-US" sz="1800" b="0" u="none" strike="noStrike" dirty="0">
-                          <a:solidFill>
-                            <a:schemeClr val="tx1"/>
-                          </a:solidFill>
-                          <a:effectLst/>
-                        </a:rPr>
-                        <a:t>50,000</a:t>
-                      </a:r>
-                      <a:endParaRPr lang="en-US" sz="1800" b="0" i="0" u="none" strike="noStrike" dirty="0">
-                        <a:solidFill>
-                          <a:schemeClr val="tx1"/>
-                        </a:solidFill>
-                        <a:effectLst/>
-                        <a:latin typeface="+mn-lt"/>
-                      </a:endParaRPr>
-                    </a:p>
-                  </a:txBody>
-                  <a:tcPr anchor="ctr"/>
-                </a:tc>
-                <a:tc>
-                  <a:txBody>
-                    <a:bodyPr/>
-                    <a:lstStyle/>
-                    <a:p>
-                      <a:pPr algn="l" fontAlgn="b"/>
-                      <a:r>
-                        <a:rPr lang="en-US" sz="1800" b="0" u="none" strike="noStrike" dirty="0">
-                          <a:solidFill>
-                            <a:schemeClr val="tx1"/>
-                          </a:solidFill>
-                          <a:effectLst/>
-                        </a:rPr>
-                        <a:t>400,000</a:t>
-                      </a:r>
-                      <a:endParaRPr lang="en-US" sz="1800" b="0" i="0" u="none" strike="noStrike" dirty="0">
-                        <a:solidFill>
-                          <a:schemeClr val="tx1"/>
-                        </a:solidFill>
-                        <a:effectLst/>
-                        <a:latin typeface="+mn-lt"/>
-                      </a:endParaRPr>
-                    </a:p>
-                  </a:txBody>
-                  <a:tcPr anchor="ctr"/>
-                </a:tc>
-                <a:tc>
-                  <a:txBody>
-                    <a:bodyPr/>
-                    <a:lstStyle/>
-                    <a:p>
-                      <a:pPr algn="l" fontAlgn="b"/>
-                      <a:r>
-                        <a:rPr lang="en-US" sz="1800" b="0" u="none" strike="noStrike" dirty="0">
-                          <a:solidFill>
-                            <a:schemeClr val="tx1"/>
-                          </a:solidFill>
-                          <a:effectLst/>
-                        </a:rPr>
-                        <a:t>1,600,000</a:t>
-                      </a:r>
-                      <a:endParaRPr lang="en-US" sz="1800" b="0" i="0" u="none" strike="noStrike" dirty="0">
-                        <a:solidFill>
-                          <a:schemeClr val="tx1"/>
-                        </a:solidFill>
-                        <a:effectLst/>
-                        <a:latin typeface="+mn-lt"/>
-                      </a:endParaRPr>
-                    </a:p>
-                  </a:txBody>
-                  <a:tcPr anchor="ctr"/>
-                </a:tc>
-                <a:extLst>
-                  <a:ext uri="{0D108BD9-81ED-4DB2-BD59-A6C34878D82A}">
-                    <a16:rowId xmlns:a16="http://schemas.microsoft.com/office/drawing/2014/main" val="1543393929"/>
-                  </a:ext>
-                </a:extLst>
-              </a:tr>
-              <a:tr h="562010">
-                <a:tc>
-                  <a:txBody>
-                    <a:bodyPr/>
-                    <a:lstStyle/>
-                    <a:p>
-                      <a:pPr lvl="1" algn="l" fontAlgn="b"/>
-                      <a:r>
-                        <a:rPr lang="en-US" sz="1800" b="0" u="none" strike="noStrike" dirty="0">
-                          <a:solidFill>
-                            <a:schemeClr val="tx1"/>
-                          </a:solidFill>
-                          <a:effectLst/>
-                        </a:rPr>
-                        <a:t>Sales</a:t>
-                      </a:r>
-                      <a:endParaRPr lang="en-US" sz="1800" b="0" i="0" u="none" strike="noStrike" dirty="0">
-                        <a:solidFill>
-                          <a:schemeClr val="tx1"/>
-                        </a:solidFill>
-                        <a:effectLst/>
-                        <a:latin typeface="+mn-lt"/>
-                      </a:endParaRPr>
-                    </a:p>
-                  </a:txBody>
-                  <a:tcPr marL="288000" anchor="ctr"/>
-                </a:tc>
-                <a:tc>
-                  <a:txBody>
-                    <a:bodyPr/>
-                    <a:lstStyle/>
-                    <a:p>
-                      <a:pPr algn="l" fontAlgn="b"/>
-                      <a:r>
-                        <a:rPr lang="en-US" sz="1800" b="0" u="none" strike="noStrike" dirty="0">
-                          <a:solidFill>
-                            <a:schemeClr val="tx1"/>
-                          </a:solidFill>
-                          <a:effectLst/>
-                        </a:rPr>
-                        <a:t>500,000</a:t>
-                      </a:r>
-                      <a:endParaRPr lang="en-US" sz="1800" b="0" i="0" u="none" strike="noStrike" dirty="0">
-                        <a:solidFill>
-                          <a:schemeClr val="tx1"/>
-                        </a:solidFill>
-                        <a:effectLst/>
-                        <a:latin typeface="+mn-lt"/>
-                      </a:endParaRPr>
-                    </a:p>
-                  </a:txBody>
-                  <a:tcPr anchor="ctr"/>
-                </a:tc>
-                <a:tc>
-                  <a:txBody>
-                    <a:bodyPr/>
-                    <a:lstStyle/>
-                    <a:p>
-                      <a:pPr algn="l" fontAlgn="b"/>
-                      <a:r>
-                        <a:rPr lang="en-US" sz="1800" b="0" u="none" strike="noStrike" dirty="0">
-                          <a:solidFill>
-                            <a:schemeClr val="tx1"/>
-                          </a:solidFill>
-                          <a:effectLst/>
-                        </a:rPr>
-                        <a:t>4,000,000</a:t>
-                      </a:r>
-                      <a:endParaRPr lang="en-US" sz="1800" b="0" i="0" u="none" strike="noStrike" dirty="0">
-                        <a:solidFill>
-                          <a:schemeClr val="tx1"/>
-                        </a:solidFill>
-                        <a:effectLst/>
-                        <a:latin typeface="+mn-lt"/>
-                      </a:endParaRPr>
-                    </a:p>
-                  </a:txBody>
-                  <a:tcPr anchor="ctr"/>
-                </a:tc>
-                <a:tc>
-                  <a:txBody>
-                    <a:bodyPr/>
-                    <a:lstStyle/>
-                    <a:p>
-                      <a:pPr algn="l" fontAlgn="b"/>
-                      <a:r>
-                        <a:rPr lang="en-US" sz="1800" b="0" u="none" strike="noStrike" dirty="0">
-                          <a:solidFill>
-                            <a:schemeClr val="tx1"/>
-                          </a:solidFill>
-                          <a:effectLst/>
-                        </a:rPr>
-                        <a:t>16,000,000</a:t>
-                      </a:r>
-                      <a:endParaRPr lang="en-US" sz="1800" b="0" i="0" u="none" strike="noStrike" dirty="0">
-                        <a:solidFill>
-                          <a:schemeClr val="tx1"/>
-                        </a:solidFill>
-                        <a:effectLst/>
-                        <a:latin typeface="+mn-lt"/>
-                      </a:endParaRPr>
-                    </a:p>
-                  </a:txBody>
-                  <a:tcPr anchor="ctr"/>
-                </a:tc>
-                <a:extLst>
-                  <a:ext uri="{0D108BD9-81ED-4DB2-BD59-A6C34878D82A}">
-                    <a16:rowId xmlns:a16="http://schemas.microsoft.com/office/drawing/2014/main" val="255711469"/>
-                  </a:ext>
-                </a:extLst>
-              </a:tr>
-              <a:tr h="562010">
-                <a:tc>
-                  <a:txBody>
-                    <a:bodyPr/>
-                    <a:lstStyle/>
-                    <a:p>
-                      <a:pPr lvl="1" algn="l" fontAlgn="b"/>
-                      <a:r>
-                        <a:rPr lang="en-US" sz="1800" b="0" u="none" strike="noStrike" dirty="0">
-                          <a:solidFill>
-                            <a:schemeClr val="tx1"/>
-                          </a:solidFill>
-                          <a:effectLst/>
-                        </a:rPr>
-                        <a:t>Average price per sale</a:t>
-                      </a:r>
-                      <a:endParaRPr lang="en-US" sz="1800" b="0" i="0" u="none" strike="noStrike" dirty="0">
-                        <a:solidFill>
-                          <a:schemeClr val="tx1"/>
-                        </a:solidFill>
-                        <a:effectLst/>
-                        <a:latin typeface="+mn-lt"/>
-                      </a:endParaRPr>
-                    </a:p>
-                  </a:txBody>
-                  <a:tcPr marL="288000" anchor="ctr"/>
-                </a:tc>
-                <a:tc>
-                  <a:txBody>
-                    <a:bodyPr/>
-                    <a:lstStyle/>
-                    <a:p>
-                      <a:pPr algn="l" fontAlgn="b"/>
-                      <a:r>
-                        <a:rPr lang="en-US" sz="1800" b="0" u="none" strike="noStrike" dirty="0">
-                          <a:solidFill>
-                            <a:schemeClr val="tx1"/>
-                          </a:solidFill>
-                          <a:effectLst/>
-                        </a:rPr>
-                        <a:t>75</a:t>
-                      </a:r>
-                      <a:endParaRPr lang="en-US" sz="1800" b="0" i="0" u="none" strike="noStrike" dirty="0">
-                        <a:solidFill>
-                          <a:schemeClr val="tx1"/>
-                        </a:solidFill>
-                        <a:effectLst/>
-                        <a:latin typeface="+mn-lt"/>
-                      </a:endParaRPr>
-                    </a:p>
-                  </a:txBody>
-                  <a:tcPr anchor="ctr"/>
-                </a:tc>
-                <a:tc>
-                  <a:txBody>
-                    <a:bodyPr/>
-                    <a:lstStyle/>
-                    <a:p>
-                      <a:pPr algn="l" fontAlgn="b"/>
-                      <a:r>
-                        <a:rPr lang="en-US" sz="1800" b="0" u="none" strike="noStrike" dirty="0">
-                          <a:solidFill>
-                            <a:schemeClr val="tx1"/>
-                          </a:solidFill>
-                          <a:effectLst/>
-                        </a:rPr>
-                        <a:t>80</a:t>
-                      </a:r>
-                      <a:endParaRPr lang="en-US" sz="1800" b="0" i="0" u="none" strike="noStrike" dirty="0">
-                        <a:solidFill>
-                          <a:schemeClr val="tx1"/>
-                        </a:solidFill>
-                        <a:effectLst/>
-                        <a:latin typeface="+mn-lt"/>
-                      </a:endParaRPr>
-                    </a:p>
-                  </a:txBody>
-                  <a:tcPr anchor="ctr"/>
-                </a:tc>
-                <a:tc>
-                  <a:txBody>
-                    <a:bodyPr/>
-                    <a:lstStyle/>
-                    <a:p>
-                      <a:pPr algn="l" fontAlgn="b"/>
-                      <a:r>
-                        <a:rPr lang="en-US" sz="1800" b="0" u="none" strike="noStrike" dirty="0">
-                          <a:solidFill>
-                            <a:schemeClr val="tx1"/>
-                          </a:solidFill>
-                          <a:effectLst/>
-                        </a:rPr>
-                        <a:t>90</a:t>
-                      </a:r>
-                      <a:endParaRPr lang="en-US" sz="1800" b="0" i="0" u="none" strike="noStrike" dirty="0">
-                        <a:solidFill>
-                          <a:schemeClr val="tx1"/>
-                        </a:solidFill>
-                        <a:effectLst/>
-                        <a:latin typeface="+mn-lt"/>
-                      </a:endParaRPr>
-                    </a:p>
-                  </a:txBody>
-                  <a:tcPr anchor="ctr"/>
-                </a:tc>
-                <a:extLst>
-                  <a:ext uri="{0D108BD9-81ED-4DB2-BD59-A6C34878D82A}">
-                    <a16:rowId xmlns:a16="http://schemas.microsoft.com/office/drawing/2014/main" val="1498944196"/>
-                  </a:ext>
-                </a:extLst>
-              </a:tr>
-              <a:tr h="562010">
-                <a:tc>
-                  <a:txBody>
-                    <a:bodyPr/>
-                    <a:lstStyle/>
-                    <a:p>
-                      <a:pPr lvl="1" algn="l" fontAlgn="b"/>
-                      <a:r>
-                        <a:rPr lang="en-US" sz="1800" b="0" u="none" strike="noStrike" dirty="0">
-                          <a:solidFill>
-                            <a:schemeClr val="tx1"/>
-                          </a:solidFill>
-                          <a:effectLst/>
-                        </a:rPr>
-                        <a:t>Revenue @ 15%</a:t>
-                      </a:r>
-                      <a:endParaRPr lang="en-US" sz="1800" b="0" i="0" u="none" strike="noStrike" dirty="0">
-                        <a:solidFill>
-                          <a:schemeClr val="tx1"/>
-                        </a:solidFill>
-                        <a:effectLst/>
-                        <a:latin typeface="+mn-lt"/>
-                      </a:endParaRPr>
-                    </a:p>
-                  </a:txBody>
-                  <a:tcPr marL="288000" anchor="ctr"/>
-                </a:tc>
-                <a:tc>
-                  <a:txBody>
-                    <a:bodyPr/>
-                    <a:lstStyle/>
-                    <a:p>
-                      <a:pPr algn="l" fontAlgn="b"/>
-                      <a:r>
-                        <a:rPr lang="en-US" sz="1800" b="0" u="none" strike="noStrike" dirty="0">
-                          <a:solidFill>
-                            <a:schemeClr val="tx1"/>
-                          </a:solidFill>
-                          <a:effectLst/>
-                        </a:rPr>
-                        <a:t>5,625,000</a:t>
-                      </a:r>
-                      <a:endParaRPr lang="en-US" sz="1800" b="0" i="0" u="none" strike="noStrike" dirty="0">
-                        <a:solidFill>
-                          <a:schemeClr val="tx1"/>
-                        </a:solidFill>
-                        <a:effectLst/>
-                        <a:latin typeface="+mn-lt"/>
-                      </a:endParaRPr>
-                    </a:p>
-                  </a:txBody>
-                  <a:tcPr anchor="ctr"/>
-                </a:tc>
-                <a:tc>
-                  <a:txBody>
-                    <a:bodyPr/>
-                    <a:lstStyle/>
-                    <a:p>
-                      <a:pPr algn="l" fontAlgn="b"/>
-                      <a:r>
-                        <a:rPr lang="en-US" sz="1800" b="0" u="none" strike="noStrike" dirty="0">
-                          <a:solidFill>
-                            <a:schemeClr val="tx1"/>
-                          </a:solidFill>
-                          <a:effectLst/>
-                        </a:rPr>
-                        <a:t>48,000,000</a:t>
-                      </a:r>
-                      <a:endParaRPr lang="en-US" sz="1800" b="0" i="0" u="none" strike="noStrike" dirty="0">
-                        <a:solidFill>
-                          <a:schemeClr val="tx1"/>
-                        </a:solidFill>
-                        <a:effectLst/>
-                        <a:latin typeface="+mn-lt"/>
-                      </a:endParaRPr>
-                    </a:p>
-                  </a:txBody>
-                  <a:tcPr anchor="ctr"/>
-                </a:tc>
-                <a:tc>
-                  <a:txBody>
-                    <a:bodyPr/>
-                    <a:lstStyle/>
-                    <a:p>
-                      <a:pPr algn="l" fontAlgn="b"/>
-                      <a:r>
-                        <a:rPr lang="en-US" sz="1800" b="0" u="none" strike="noStrike" dirty="0">
-                          <a:solidFill>
-                            <a:schemeClr val="tx1"/>
-                          </a:solidFill>
-                          <a:effectLst/>
-                        </a:rPr>
-                        <a:t>216,000,000</a:t>
-                      </a:r>
-                      <a:endParaRPr lang="en-US" sz="1800" b="0" i="0" u="none" strike="noStrike" dirty="0">
-                        <a:solidFill>
-                          <a:schemeClr val="tx1"/>
-                        </a:solidFill>
-                        <a:effectLst/>
-                        <a:latin typeface="+mn-lt"/>
-                      </a:endParaRPr>
-                    </a:p>
-                  </a:txBody>
-                  <a:tcPr anchor="ctr"/>
-                </a:tc>
-                <a:extLst>
-                  <a:ext uri="{0D108BD9-81ED-4DB2-BD59-A6C34878D82A}">
-                    <a16:rowId xmlns:a16="http://schemas.microsoft.com/office/drawing/2014/main" val="2561606819"/>
-                  </a:ext>
-                </a:extLst>
-              </a:tr>
-              <a:tr h="562010">
-                <a:tc>
-                  <a:txBody>
-                    <a:bodyPr/>
-                    <a:lstStyle/>
-                    <a:p>
-                      <a:pPr algn="l" fontAlgn="b"/>
-                      <a:r>
-                        <a:rPr lang="en-US" sz="1800" b="1" u="none" strike="noStrike" dirty="0">
-                          <a:solidFill>
-                            <a:schemeClr val="tx1"/>
-                          </a:solidFill>
-                          <a:effectLst/>
-                        </a:rPr>
-                        <a:t>Gross profit</a:t>
-                      </a:r>
-                      <a:endParaRPr lang="en-US" sz="1800" b="1" i="0" u="none" strike="noStrike" dirty="0">
-                        <a:solidFill>
-                          <a:schemeClr val="tx1"/>
-                        </a:solidFill>
-                        <a:effectLst/>
-                        <a:latin typeface="+mn-lt"/>
-                      </a:endParaRPr>
-                    </a:p>
-                  </a:txBody>
-                  <a:tcPr marL="288000" anchor="ctr"/>
-                </a:tc>
-                <a:tc>
-                  <a:txBody>
-                    <a:bodyPr/>
-                    <a:lstStyle/>
-                    <a:p>
-                      <a:pPr algn="l" fontAlgn="b"/>
-                      <a:r>
-                        <a:rPr lang="en-US" sz="1800" b="1" u="none" strike="noStrike" dirty="0">
-                          <a:solidFill>
-                            <a:schemeClr val="tx1"/>
-                          </a:solidFill>
-                          <a:effectLst/>
-                        </a:rPr>
-                        <a:t>5,625,000</a:t>
-                      </a:r>
-                      <a:endParaRPr lang="en-US" sz="1800" b="1" i="0" u="none" strike="noStrike" dirty="0">
-                        <a:solidFill>
-                          <a:schemeClr val="tx1"/>
-                        </a:solidFill>
-                        <a:effectLst/>
-                        <a:latin typeface="+mn-lt"/>
-                      </a:endParaRPr>
-                    </a:p>
-                  </a:txBody>
-                  <a:tcPr anchor="ctr"/>
-                </a:tc>
-                <a:tc>
-                  <a:txBody>
-                    <a:bodyPr/>
-                    <a:lstStyle/>
-                    <a:p>
-                      <a:pPr algn="l" fontAlgn="b"/>
-                      <a:r>
-                        <a:rPr lang="en-US" sz="1800" b="1" u="none" strike="noStrike" dirty="0">
-                          <a:solidFill>
-                            <a:schemeClr val="tx1"/>
-                          </a:solidFill>
-                          <a:effectLst/>
-                        </a:rPr>
-                        <a:t>48,000,000</a:t>
-                      </a:r>
-                      <a:endParaRPr lang="en-US" sz="1800" b="1" i="0" u="none" strike="noStrike" dirty="0">
-                        <a:solidFill>
-                          <a:schemeClr val="tx1"/>
-                        </a:solidFill>
-                        <a:effectLst/>
-                        <a:latin typeface="+mn-lt"/>
-                      </a:endParaRPr>
-                    </a:p>
-                  </a:txBody>
-                  <a:tcPr anchor="ctr"/>
-                </a:tc>
-                <a:tc>
-                  <a:txBody>
-                    <a:bodyPr/>
-                    <a:lstStyle/>
-                    <a:p>
-                      <a:pPr algn="l" fontAlgn="b"/>
-                      <a:r>
-                        <a:rPr lang="en-US" sz="1800" b="1" u="none" strike="noStrike" dirty="0">
-                          <a:solidFill>
-                            <a:schemeClr val="tx1"/>
-                          </a:solidFill>
-                          <a:effectLst/>
-                        </a:rPr>
-                        <a:t>216,000,000</a:t>
-                      </a:r>
-                      <a:endParaRPr lang="en-US" sz="1800" b="1" i="0" u="none" strike="noStrike" dirty="0">
-                        <a:solidFill>
-                          <a:schemeClr val="tx1"/>
-                        </a:solidFill>
-                        <a:effectLst/>
-                        <a:latin typeface="+mn-lt"/>
-                      </a:endParaRPr>
-                    </a:p>
-                  </a:txBody>
-                  <a:tcPr anchor="ctr"/>
-                </a:tc>
-                <a:extLst>
-                  <a:ext uri="{0D108BD9-81ED-4DB2-BD59-A6C34878D82A}">
-                    <a16:rowId xmlns:a16="http://schemas.microsoft.com/office/drawing/2014/main" val="365120011"/>
-                  </a:ext>
-                </a:extLst>
-              </a:tr>
-            </a:tbl>
-          </a:graphicData>
-        </a:graphic>
-      </p:graphicFrame>
-      <p:sp>
-        <p:nvSpPr>
-          <p:cNvPr id="4" name="Slide Number Placeholder 3">
-            <a:extLst>
-              <a:ext uri="{FF2B5EF4-FFF2-40B4-BE49-F238E27FC236}">
-                <a16:creationId xmlns:a16="http://schemas.microsoft.com/office/drawing/2014/main" id="{BFE50FF3-CE3C-DDFB-B8EA-5BA1668A1068}"/>
-              </a:ext>
-            </a:extLst>
-          </p:cNvPr>
-          <p:cNvSpPr>
-            <a:spLocks noGrp="1"/>
-          </p:cNvSpPr>
-          <p:nvPr>
-            <p:ph type="sldNum" sz="quarter" idx="4"/>
-          </p:nvPr>
-        </p:nvSpPr>
-        <p:spPr>
-          <a:xfrm>
-            <a:off x="914400" y="6246254"/>
-            <a:ext cx="631065" cy="296214"/>
-          </a:xfrm>
-        </p:spPr>
-        <p:txBody>
-          <a:bodyPr/>
-          <a:lstStyle/>
-          <a:p>
-            <a:fld id="{B5CEABB6-07DC-46E8-9B57-56EC44A396E5}" type="slidenum">
-              <a:rPr lang="en-US" smtClean="0"/>
-              <a:pPr/>
-              <a:t>31</a:t>
-            </a:fld>
-            <a:endParaRPr lang="en-US" dirty="0"/>
-          </a:p>
-        </p:txBody>
-      </p:sp>
-    </p:spTree>
-    <p:extLst>
-      <p:ext uri="{BB962C8B-B14F-4D97-AF65-F5344CB8AC3E}">
-        <p14:creationId xmlns:p14="http://schemas.microsoft.com/office/powerpoint/2010/main" val="2323500703"/>
-      </p:ext>
-    </p:extLst>
-  </p:cSld>
-  <p:clrMapOvr>
-    <a:masterClrMapping/>
-  </p:clrMapOvr>
-</p:sld>
-</file>
-
-<file path=ppt/slides/slide32.xml><?xml version="1.0" encoding="utf-8"?>
-<p:sld xmlns:a="http://schemas.openxmlformats.org/drawingml/2006/main" xmlns:r="http://schemas.openxmlformats.org/officeDocument/2006/relationships" xmlns:p="http://schemas.openxmlformats.org/presentationml/2006/main">
-  <p:cSld>
-    <p:spTree>
-      <p:nvGrpSpPr>
-        <p:cNvPr id="1" name="">
-          <a:extLst>
-            <a:ext uri="{FF2B5EF4-FFF2-40B4-BE49-F238E27FC236}">
-              <a16:creationId xmlns:a16="http://schemas.microsoft.com/office/drawing/2014/main" id="{D0AA8C9E-AC01-E223-25B7-EF5B39BDAE53}"/>
-            </a:ext>
-          </a:extLst>
-        </p:cNvPr>
-        <p:cNvGrpSpPr/>
-        <p:nvPr/>
-      </p:nvGrpSpPr>
-      <p:grpSpPr>
-        <a:xfrm>
-          <a:off x="0" y="0"/>
-          <a:ext cx="0" cy="0"/>
-          <a:chOff x="0" y="0"/>
-          <a:chExt cx="0" cy="0"/>
-        </a:xfrm>
-      </p:grpSpPr>
-      <p:sp>
-        <p:nvSpPr>
-          <p:cNvPr id="2" name="Title 1">
-            <a:extLst>
-              <a:ext uri="{FF2B5EF4-FFF2-40B4-BE49-F238E27FC236}">
-                <a16:creationId xmlns:a16="http://schemas.microsoft.com/office/drawing/2014/main" id="{22425FC9-B84D-FE22-F5AB-E85A141C60BB}"/>
-              </a:ext>
-            </a:extLst>
-          </p:cNvPr>
-          <p:cNvSpPr>
-            <a:spLocks noGrp="1"/>
-          </p:cNvSpPr>
-          <p:nvPr>
-            <p:ph type="title"/>
-          </p:nvPr>
-        </p:nvSpPr>
-        <p:spPr>
-          <a:xfrm>
-            <a:off x="914399" y="365125"/>
-            <a:ext cx="10363201" cy="1629601"/>
-          </a:xfrm>
-        </p:spPr>
-        <p:txBody>
-          <a:bodyPr/>
-          <a:lstStyle/>
-          <a:p>
-            <a:r>
-              <a:rPr lang="en-US" dirty="0"/>
-              <a:t>Our competition</a:t>
-            </a:r>
-          </a:p>
-        </p:txBody>
-      </p:sp>
-      <p:sp>
-        <p:nvSpPr>
-          <p:cNvPr id="3" name="Content Placeholder 2">
-            <a:extLst>
-              <a:ext uri="{FF2B5EF4-FFF2-40B4-BE49-F238E27FC236}">
-                <a16:creationId xmlns:a16="http://schemas.microsoft.com/office/drawing/2014/main" id="{08B07CF8-769D-5383-74C9-B34798D6EF6A}"/>
-              </a:ext>
-            </a:extLst>
-          </p:cNvPr>
-          <p:cNvSpPr>
-            <a:spLocks noGrp="1"/>
-          </p:cNvSpPr>
-          <p:nvPr>
-            <p:ph sz="quarter" idx="10"/>
-          </p:nvPr>
-        </p:nvSpPr>
-        <p:spPr>
-          <a:xfrm>
-            <a:off x="914399" y="2022250"/>
-            <a:ext cx="4992709" cy="3747180"/>
-          </a:xfrm>
-        </p:spPr>
-        <p:txBody>
-          <a:bodyPr/>
-          <a:lstStyle/>
-          <a:p>
-            <a:r>
-              <a:rPr lang="en-US" noProof="1"/>
-              <a:t>Our product is priced below that of other companies on the market</a:t>
-            </a:r>
-          </a:p>
-          <a:p>
-            <a:r>
-              <a:rPr lang="en-US" noProof="1"/>
-              <a:t>Design is simple and easy to use, compared to the complex designs of the competitors</a:t>
-            </a:r>
-          </a:p>
-          <a:p>
-            <a:r>
-              <a:rPr lang="en-US" noProof="1"/>
-              <a:t>Affordability is the main draw for our consumers to our product</a:t>
-            </a:r>
-          </a:p>
-        </p:txBody>
-      </p:sp>
-      <p:sp>
-        <p:nvSpPr>
-          <p:cNvPr id="4" name="Content Placeholder 3">
-            <a:extLst>
-              <a:ext uri="{FF2B5EF4-FFF2-40B4-BE49-F238E27FC236}">
-                <a16:creationId xmlns:a16="http://schemas.microsoft.com/office/drawing/2014/main" id="{309265AC-5730-F9EF-98CF-ED928C8115CD}"/>
-              </a:ext>
-            </a:extLst>
-          </p:cNvPr>
-          <p:cNvSpPr>
-            <a:spLocks noGrp="1"/>
-          </p:cNvSpPr>
-          <p:nvPr>
-            <p:ph sz="quarter" idx="11"/>
-          </p:nvPr>
-        </p:nvSpPr>
-        <p:spPr>
-          <a:xfrm>
-            <a:off x="6284891" y="2022250"/>
-            <a:ext cx="4992709" cy="3747180"/>
-          </a:xfrm>
-        </p:spPr>
-        <p:txBody>
-          <a:bodyPr/>
-          <a:lstStyle/>
-          <a:p>
-            <a:r>
-              <a:rPr lang="en-US" noProof="1"/>
-              <a:t>Company A product is more expensive</a:t>
-            </a:r>
-          </a:p>
-          <a:p>
-            <a:r>
-              <a:rPr lang="en-US" noProof="1"/>
-              <a:t>Companies B &amp; C product is expensive and inconvenient to use</a:t>
-            </a:r>
-          </a:p>
-          <a:p>
-            <a:r>
-              <a:rPr lang="en-US" noProof="1"/>
-              <a:t>Companies D &amp; E product is affordable, but inconvenient to use</a:t>
-            </a:r>
-          </a:p>
-        </p:txBody>
-      </p:sp>
-      <p:sp>
-        <p:nvSpPr>
-          <p:cNvPr id="5" name="Slide Number Placeholder 4">
-            <a:extLst>
-              <a:ext uri="{FF2B5EF4-FFF2-40B4-BE49-F238E27FC236}">
-                <a16:creationId xmlns:a16="http://schemas.microsoft.com/office/drawing/2014/main" id="{AD2C0223-86F8-2AD5-0B16-ADA495501252}"/>
-              </a:ext>
-            </a:extLst>
-          </p:cNvPr>
-          <p:cNvSpPr>
-            <a:spLocks noGrp="1"/>
-          </p:cNvSpPr>
-          <p:nvPr>
-            <p:ph type="sldNum" sz="quarter" idx="4"/>
-          </p:nvPr>
-        </p:nvSpPr>
-        <p:spPr>
-          <a:xfrm>
-            <a:off x="914400" y="6246254"/>
-            <a:ext cx="631065" cy="296214"/>
-          </a:xfrm>
-        </p:spPr>
-        <p:txBody>
-          <a:bodyPr/>
-          <a:lstStyle/>
-          <a:p>
-            <a:pPr marL="0" marR="0" lvl="0" indent="0" algn="l" defTabSz="914400" rtl="0" eaLnBrk="1" fontAlgn="auto" latinLnBrk="0" hangingPunct="1">
-              <a:lnSpc>
-                <a:spcPct val="100000"/>
-              </a:lnSpc>
-              <a:spcBef>
-                <a:spcPts val="0"/>
-              </a:spcBef>
-              <a:spcAft>
-                <a:spcPts val="0"/>
-              </a:spcAft>
-              <a:buClrTx/>
-              <a:buSzTx/>
-              <a:buFontTx/>
-              <a:buNone/>
-              <a:tabLst/>
-              <a:defRPr/>
-            </a:pPr>
-            <a:fld id="{B5CEABB6-07DC-46E8-9B57-56EC44A396E5}" type="slidenum">
-              <a:rPr kumimoji="0" lang="en-US" sz="1200" b="0" i="0" u="none" strike="noStrike" kern="1200" cap="none" spc="0" normalizeH="0" baseline="0" noProof="0" smtClean="0">
-                <a:ln>
-                  <a:noFill/>
-                </a:ln>
-                <a:solidFill>
-                  <a:prstClr val="black"/>
-                </a:solidFill>
-                <a:effectLst/>
-                <a:uLnTx/>
-                <a:uFillTx/>
-                <a:latin typeface="Tenorite"/>
-                <a:ea typeface="+mn-ea"/>
-                <a:cs typeface="+mn-cs"/>
-              </a:rPr>
-              <a:pPr marL="0" marR="0" lvl="0" indent="0" algn="l" defTabSz="914400" rtl="0" eaLnBrk="1" fontAlgn="auto" latinLnBrk="0" hangingPunct="1">
-                <a:lnSpc>
-                  <a:spcPct val="100000"/>
-                </a:lnSpc>
-                <a:spcBef>
-                  <a:spcPts val="0"/>
-                </a:spcBef>
-                <a:spcAft>
-                  <a:spcPts val="0"/>
-                </a:spcAft>
-                <a:buClrTx/>
-                <a:buSzTx/>
-                <a:buFontTx/>
-                <a:buNone/>
-                <a:tabLst/>
-                <a:defRPr/>
-              </a:pPr>
-              <a:t>32</a:t>
-            </a:fld>
-            <a:endParaRPr kumimoji="0" lang="en-US" sz="1200" b="0" i="0" u="none" strike="noStrike" kern="1200" cap="none" spc="0" normalizeH="0" baseline="0" noProof="0" dirty="0">
-              <a:ln>
-                <a:noFill/>
-              </a:ln>
-              <a:solidFill>
-                <a:prstClr val="black"/>
-              </a:solidFill>
-              <a:effectLst/>
-              <a:uLnTx/>
-              <a:uFillTx/>
-              <a:latin typeface="Tenorite"/>
-              <a:ea typeface="+mn-ea"/>
-              <a:cs typeface="+mn-cs"/>
-            </a:endParaRPr>
-          </a:p>
-        </p:txBody>
-      </p:sp>
-    </p:spTree>
-    <p:extLst>
-      <p:ext uri="{BB962C8B-B14F-4D97-AF65-F5344CB8AC3E}">
-        <p14:creationId xmlns:p14="http://schemas.microsoft.com/office/powerpoint/2010/main" val="836238103"/>
-      </p:ext>
-    </p:extLst>
-  </p:cSld>
-  <p:clrMapOvr>
-    <a:masterClrMapping/>
-  </p:clrMapOvr>
-</p:sld>
-</file>
-
-<file path=ppt/slides/slide33.xml><?xml version="1.0" encoding="utf-8"?>
-<p:sld xmlns:a="http://schemas.openxmlformats.org/drawingml/2006/main" xmlns:r="http://schemas.openxmlformats.org/officeDocument/2006/relationships" xmlns:p="http://schemas.openxmlformats.org/presentationml/2006/main">
-  <p:cSld>
-    <p:spTree>
-      <p:nvGrpSpPr>
-        <p:cNvPr id="1" name=""/>
-        <p:cNvGrpSpPr/>
-        <p:nvPr/>
-      </p:nvGrpSpPr>
-      <p:grpSpPr>
-        <a:xfrm>
-          <a:off x="0" y="0"/>
-          <a:ext cx="0" cy="0"/>
-          <a:chOff x="0" y="0"/>
-          <a:chExt cx="0" cy="0"/>
-        </a:xfrm>
-      </p:grpSpPr>
-      <p:sp>
-        <p:nvSpPr>
-          <p:cNvPr id="3" name="Title 2">
-            <a:extLst>
-              <a:ext uri="{FF2B5EF4-FFF2-40B4-BE49-F238E27FC236}">
-                <a16:creationId xmlns:a16="http://schemas.microsoft.com/office/drawing/2014/main" id="{3474D05E-8A36-8D9F-519E-DB514A69D886}"/>
-              </a:ext>
-            </a:extLst>
-          </p:cNvPr>
-          <p:cNvSpPr>
-            <a:spLocks noGrp="1"/>
-          </p:cNvSpPr>
-          <p:nvPr>
-            <p:ph type="title"/>
-          </p:nvPr>
-        </p:nvSpPr>
-        <p:spPr>
-          <a:xfrm>
-            <a:off x="914400" y="315533"/>
-            <a:ext cx="5181600" cy="2376868"/>
-          </a:xfrm>
-        </p:spPr>
-        <p:txBody>
-          <a:bodyPr/>
-          <a:lstStyle/>
-          <a:p>
-            <a:r>
-              <a:rPr lang="en-US" dirty="0"/>
-              <a:t>About us</a:t>
-            </a:r>
-          </a:p>
-        </p:txBody>
-      </p:sp>
-      <p:sp>
-        <p:nvSpPr>
-          <p:cNvPr id="4" name="Content Placeholder 3">
-            <a:extLst>
-              <a:ext uri="{FF2B5EF4-FFF2-40B4-BE49-F238E27FC236}">
-                <a16:creationId xmlns:a16="http://schemas.microsoft.com/office/drawing/2014/main" id="{B20C1E08-E337-110E-DB8E-41BA4A3341A1}"/>
-              </a:ext>
-            </a:extLst>
-          </p:cNvPr>
-          <p:cNvSpPr>
-            <a:spLocks noGrp="1"/>
-          </p:cNvSpPr>
-          <p:nvPr>
-            <p:ph sz="quarter" idx="10"/>
-          </p:nvPr>
-        </p:nvSpPr>
-        <p:spPr>
-          <a:xfrm>
-            <a:off x="914400" y="2844800"/>
-            <a:ext cx="5181600" cy="3128963"/>
-          </a:xfrm>
-        </p:spPr>
-        <p:txBody>
-          <a:bodyPr/>
-          <a:lstStyle/>
-          <a:p>
-            <a:r>
-              <a:rPr lang="en-US" dirty="0"/>
-              <a:t>At Contoso, we empower organizations to foster collaborative thinking to further drive workplace innovation. By closing the loop and leveraging agile frameworks, we help business grow organically and foster a consumer first mindset.</a:t>
-            </a:r>
-          </a:p>
-          <a:p>
-            <a:endParaRPr lang="en-US" dirty="0"/>
-          </a:p>
-        </p:txBody>
-      </p:sp>
-      <p:sp>
-        <p:nvSpPr>
-          <p:cNvPr id="2" name="Slide Number Placeholder 1">
-            <a:extLst>
-              <a:ext uri="{FF2B5EF4-FFF2-40B4-BE49-F238E27FC236}">
-                <a16:creationId xmlns:a16="http://schemas.microsoft.com/office/drawing/2014/main" id="{00255621-1D81-03E6-507B-CB20E070356A}"/>
-              </a:ext>
-            </a:extLst>
-          </p:cNvPr>
-          <p:cNvSpPr>
-            <a:spLocks noGrp="1"/>
-          </p:cNvSpPr>
-          <p:nvPr>
-            <p:ph type="sldNum" sz="quarter" idx="4"/>
-          </p:nvPr>
-        </p:nvSpPr>
-        <p:spPr>
-          <a:xfrm>
-            <a:off x="914400" y="6246254"/>
-            <a:ext cx="631065" cy="296214"/>
-          </a:xfrm>
-        </p:spPr>
-        <p:txBody>
-          <a:bodyPr/>
-          <a:lstStyle/>
-          <a:p>
-            <a:pPr marL="0" marR="0" lvl="0" indent="0" algn="l" defTabSz="914400" rtl="0" eaLnBrk="1" fontAlgn="auto" latinLnBrk="0" hangingPunct="1">
-              <a:lnSpc>
-                <a:spcPct val="100000"/>
-              </a:lnSpc>
-              <a:spcBef>
-                <a:spcPts val="0"/>
-              </a:spcBef>
-              <a:spcAft>
-                <a:spcPts val="0"/>
-              </a:spcAft>
-              <a:buClrTx/>
-              <a:buSzTx/>
-              <a:buFontTx/>
-              <a:buNone/>
-              <a:tabLst/>
-              <a:defRPr/>
-            </a:pPr>
-            <a:fld id="{B5CEABB6-07DC-46E8-9B57-56EC44A396E5}" type="slidenum">
-              <a:rPr kumimoji="0" lang="en-US" sz="1200" b="0" i="0" u="none" strike="noStrike" kern="1200" cap="none" spc="0" normalizeH="0" baseline="0" noProof="0" smtClean="0">
-                <a:ln>
-                  <a:noFill/>
-                </a:ln>
-                <a:solidFill>
-                  <a:prstClr val="black"/>
-                </a:solidFill>
-                <a:effectLst/>
-                <a:uLnTx/>
-                <a:uFillTx/>
-                <a:latin typeface="Tenorite"/>
-                <a:ea typeface="+mn-ea"/>
-                <a:cs typeface="+mn-cs"/>
-              </a:rPr>
-              <a:pPr marL="0" marR="0" lvl="0" indent="0" algn="l" defTabSz="914400" rtl="0" eaLnBrk="1" fontAlgn="auto" latinLnBrk="0" hangingPunct="1">
-                <a:lnSpc>
-                  <a:spcPct val="100000"/>
-                </a:lnSpc>
-                <a:spcBef>
-                  <a:spcPts val="0"/>
-                </a:spcBef>
-                <a:spcAft>
-                  <a:spcPts val="0"/>
-                </a:spcAft>
-                <a:buClrTx/>
-                <a:buSzTx/>
-                <a:buFontTx/>
-                <a:buNone/>
-                <a:tabLst/>
-                <a:defRPr/>
-              </a:pPr>
-              <a:t>33</a:t>
-            </a:fld>
-            <a:endParaRPr kumimoji="0" lang="en-US" sz="1200" b="0" i="0" u="none" strike="noStrike" kern="1200" cap="none" spc="0" normalizeH="0" baseline="0" noProof="0" dirty="0">
-              <a:ln>
-                <a:noFill/>
-              </a:ln>
-              <a:solidFill>
-                <a:prstClr val="black"/>
-              </a:solidFill>
-              <a:effectLst/>
-              <a:uLnTx/>
-              <a:uFillTx/>
-              <a:latin typeface="Tenorite"/>
-              <a:ea typeface="+mn-ea"/>
-              <a:cs typeface="+mn-cs"/>
-            </a:endParaRPr>
-          </a:p>
-        </p:txBody>
-      </p:sp>
-    </p:spTree>
-    <p:extLst>
-      <p:ext uri="{BB962C8B-B14F-4D97-AF65-F5344CB8AC3E}">
-        <p14:creationId xmlns:p14="http://schemas.microsoft.com/office/powerpoint/2010/main" val="1003769505"/>
-      </p:ext>
-    </p:extLst>
-  </p:cSld>
-  <p:clrMapOvr>
-    <a:masterClrMapping/>
-  </p:clrMapOvr>
-</p:sld>
-</file>
-
-<file path=ppt/slides/slide34.xml><?xml version="1.0" encoding="utf-8"?>
-<p:sld xmlns:a="http://schemas.openxmlformats.org/drawingml/2006/main" xmlns:r="http://schemas.openxmlformats.org/officeDocument/2006/relationships" xmlns:p="http://schemas.openxmlformats.org/presentationml/2006/main">
-  <p:cSld>
-    <p:spTree>
-      <p:nvGrpSpPr>
-        <p:cNvPr id="1" name=""/>
-        <p:cNvGrpSpPr/>
-        <p:nvPr/>
-      </p:nvGrpSpPr>
-      <p:grpSpPr>
-        <a:xfrm>
-          <a:off x="0" y="0"/>
-          <a:ext cx="0" cy="0"/>
-          <a:chOff x="0" y="0"/>
-          <a:chExt cx="0" cy="0"/>
-        </a:xfrm>
-      </p:grpSpPr>
-      <p:sp>
-        <p:nvSpPr>
-          <p:cNvPr id="2" name="Title 1">
-            <a:extLst>
-              <a:ext uri="{FF2B5EF4-FFF2-40B4-BE49-F238E27FC236}">
-                <a16:creationId xmlns:a16="http://schemas.microsoft.com/office/drawing/2014/main" id="{6A36FD5F-786B-1974-5F47-94CA02CFA6E5}"/>
-              </a:ext>
-            </a:extLst>
-          </p:cNvPr>
-          <p:cNvSpPr>
-            <a:spLocks noGrp="1"/>
-          </p:cNvSpPr>
-          <p:nvPr>
-            <p:ph type="title"/>
-          </p:nvPr>
-        </p:nvSpPr>
-        <p:spPr>
-          <a:xfrm>
-            <a:off x="914400" y="2580640"/>
-            <a:ext cx="5181600" cy="3368819"/>
-          </a:xfrm>
-        </p:spPr>
-        <p:txBody>
-          <a:bodyPr/>
-          <a:lstStyle/>
-          <a:p>
-            <a:r>
-              <a:rPr lang="en-US" dirty="0"/>
-              <a:t>Company overview</a:t>
-            </a:r>
-          </a:p>
-        </p:txBody>
-      </p:sp>
-      <p:pic>
-        <p:nvPicPr>
-          <p:cNvPr id="14" name="Picture Placeholder 13" descr="A person looking at a piece of paper">
-            <a:extLst>
-              <a:ext uri="{FF2B5EF4-FFF2-40B4-BE49-F238E27FC236}">
-                <a16:creationId xmlns:a16="http://schemas.microsoft.com/office/drawing/2014/main" id="{F28819F3-7D3B-EB42-24FD-3C0BBC5963B5}"/>
-              </a:ext>
-            </a:extLst>
-          </p:cNvPr>
-          <p:cNvPicPr>
-            <a:picLocks noGrp="1" noChangeAspect="1"/>
-          </p:cNvPicPr>
-          <p:nvPr>
-            <p:ph type="pic" sz="quarter" idx="10"/>
-          </p:nvPr>
-        </p:nvPicPr>
-        <p:blipFill>
-          <a:blip r:embed="rId3"/>
-          <a:srcRect t="119" b="119"/>
-          <a:stretch/>
-        </p:blipFill>
-        <p:spPr>
-          <a:xfrm>
-            <a:off x="6085840" y="-10159"/>
-            <a:ext cx="6116320" cy="6868160"/>
-          </a:xfrm>
-        </p:spPr>
-      </p:pic>
-    </p:spTree>
-    <p:extLst>
-      <p:ext uri="{BB962C8B-B14F-4D97-AF65-F5344CB8AC3E}">
-        <p14:creationId xmlns:p14="http://schemas.microsoft.com/office/powerpoint/2010/main" val="1566329041"/>
-      </p:ext>
-    </p:extLst>
-  </p:cSld>
-  <p:clrMapOvr>
-    <a:masterClrMapping/>
-  </p:clrMapOvr>
-</p:sld>
-</file>
-
-<file path=ppt/slides/slide35.xml><?xml version="1.0" encoding="utf-8"?>
-<p:sld xmlns:a="http://schemas.openxmlformats.org/drawingml/2006/main" xmlns:r="http://schemas.openxmlformats.org/officeDocument/2006/relationships" xmlns:p="http://schemas.openxmlformats.org/presentationml/2006/main">
-  <p:cSld>
-    <p:spTree>
-      <p:nvGrpSpPr>
-        <p:cNvPr id="1" name=""/>
-        <p:cNvGrpSpPr/>
-        <p:nvPr/>
-      </p:nvGrpSpPr>
-      <p:grpSpPr>
-        <a:xfrm>
-          <a:off x="0" y="0"/>
-          <a:ext cx="0" cy="0"/>
-          <a:chOff x="0" y="0"/>
-          <a:chExt cx="0" cy="0"/>
-        </a:xfrm>
-      </p:grpSpPr>
-      <p:sp>
-        <p:nvSpPr>
-          <p:cNvPr id="7" name="Title 6">
-            <a:extLst>
-              <a:ext uri="{FF2B5EF4-FFF2-40B4-BE49-F238E27FC236}">
-                <a16:creationId xmlns:a16="http://schemas.microsoft.com/office/drawing/2014/main" id="{ADD59383-E6CD-CF57-B9CF-5820B1CECE61}"/>
-              </a:ext>
-            </a:extLst>
-          </p:cNvPr>
-          <p:cNvSpPr>
-            <a:spLocks noGrp="1"/>
-          </p:cNvSpPr>
-          <p:nvPr>
-            <p:ph type="title"/>
-          </p:nvPr>
-        </p:nvSpPr>
-        <p:spPr>
-          <a:xfrm>
-            <a:off x="6126480" y="1310639"/>
-            <a:ext cx="4805997" cy="2689629"/>
-          </a:xfrm>
-        </p:spPr>
-        <p:txBody>
-          <a:bodyPr/>
-          <a:lstStyle/>
-          <a:p>
-            <a:r>
-              <a:rPr lang="en-US" dirty="0"/>
-              <a:t>Product overview</a:t>
-            </a:r>
-          </a:p>
-        </p:txBody>
-      </p:sp>
-      <p:pic>
-        <p:nvPicPr>
-          <p:cNvPr id="5" name="Picture Placeholder 4" descr="A person smelling a small glass bottle">
-            <a:extLst>
-              <a:ext uri="{FF2B5EF4-FFF2-40B4-BE49-F238E27FC236}">
-                <a16:creationId xmlns:a16="http://schemas.microsoft.com/office/drawing/2014/main" id="{95D91661-037A-ECB3-7904-2C3843A98D95}"/>
-              </a:ext>
-            </a:extLst>
-          </p:cNvPr>
-          <p:cNvPicPr>
-            <a:picLocks noGrp="1" noChangeAspect="1"/>
-          </p:cNvPicPr>
-          <p:nvPr>
-            <p:ph type="pic" sz="quarter" idx="11"/>
-          </p:nvPr>
-        </p:nvPicPr>
-        <p:blipFill>
-          <a:blip r:embed="rId3"/>
-          <a:srcRect l="20394" r="20394"/>
-          <a:stretch/>
-        </p:blipFill>
-        <p:spPr>
-          <a:xfrm>
-            <a:off x="0" y="-10160"/>
-            <a:ext cx="6096000" cy="6858000"/>
-          </a:xfrm>
-        </p:spPr>
-      </p:pic>
-      <p:sp>
-        <p:nvSpPr>
-          <p:cNvPr id="8" name="Content Placeholder 7">
-            <a:extLst>
-              <a:ext uri="{FF2B5EF4-FFF2-40B4-BE49-F238E27FC236}">
-                <a16:creationId xmlns:a16="http://schemas.microsoft.com/office/drawing/2014/main" id="{8B672BC8-D7EC-066C-9025-5F29713D8495}"/>
-              </a:ext>
-            </a:extLst>
-          </p:cNvPr>
-          <p:cNvSpPr>
-            <a:spLocks noGrp="1"/>
-          </p:cNvSpPr>
-          <p:nvPr>
-            <p:ph sz="quarter" idx="10"/>
-          </p:nvPr>
-        </p:nvSpPr>
-        <p:spPr>
-          <a:xfrm>
-            <a:off x="6126163" y="4172990"/>
-            <a:ext cx="4805997" cy="2389736"/>
-          </a:xfrm>
-        </p:spPr>
-        <p:txBody>
-          <a:bodyPr/>
-          <a:lstStyle/>
-          <a:p>
-            <a:r>
-              <a:rPr lang="en-US" dirty="0"/>
-              <a:t>First beautifully designed product that's both stylish and functional</a:t>
-            </a:r>
-          </a:p>
-        </p:txBody>
-      </p:sp>
-    </p:spTree>
-    <p:extLst>
-      <p:ext uri="{BB962C8B-B14F-4D97-AF65-F5344CB8AC3E}">
-        <p14:creationId xmlns:p14="http://schemas.microsoft.com/office/powerpoint/2010/main" val="2818473302"/>
-      </p:ext>
-    </p:extLst>
-  </p:cSld>
-  <p:clrMapOvr>
-    <a:masterClrMapping/>
-  </p:clrMapOvr>
-</p:sld>
-</file>
-
-<file path=ppt/slides/slide36.xml><?xml version="1.0" encoding="utf-8"?>
-<p:sld xmlns:a="http://schemas.openxmlformats.org/drawingml/2006/main" xmlns:r="http://schemas.openxmlformats.org/officeDocument/2006/relationships" xmlns:p="http://schemas.openxmlformats.org/presentationml/2006/main">
-  <p:cSld>
-    <p:spTree>
-      <p:nvGrpSpPr>
-        <p:cNvPr id="1" name="">
-          <a:extLst>
-            <a:ext uri="{FF2B5EF4-FFF2-40B4-BE49-F238E27FC236}">
-              <a16:creationId xmlns:a16="http://schemas.microsoft.com/office/drawing/2014/main" id="{4B02A709-A783-3B54-76EB-805430008FF3}"/>
-            </a:ext>
-          </a:extLst>
-        </p:cNvPr>
-        <p:cNvGrpSpPr/>
-        <p:nvPr/>
-      </p:nvGrpSpPr>
-      <p:grpSpPr>
-        <a:xfrm>
-          <a:off x="0" y="0"/>
-          <a:ext cx="0" cy="0"/>
-          <a:chOff x="0" y="0"/>
-          <a:chExt cx="0" cy="0"/>
-        </a:xfrm>
-      </p:grpSpPr>
-      <p:sp>
-        <p:nvSpPr>
-          <p:cNvPr id="2" name="Title 1">
-            <a:extLst>
-              <a:ext uri="{FF2B5EF4-FFF2-40B4-BE49-F238E27FC236}">
-                <a16:creationId xmlns:a16="http://schemas.microsoft.com/office/drawing/2014/main" id="{A4902A52-D56A-16AE-66A7-87145DC15986}"/>
-              </a:ext>
-            </a:extLst>
-          </p:cNvPr>
-          <p:cNvSpPr>
-            <a:spLocks noGrp="1"/>
-          </p:cNvSpPr>
-          <p:nvPr>
-            <p:ph type="title"/>
-          </p:nvPr>
-        </p:nvSpPr>
-        <p:spPr/>
-        <p:txBody>
-          <a:bodyPr/>
-          <a:lstStyle/>
-          <a:p>
-            <a:r>
-              <a:rPr lang="en-US" sz="3200" dirty="0"/>
-              <a:t>Problem </a:t>
-            </a:r>
-          </a:p>
-        </p:txBody>
-      </p:sp>
-      <p:sp>
-        <p:nvSpPr>
-          <p:cNvPr id="3" name="Content Placeholder 2">
-            <a:extLst>
-              <a:ext uri="{FF2B5EF4-FFF2-40B4-BE49-F238E27FC236}">
-                <a16:creationId xmlns:a16="http://schemas.microsoft.com/office/drawing/2014/main" id="{3C8F8118-59A8-D28F-6778-464EE191B0CC}"/>
-              </a:ext>
-            </a:extLst>
-          </p:cNvPr>
-          <p:cNvSpPr>
-            <a:spLocks noGrp="1"/>
-          </p:cNvSpPr>
-          <p:nvPr>
-            <p:ph sz="quarter" idx="10"/>
-          </p:nvPr>
-        </p:nvSpPr>
-        <p:spPr/>
-        <p:txBody>
-          <a:bodyPr/>
-          <a:lstStyle/>
-          <a:p>
-            <a:pPr marL="228600" indent="-228600">
-              <a:spcBef>
-                <a:spcPts val="0"/>
-              </a:spcBef>
-              <a:spcAft>
-                <a:spcPts val="1200"/>
-              </a:spcAft>
-              <a:buFont typeface="Arial" panose="020B0604020202020204" pitchFamily="34" charset="0"/>
-              <a:buChar char="•"/>
-            </a:pPr>
-            <a:r>
-              <a:rPr lang="en-US" sz="2000" b="1" cap="none" dirty="0"/>
-              <a:t>Market gap</a:t>
-            </a:r>
-            <a:r>
-              <a:rPr lang="en-US" sz="2000" cap="none" dirty="0"/>
-              <a:t>: few, if any, products on the market help customers like we do</a:t>
-            </a:r>
-            <a:endParaRPr lang="en-US" sz="2000" cap="none" dirty="0">
-              <a:cs typeface="Calibri"/>
-            </a:endParaRPr>
-          </a:p>
-          <a:p>
-            <a:pPr marL="228600" indent="-228600">
-              <a:spcBef>
-                <a:spcPts val="0"/>
-              </a:spcBef>
-              <a:spcAft>
-                <a:spcPts val="1200"/>
-              </a:spcAft>
-              <a:buFont typeface="Arial" panose="020B0604020202020204" pitchFamily="34" charset="0"/>
-              <a:buChar char="•"/>
-            </a:pPr>
-            <a:r>
-              <a:rPr lang="en-US" sz="2000" b="1" cap="none" dirty="0"/>
-              <a:t>Customers</a:t>
-            </a:r>
-            <a:r>
-              <a:rPr lang="en-US" sz="2000" cap="none" dirty="0"/>
-              <a:t>: 66% of US consumers spend money on multiple products that only partially resolves their issue</a:t>
-            </a:r>
-          </a:p>
-          <a:p>
-            <a:pPr marL="228600" indent="-228600">
-              <a:spcBef>
-                <a:spcPts val="0"/>
-              </a:spcBef>
-              <a:spcAft>
-                <a:spcPts val="1200"/>
-              </a:spcAft>
-              <a:buFont typeface="Arial" panose="020B0604020202020204" pitchFamily="34" charset="0"/>
-              <a:buChar char="•"/>
-            </a:pPr>
-            <a:r>
-              <a:rPr lang="en-US" sz="2000" b="1" cap="none" dirty="0"/>
-              <a:t>Financials</a:t>
-            </a:r>
-            <a:r>
-              <a:rPr lang="en-US" sz="2000" cap="none" dirty="0"/>
-              <a:t>: </a:t>
-            </a:r>
-            <a:r>
-              <a:rPr lang="en-US" sz="2000" cap="none" dirty="0">
-                <a:ea typeface="+mn-lt"/>
-                <a:cs typeface="+mn-lt"/>
-              </a:rPr>
-              <a:t>millennials account for about a quarter of the $48 billion spent on other products in 2018</a:t>
-            </a:r>
-            <a:endParaRPr lang="en-US" sz="2000" cap="none" dirty="0">
-              <a:cs typeface="Calibri" panose="020F0502020204030204"/>
-            </a:endParaRPr>
-          </a:p>
-          <a:p>
-            <a:pPr marL="228600" indent="-228600">
-              <a:spcBef>
-                <a:spcPts val="0"/>
-              </a:spcBef>
-              <a:spcAft>
-                <a:spcPts val="1200"/>
-              </a:spcAft>
-              <a:buFont typeface="Arial" panose="020B0604020202020204" pitchFamily="34" charset="0"/>
-              <a:buChar char="•"/>
-            </a:pPr>
-            <a:r>
-              <a:rPr lang="en-US" sz="2000" b="1" cap="none" dirty="0"/>
-              <a:t>Costs</a:t>
-            </a:r>
-            <a:r>
-              <a:rPr lang="en-US" sz="2000" cap="none" dirty="0"/>
-              <a:t>: loss of productivity costing consumers thousands of dollars </a:t>
-            </a:r>
-            <a:endParaRPr lang="en-US" sz="2000" cap="none" dirty="0">
-              <a:cs typeface="Calibri" panose="020F0502020204030204"/>
-            </a:endParaRPr>
-          </a:p>
-          <a:p>
-            <a:pPr marL="228600" indent="-228600">
-              <a:spcBef>
-                <a:spcPts val="0"/>
-              </a:spcBef>
-              <a:spcAft>
-                <a:spcPts val="1200"/>
-              </a:spcAft>
-              <a:buFont typeface="Arial" panose="020B0604020202020204" pitchFamily="34" charset="0"/>
-              <a:buChar char="•"/>
-            </a:pPr>
-            <a:r>
-              <a:rPr lang="en-US" sz="2000" b="1" cap="none" dirty="0"/>
-              <a:t>Usability</a:t>
-            </a:r>
-            <a:r>
-              <a:rPr lang="en-US" sz="2000" cap="none" dirty="0"/>
-              <a:t>: customers want something easy to use that helps make their life easier </a:t>
-            </a:r>
-            <a:endParaRPr lang="en-US" sz="2000" cap="none" dirty="0">
-              <a:cs typeface="Calibri"/>
-            </a:endParaRPr>
-          </a:p>
-        </p:txBody>
-      </p:sp>
-      <p:sp>
-        <p:nvSpPr>
-          <p:cNvPr id="4" name="Slide Number Placeholder 3">
-            <a:extLst>
-              <a:ext uri="{FF2B5EF4-FFF2-40B4-BE49-F238E27FC236}">
-                <a16:creationId xmlns:a16="http://schemas.microsoft.com/office/drawing/2014/main" id="{7BDBA4BD-B692-A84D-71C9-739C543B1923}"/>
-              </a:ext>
-            </a:extLst>
-          </p:cNvPr>
-          <p:cNvSpPr>
-            <a:spLocks noGrp="1"/>
-          </p:cNvSpPr>
-          <p:nvPr>
-            <p:ph type="sldNum" sz="quarter" idx="4"/>
-          </p:nvPr>
-        </p:nvSpPr>
-        <p:spPr/>
-        <p:txBody>
-          <a:bodyPr/>
-          <a:lstStyle/>
-          <a:p>
-            <a:pPr marL="0" marR="0" lvl="0" indent="0" algn="l" defTabSz="914400" rtl="0" eaLnBrk="1" fontAlgn="auto" latinLnBrk="0" hangingPunct="1">
-              <a:lnSpc>
-                <a:spcPct val="100000"/>
-              </a:lnSpc>
-              <a:spcBef>
-                <a:spcPts val="0"/>
-              </a:spcBef>
-              <a:spcAft>
-                <a:spcPts val="0"/>
-              </a:spcAft>
-              <a:buClrTx/>
-              <a:buSzTx/>
-              <a:buFontTx/>
-              <a:buNone/>
-              <a:tabLst/>
-              <a:defRPr/>
-            </a:pPr>
-            <a:fld id="{B5CEABB6-07DC-46E8-9B57-56EC44A396E5}" type="slidenum">
-              <a:rPr kumimoji="0" lang="en-US" sz="1200" b="0" i="0" u="none" strike="noStrike" kern="1200" cap="none" spc="0" normalizeH="0" baseline="0" noProof="0" smtClean="0">
-                <a:ln>
-                  <a:noFill/>
-                </a:ln>
-                <a:solidFill>
-                  <a:prstClr val="black"/>
-                </a:solidFill>
-                <a:effectLst/>
-                <a:uLnTx/>
-                <a:uFillTx/>
-                <a:latin typeface="Tenorite"/>
-                <a:ea typeface="+mn-ea"/>
-                <a:cs typeface="+mn-cs"/>
-              </a:rPr>
-              <a:pPr marL="0" marR="0" lvl="0" indent="0" algn="l" defTabSz="914400" rtl="0" eaLnBrk="1" fontAlgn="auto" latinLnBrk="0" hangingPunct="1">
-                <a:lnSpc>
-                  <a:spcPct val="100000"/>
-                </a:lnSpc>
-                <a:spcBef>
-                  <a:spcPts val="0"/>
-                </a:spcBef>
-                <a:spcAft>
-                  <a:spcPts val="0"/>
-                </a:spcAft>
-                <a:buClrTx/>
-                <a:buSzTx/>
-                <a:buFontTx/>
-                <a:buNone/>
-                <a:tabLst/>
-                <a:defRPr/>
-              </a:pPr>
-              <a:t>36</a:t>
-            </a:fld>
-            <a:endParaRPr kumimoji="0" lang="en-US" sz="1200" b="0" i="0" u="none" strike="noStrike" kern="1200" cap="none" spc="0" normalizeH="0" baseline="0" noProof="0" dirty="0">
-              <a:ln>
-                <a:noFill/>
-              </a:ln>
-              <a:solidFill>
-                <a:prstClr val="black"/>
-              </a:solidFill>
-              <a:effectLst/>
-              <a:uLnTx/>
-              <a:uFillTx/>
-              <a:latin typeface="Tenorite"/>
-              <a:ea typeface="+mn-ea"/>
-              <a:cs typeface="+mn-cs"/>
-            </a:endParaRPr>
-          </a:p>
-        </p:txBody>
-      </p:sp>
-    </p:spTree>
-    <p:extLst>
-      <p:ext uri="{BB962C8B-B14F-4D97-AF65-F5344CB8AC3E}">
-        <p14:creationId xmlns:p14="http://schemas.microsoft.com/office/powerpoint/2010/main" val="37313723"/>
-      </p:ext>
-    </p:extLst>
-  </p:cSld>
-  <p:clrMapOvr>
-    <a:masterClrMapping/>
-  </p:clrMapOvr>
-</p:sld>
-</file>
-
-<file path=ppt/slides/slide37.xml><?xml version="1.0" encoding="utf-8"?>
-<p:sld xmlns:a="http://schemas.openxmlformats.org/drawingml/2006/main" xmlns:r="http://schemas.openxmlformats.org/officeDocument/2006/relationships" xmlns:p="http://schemas.openxmlformats.org/presentationml/2006/main">
-  <p:cSld>
-    <p:bg>
-      <p:bgPr>
-        <a:solidFill>
-          <a:schemeClr val="tx1"/>
-        </a:solidFill>
-        <a:effectLst/>
-      </p:bgPr>
-    </p:bg>
-    <p:spTree>
-      <p:nvGrpSpPr>
-        <p:cNvPr id="1" name=""/>
-        <p:cNvGrpSpPr/>
-        <p:nvPr/>
-      </p:nvGrpSpPr>
-      <p:grpSpPr>
-        <a:xfrm>
-          <a:off x="0" y="0"/>
-          <a:ext cx="0" cy="0"/>
-          <a:chOff x="0" y="0"/>
-          <a:chExt cx="0" cy="0"/>
-        </a:xfrm>
-      </p:grpSpPr>
-      <p:pic>
-        <p:nvPicPr>
-          <p:cNvPr id="3" name="Graphic 2">
-            <a:extLst>
-              <a:ext uri="{FF2B5EF4-FFF2-40B4-BE49-F238E27FC236}">
-                <a16:creationId xmlns:a16="http://schemas.microsoft.com/office/drawing/2014/main" id="{77B52831-0916-294C-0ACB-9774B9805D9B}"/>
-              </a:ext>
-              <a:ext uri="{C183D7F6-B498-43B3-948B-1728B52AA6E4}">
-                <adec:decorative xmlns:adec="http://schemas.microsoft.com/office/drawing/2017/decorative" val="1"/>
-              </a:ext>
-            </a:extLst>
-          </p:cNvPr>
-          <p:cNvPicPr>
-            <a:picLocks noChangeAspect="1"/>
-          </p:cNvPicPr>
-          <p:nvPr/>
-        </p:nvPicPr>
-        <p:blipFill rotWithShape="1">
-          <a:blip r:embed="rId3">
-            <a:extLst>
-              <a:ext uri="{96DAC541-7B7A-43D3-8B79-37D633B846F1}">
-                <asvg:svgBlip xmlns:asvg="http://schemas.microsoft.com/office/drawing/2016/SVG/main" r:embed="rId4"/>
-              </a:ext>
-            </a:extLst>
-          </a:blip>
-          <a:srcRect l="4151" r="18577"/>
-          <a:stretch/>
-        </p:blipFill>
-        <p:spPr>
-          <a:xfrm flipH="1">
-            <a:off x="0" y="0"/>
-            <a:ext cx="5181600" cy="6858000"/>
-          </a:xfrm>
-          <a:prstGeom prst="rect">
-            <a:avLst/>
-          </a:prstGeom>
-        </p:spPr>
-      </p:pic>
-      <p:sp>
-        <p:nvSpPr>
-          <p:cNvPr id="7" name="Title 6">
-            <a:extLst>
-              <a:ext uri="{FF2B5EF4-FFF2-40B4-BE49-F238E27FC236}">
-                <a16:creationId xmlns:a16="http://schemas.microsoft.com/office/drawing/2014/main" id="{E82E216E-9EE0-9D3F-D692-083F575A3D04}"/>
-              </a:ext>
-            </a:extLst>
-          </p:cNvPr>
-          <p:cNvSpPr>
-            <a:spLocks noGrp="1"/>
-          </p:cNvSpPr>
-          <p:nvPr>
-            <p:ph type="title"/>
-          </p:nvPr>
-        </p:nvSpPr>
-        <p:spPr>
-          <a:xfrm>
-            <a:off x="6091515" y="374090"/>
-            <a:ext cx="5057104" cy="3624984"/>
-          </a:xfrm>
-        </p:spPr>
-        <p:txBody>
-          <a:bodyPr/>
-          <a:lstStyle/>
-          <a:p>
-            <a:r>
-              <a:rPr lang="en-US" dirty="0"/>
-              <a:t>Thank you</a:t>
-            </a:r>
-          </a:p>
-        </p:txBody>
-      </p:sp>
-      <p:sp>
-        <p:nvSpPr>
-          <p:cNvPr id="10" name="Content Placeholder 9">
-            <a:extLst>
-              <a:ext uri="{FF2B5EF4-FFF2-40B4-BE49-F238E27FC236}">
-                <a16:creationId xmlns:a16="http://schemas.microsoft.com/office/drawing/2014/main" id="{1F398FDD-E639-CF6A-B875-443655F2B31B}"/>
-              </a:ext>
-            </a:extLst>
-          </p:cNvPr>
-          <p:cNvSpPr>
-            <a:spLocks noGrp="1"/>
-          </p:cNvSpPr>
-          <p:nvPr>
-            <p:ph idx="1"/>
-          </p:nvPr>
-        </p:nvSpPr>
-        <p:spPr>
-          <a:xfrm>
-            <a:off x="6091514" y="4172989"/>
-            <a:ext cx="5057103" cy="2519363"/>
-          </a:xfrm>
-        </p:spPr>
-        <p:txBody>
-          <a:bodyPr/>
-          <a:lstStyle/>
-          <a:p>
-            <a:r>
-              <a:rPr lang="en-US" dirty="0"/>
-              <a:t>Brita Tamm</a:t>
-            </a:r>
-          </a:p>
-          <a:p>
-            <a:r>
-              <a:rPr lang="en-US" dirty="0"/>
-              <a:t>502-555-0152</a:t>
-            </a:r>
-          </a:p>
-          <a:p>
-            <a:r>
-              <a:rPr lang="en-US" dirty="0"/>
-              <a:t>brita@firstupconsultants.com</a:t>
-            </a:r>
-          </a:p>
-          <a:p>
-            <a:r>
-              <a:rPr lang="en-US" dirty="0"/>
-              <a:t>www.firstupconsultants.com</a:t>
-            </a:r>
-          </a:p>
-        </p:txBody>
-      </p:sp>
-    </p:spTree>
-    <p:extLst>
-      <p:ext uri="{BB962C8B-B14F-4D97-AF65-F5344CB8AC3E}">
-        <p14:creationId xmlns:p14="http://schemas.microsoft.com/office/powerpoint/2010/main" val="769932640"/>
       </p:ext>
     </p:extLst>
   </p:cSld>
@@ -18789,7 +15071,7 @@
         <p:cNvPr id="1" name="">
           <a:extLst>
             <a:ext uri="{FF2B5EF4-FFF2-40B4-BE49-F238E27FC236}">
-              <a16:creationId xmlns:a16="http://schemas.microsoft.com/office/drawing/2014/main" id="{3AD1F43F-41A5-E009-4790-26052DD28A7C}"/>
+              <a16:creationId xmlns:a16="http://schemas.microsoft.com/office/drawing/2014/main" id="{BCA57DCF-8DE1-D456-9FDC-AAEC350925D2}"/>
             </a:ext>
           </a:extLst>
         </p:cNvPr>
@@ -18809,7 +15091,7 @@
           <p:cNvPr id="2" name="Title 1">
             <a:extLst>
               <a:ext uri="{FF2B5EF4-FFF2-40B4-BE49-F238E27FC236}">
-                <a16:creationId xmlns:a16="http://schemas.microsoft.com/office/drawing/2014/main" id="{32EC0962-623D-2837-9C52-46E176C8AE08}"/>
+                <a16:creationId xmlns:a16="http://schemas.microsoft.com/office/drawing/2014/main" id="{1A1380C6-B7A0-A73E-8692-0744BAE389FE}"/>
               </a:ext>
             </a:extLst>
           </p:cNvPr>
@@ -18847,7 +15129,7 @@
           <p:cNvPr id="5" name="Slide Number Placeholder 4">
             <a:extLst>
               <a:ext uri="{FF2B5EF4-FFF2-40B4-BE49-F238E27FC236}">
-                <a16:creationId xmlns:a16="http://schemas.microsoft.com/office/drawing/2014/main" id="{52E10B63-D52D-E5DB-FBBB-45164A70C523}"/>
+                <a16:creationId xmlns:a16="http://schemas.microsoft.com/office/drawing/2014/main" id="{640B6FF3-66F2-0831-57AF-9DBE59A7F01C}"/>
               </a:ext>
             </a:extLst>
           </p:cNvPr>
@@ -18938,10 +15220,10 @@
       </p:sp>
       <p:pic>
         <p:nvPicPr>
-          <p:cNvPr id="6" name="Picture 5">
-            <a:extLst>
-              <a:ext uri="{FF2B5EF4-FFF2-40B4-BE49-F238E27FC236}">
-                <a16:creationId xmlns:a16="http://schemas.microsoft.com/office/drawing/2014/main" id="{C536C389-95EC-09BF-2F3B-DAA84311FB69}"/>
+          <p:cNvPr id="4" name="Picture 3">
+            <a:extLst>
+              <a:ext uri="{FF2B5EF4-FFF2-40B4-BE49-F238E27FC236}">
+                <a16:creationId xmlns:a16="http://schemas.microsoft.com/office/drawing/2014/main" id="{87320193-B3F1-41AD-2B20-930B5713B4EC}"/>
               </a:ext>
             </a:extLst>
           </p:cNvPr>
@@ -18958,8 +15240,8 @@
         </p:blipFill>
         <p:spPr>
           <a:xfrm>
-            <a:off x="2163293" y="1718136"/>
-            <a:ext cx="7865411" cy="3421728"/>
+            <a:off x="239521" y="1520024"/>
+            <a:ext cx="11712955" cy="3817951"/>
           </a:xfrm>
           <a:prstGeom prst="rect">
             <a:avLst/>
@@ -18969,7 +15251,7 @@
     </p:spTree>
     <p:extLst>
       <p:ext uri="{BB962C8B-B14F-4D97-AF65-F5344CB8AC3E}">
-        <p14:creationId xmlns:p14="http://schemas.microsoft.com/office/powerpoint/2010/main" val="2245900044"/>
+        <p14:creationId xmlns:p14="http://schemas.microsoft.com/office/powerpoint/2010/main" val="3710524429"/>
       </p:ext>
     </p:extLst>
   </p:cSld>
@@ -18987,7 +15269,7 @@
         <p:cNvPr id="1" name="">
           <a:extLst>
             <a:ext uri="{FF2B5EF4-FFF2-40B4-BE49-F238E27FC236}">
-              <a16:creationId xmlns:a16="http://schemas.microsoft.com/office/drawing/2014/main" id="{BCA57DCF-8DE1-D456-9FDC-AAEC350925D2}"/>
+              <a16:creationId xmlns:a16="http://schemas.microsoft.com/office/drawing/2014/main" id="{622AD482-2B88-9C9E-6E61-569F02E464C5}"/>
             </a:ext>
           </a:extLst>
         </p:cNvPr>
@@ -19007,7 +15289,7 @@
           <p:cNvPr id="2" name="Title 1">
             <a:extLst>
               <a:ext uri="{FF2B5EF4-FFF2-40B4-BE49-F238E27FC236}">
-                <a16:creationId xmlns:a16="http://schemas.microsoft.com/office/drawing/2014/main" id="{1A1380C6-B7A0-A73E-8692-0744BAE389FE}"/>
+                <a16:creationId xmlns:a16="http://schemas.microsoft.com/office/drawing/2014/main" id="{A797D4B5-F67B-328C-5CB1-83136B9435F5}"/>
               </a:ext>
             </a:extLst>
           </p:cNvPr>
@@ -19045,7 +15327,7 @@
           <p:cNvPr id="5" name="Slide Number Placeholder 4">
             <a:extLst>
               <a:ext uri="{FF2B5EF4-FFF2-40B4-BE49-F238E27FC236}">
-                <a16:creationId xmlns:a16="http://schemas.microsoft.com/office/drawing/2014/main" id="{640B6FF3-66F2-0831-57AF-9DBE59A7F01C}"/>
+                <a16:creationId xmlns:a16="http://schemas.microsoft.com/office/drawing/2014/main" id="{FFD59972-2286-F640-2BE3-C27814E63C25}"/>
               </a:ext>
             </a:extLst>
           </p:cNvPr>
@@ -19136,204 +15418,6 @@
       </p:sp>
       <p:pic>
         <p:nvPicPr>
-          <p:cNvPr id="4" name="Picture 3">
-            <a:extLst>
-              <a:ext uri="{FF2B5EF4-FFF2-40B4-BE49-F238E27FC236}">
-                <a16:creationId xmlns:a16="http://schemas.microsoft.com/office/drawing/2014/main" id="{87320193-B3F1-41AD-2B20-930B5713B4EC}"/>
-              </a:ext>
-            </a:extLst>
-          </p:cNvPr>
-          <p:cNvPicPr>
-            <a:picLocks noChangeAspect="1"/>
-          </p:cNvPicPr>
-          <p:nvPr/>
-        </p:nvPicPr>
-        <p:blipFill>
-          <a:blip r:embed="rId3"/>
-          <a:stretch>
-            <a:fillRect/>
-          </a:stretch>
-        </p:blipFill>
-        <p:spPr>
-          <a:xfrm>
-            <a:off x="239521" y="1520024"/>
-            <a:ext cx="11712955" cy="3817951"/>
-          </a:xfrm>
-          <a:prstGeom prst="rect">
-            <a:avLst/>
-          </a:prstGeom>
-        </p:spPr>
-      </p:pic>
-    </p:spTree>
-    <p:extLst>
-      <p:ext uri="{BB962C8B-B14F-4D97-AF65-F5344CB8AC3E}">
-        <p14:creationId xmlns:p14="http://schemas.microsoft.com/office/powerpoint/2010/main" val="3710524429"/>
-      </p:ext>
-    </p:extLst>
-  </p:cSld>
-  <p:clrMapOvr>
-    <a:masterClrMapping/>
-  </p:clrMapOvr>
-</p:sld>
-</file>
-
-<file path=ppt/slides/slide9.xml><?xml version="1.0" encoding="utf-8"?>
-<p:sld xmlns:a="http://schemas.openxmlformats.org/drawingml/2006/main" xmlns:r="http://schemas.openxmlformats.org/officeDocument/2006/relationships" xmlns:p="http://schemas.openxmlformats.org/presentationml/2006/main">
-  <p:cSld>
-    <p:spTree>
-      <p:nvGrpSpPr>
-        <p:cNvPr id="1" name="">
-          <a:extLst>
-            <a:ext uri="{FF2B5EF4-FFF2-40B4-BE49-F238E27FC236}">
-              <a16:creationId xmlns:a16="http://schemas.microsoft.com/office/drawing/2014/main" id="{622AD482-2B88-9C9E-6E61-569F02E464C5}"/>
-            </a:ext>
-          </a:extLst>
-        </p:cNvPr>
-        <p:cNvGrpSpPr/>
-        <p:nvPr/>
-      </p:nvGrpSpPr>
-      <p:grpSpPr>
-        <a:xfrm>
-          <a:off x="0" y="0"/>
-          <a:ext cx="0" cy="0"/>
-          <a:chOff x="0" y="0"/>
-          <a:chExt cx="0" cy="0"/>
-        </a:xfrm>
-      </p:grpSpPr>
-      <p:sp>
-        <p:nvSpPr>
-          <p:cNvPr id="2" name="Title 1">
-            <a:extLst>
-              <a:ext uri="{FF2B5EF4-FFF2-40B4-BE49-F238E27FC236}">
-                <a16:creationId xmlns:a16="http://schemas.microsoft.com/office/drawing/2014/main" id="{A797D4B5-F67B-328C-5CB1-83136B9435F5}"/>
-              </a:ext>
-            </a:extLst>
-          </p:cNvPr>
-          <p:cNvSpPr>
-            <a:spLocks noGrp="1"/>
-          </p:cNvSpPr>
-          <p:nvPr>
-            <p:ph type="title"/>
-          </p:nvPr>
-        </p:nvSpPr>
-        <p:spPr>
-          <a:xfrm>
-            <a:off x="914399" y="365125"/>
-            <a:ext cx="10363201" cy="1629601"/>
-          </a:xfrm>
-        </p:spPr>
-        <p:txBody>
-          <a:bodyPr>
-            <a:normAutofit/>
-          </a:bodyPr>
-          <a:lstStyle/>
-          <a:p>
-            <a:r>
-              <a:rPr lang="en-US" sz="4000" cap="none" dirty="0">
-                <a:latin typeface="Arial" panose="020B0604020202020204" pitchFamily="34" charset="0"/>
-                <a:cs typeface="Arial" panose="020B0604020202020204" pitchFamily="34" charset="0"/>
-              </a:rPr>
-              <a:t>In Entra ID</a:t>
-            </a:r>
-          </a:p>
-        </p:txBody>
-      </p:sp>
-      <p:sp>
-        <p:nvSpPr>
-          <p:cNvPr id="5" name="Slide Number Placeholder 4">
-            <a:extLst>
-              <a:ext uri="{FF2B5EF4-FFF2-40B4-BE49-F238E27FC236}">
-                <a16:creationId xmlns:a16="http://schemas.microsoft.com/office/drawing/2014/main" id="{FFD59972-2286-F640-2BE3-C27814E63C25}"/>
-              </a:ext>
-            </a:extLst>
-          </p:cNvPr>
-          <p:cNvSpPr>
-            <a:spLocks noGrp="1"/>
-          </p:cNvSpPr>
-          <p:nvPr>
-            <p:ph type="sldNum" sz="quarter" idx="4"/>
-          </p:nvPr>
-        </p:nvSpPr>
-        <p:spPr>
-          <a:xfrm>
-            <a:off x="914400" y="6246254"/>
-            <a:ext cx="631065" cy="296214"/>
-          </a:xfrm>
-        </p:spPr>
-        <p:txBody>
-          <a:bodyPr/>
-          <a:lstStyle/>
-          <a:p>
-            <a:pPr marL="0" marR="0" lvl="0" indent="0" algn="l" defTabSz="914400" rtl="0" eaLnBrk="1" fontAlgn="auto" latinLnBrk="0" hangingPunct="1">
-              <a:lnSpc>
-                <a:spcPct val="100000"/>
-              </a:lnSpc>
-              <a:spcBef>
-                <a:spcPts val="0"/>
-              </a:spcBef>
-              <a:spcAft>
-                <a:spcPts val="0"/>
-              </a:spcAft>
-              <a:buClrTx/>
-              <a:buSzTx/>
-              <a:buFontTx/>
-              <a:buNone/>
-              <a:tabLst/>
-              <a:defRPr/>
-            </a:pPr>
-            <a:fld id="{B5CEABB6-07DC-46E8-9B57-56EC44A396E5}" type="slidenum">
-              <a:rPr kumimoji="0" lang="en-US" sz="1200" b="0" i="0" u="none" strike="noStrike" kern="1200" cap="none" spc="0" normalizeH="0" baseline="0" noProof="0" smtClean="0">
-                <a:ln>
-                  <a:noFill/>
-                </a:ln>
-                <a:solidFill>
-                  <a:prstClr val="black"/>
-                </a:solidFill>
-                <a:effectLst/>
-                <a:uLnTx/>
-                <a:uFillTx/>
-                <a:latin typeface="Tenorite"/>
-                <a:ea typeface="+mn-ea"/>
-                <a:cs typeface="+mn-cs"/>
-              </a:rPr>
-              <a:pPr marL="0" marR="0" lvl="0" indent="0" algn="l" defTabSz="914400" rtl="0" eaLnBrk="1" fontAlgn="auto" latinLnBrk="0" hangingPunct="1">
-                <a:lnSpc>
-                  <a:spcPct val="100000"/>
-                </a:lnSpc>
-                <a:spcBef>
-                  <a:spcPts val="0"/>
-                </a:spcBef>
-                <a:spcAft>
-                  <a:spcPts val="0"/>
-                </a:spcAft>
-                <a:buClrTx/>
-                <a:buSzTx/>
-                <a:buFontTx/>
-                <a:buNone/>
-                <a:tabLst/>
-                <a:defRPr/>
-              </a:pPr>
-              <a:t>9</a:t>
-            </a:fld>
-            <a:endParaRPr kumimoji="0" lang="en-US" sz="1200" b="0" i="0" u="none" strike="noStrike" kern="1200" cap="none" spc="0" normalizeH="0" baseline="0" noProof="0" dirty="0">
-              <a:ln>
-                <a:noFill/>
-              </a:ln>
-              <a:solidFill>
-                <a:prstClr val="black"/>
-              </a:solidFill>
-              <a:effectLst/>
-              <a:uLnTx/>
-              <a:uFillTx/>
-              <a:latin typeface="Tenorite"/>
-              <a:ea typeface="+mn-ea"/>
-              <a:cs typeface="+mn-cs"/>
-            </a:endParaRPr>
-          </a:p>
-        </p:txBody>
-      </p:sp>
-      <p:pic>
-        <p:nvPicPr>
           <p:cNvPr id="6" name="Picture 5">
             <a:extLst>
               <a:ext uri="{FF2B5EF4-FFF2-40B4-BE49-F238E27FC236}">
@@ -19366,6 +15450,105 @@
     <p:extLst>
       <p:ext uri="{BB962C8B-B14F-4D97-AF65-F5344CB8AC3E}">
         <p14:creationId xmlns:p14="http://schemas.microsoft.com/office/powerpoint/2010/main" val="1225095951"/>
+      </p:ext>
+    </p:extLst>
+  </p:cSld>
+  <p:clrMapOvr>
+    <a:masterClrMapping/>
+  </p:clrMapOvr>
+</p:sld>
+</file>
+
+<file path=ppt/slides/slide9.xml><?xml version="1.0" encoding="utf-8"?>
+<p:sld xmlns:a="http://schemas.openxmlformats.org/drawingml/2006/main" xmlns:r="http://schemas.openxmlformats.org/officeDocument/2006/relationships" xmlns:p="http://schemas.openxmlformats.org/presentationml/2006/main">
+  <p:cSld>
+    <p:spTree>
+      <p:nvGrpSpPr>
+        <p:cNvPr id="1" name="">
+          <a:extLst>
+            <a:ext uri="{FF2B5EF4-FFF2-40B4-BE49-F238E27FC236}">
+              <a16:creationId xmlns:a16="http://schemas.microsoft.com/office/drawing/2014/main" id="{9DE34E70-86C4-79DD-322E-FB0F30AEE811}"/>
+            </a:ext>
+          </a:extLst>
+        </p:cNvPr>
+        <p:cNvGrpSpPr/>
+        <p:nvPr/>
+      </p:nvGrpSpPr>
+      <p:grpSpPr>
+        <a:xfrm>
+          <a:off x="0" y="0"/>
+          <a:ext cx="0" cy="0"/>
+          <a:chOff x="0" y="0"/>
+          <a:chExt cx="0" cy="0"/>
+        </a:xfrm>
+      </p:grpSpPr>
+      <p:sp>
+        <p:nvSpPr>
+          <p:cNvPr id="7" name="Title 6">
+            <a:extLst>
+              <a:ext uri="{FF2B5EF4-FFF2-40B4-BE49-F238E27FC236}">
+                <a16:creationId xmlns:a16="http://schemas.microsoft.com/office/drawing/2014/main" id="{DF826CFC-0F37-6F34-6070-85BF334517A5}"/>
+              </a:ext>
+            </a:extLst>
+          </p:cNvPr>
+          <p:cNvSpPr>
+            <a:spLocks noGrp="1"/>
+          </p:cNvSpPr>
+          <p:nvPr>
+            <p:ph type="title"/>
+          </p:nvPr>
+        </p:nvSpPr>
+        <p:spPr>
+          <a:xfrm>
+            <a:off x="6126480" y="1310639"/>
+            <a:ext cx="4805997" cy="2689629"/>
+          </a:xfrm>
+        </p:spPr>
+        <p:txBody>
+          <a:bodyPr>
+            <a:normAutofit/>
+          </a:bodyPr>
+          <a:lstStyle/>
+          <a:p>
+            <a:r>
+              <a:rPr lang="en-US" sz="6000" cap="none" dirty="0">
+                <a:latin typeface="Arial" panose="020B0604020202020204" pitchFamily="34" charset="0"/>
+                <a:cs typeface="Arial" panose="020B0604020202020204" pitchFamily="34" charset="0"/>
+              </a:rPr>
+              <a:t>Users</a:t>
+            </a:r>
+          </a:p>
+        </p:txBody>
+      </p:sp>
+      <p:pic>
+        <p:nvPicPr>
+          <p:cNvPr id="16" name="Picture Placeholder 15" descr="A logo of people and a blue diamond&#10;&#10;AI-generated content may be incorrect.">
+            <a:extLst>
+              <a:ext uri="{FF2B5EF4-FFF2-40B4-BE49-F238E27FC236}">
+                <a16:creationId xmlns:a16="http://schemas.microsoft.com/office/drawing/2014/main" id="{41786C57-49C1-74DF-70E1-05E2DF1855D7}"/>
+              </a:ext>
+            </a:extLst>
+          </p:cNvPr>
+          <p:cNvPicPr>
+            <a:picLocks noGrp="1" noChangeAspect="1"/>
+          </p:cNvPicPr>
+          <p:nvPr>
+            <p:ph type="pic" sz="quarter" idx="11"/>
+          </p:nvPr>
+        </p:nvPicPr>
+        <p:blipFill>
+          <a:blip r:embed="rId3"/>
+          <a:srcRect l="8556" r="8556"/>
+          <a:stretch>
+            <a:fillRect/>
+          </a:stretch>
+        </p:blipFill>
+        <p:spPr/>
+      </p:pic>
+    </p:spTree>
+    <p:extLst>
+      <p:ext uri="{BB962C8B-B14F-4D97-AF65-F5344CB8AC3E}">
+        <p14:creationId xmlns:p14="http://schemas.microsoft.com/office/powerpoint/2010/main" val="751660820"/>
       </p:ext>
     </p:extLst>
   </p:cSld>
@@ -20176,6 +16359,26 @@
 </file>
 
 <file path=customXml/item2.xml><?xml version="1.0" encoding="utf-8"?>
+<p:properties xmlns:p="http://schemas.microsoft.com/office/2006/metadata/properties" xmlns:xsi="http://www.w3.org/2001/XMLSchema-instance" xmlns:pc="http://schemas.microsoft.com/office/infopath/2007/PartnerControls">
+  <documentManagement>
+    <_ip_UnifiedCompliancePolicyUIAction xmlns="http://schemas.microsoft.com/sharepoint/v3" xsi:nil="true"/>
+    <Image xmlns="71af3243-3dd4-4a8d-8c0d-dd76da1f02a5">
+      <Url xsi:nil="true"/>
+      <Description xsi:nil="true"/>
+    </Image>
+    <Status xmlns="71af3243-3dd4-4a8d-8c0d-dd76da1f02a5">Not started</Status>
+    <Background xmlns="71af3243-3dd4-4a8d-8c0d-dd76da1f02a5">false</Background>
+    <_ip_UnifiedCompliancePolicyProperties xmlns="http://schemas.microsoft.com/sharepoint/v3" xsi:nil="true"/>
+    <ImageTagsTaxHTField xmlns="71af3243-3dd4-4a8d-8c0d-dd76da1f02a5">
+      <Terms xmlns="http://schemas.microsoft.com/office/infopath/2007/PartnerControls"/>
+    </ImageTagsTaxHTField>
+    <TaxCatchAll xmlns="230e9df3-be65-4c73-a93b-d1236ebd677e" xsi:nil="true"/>
+    <MediaServiceKeyPoints xmlns="71af3243-3dd4-4a8d-8c0d-dd76da1f02a5" xsi:nil="true"/>
+  </documentManagement>
+</p:properties>
+</file>
+
+<file path=customXml/item3.xml><?xml version="1.0" encoding="utf-8"?>
 <ct:contentTypeSchema xmlns:ct="http://schemas.microsoft.com/office/2006/metadata/contentType" xmlns:ma="http://schemas.microsoft.com/office/2006/metadata/properties/metaAttributes" ct:_="" ma:_="" ma:contentTypeName="Document" ma:contentTypeID="0x01010079F111ED35F8CC479449609E8A0923A6" ma:contentTypeVersion="28" ma:contentTypeDescription="Create a new document." ma:contentTypeScope="" ma:versionID="60f5a4f2d2b0abadcf532d48ebf9cb71">
   <xsd:schema xmlns:xsd="http://www.w3.org/2001/XMLSchema" xmlns:xs="http://www.w3.org/2001/XMLSchema" xmlns:p="http://schemas.microsoft.com/office/2006/metadata/properties" xmlns:ns1="http://schemas.microsoft.com/sharepoint/v3" xmlns:ns2="71af3243-3dd4-4a8d-8c0d-dd76da1f02a5" xmlns:ns3="16c05727-aa75-4e4a-9b5f-8a80a1165891" xmlns:ns4="230e9df3-be65-4c73-a93b-d1236ebd677e" targetNamespace="http://schemas.microsoft.com/office/2006/metadata/properties" ma:root="true" ma:fieldsID="7dd78129e6a1811f84807ad11c651531" ns1:_="" ns2:_="" ns3:_="" ns4:_="">
     <xsd:import namespace="http://schemas.microsoft.com/sharepoint/v3"/>
@@ -20487,26 +16690,6 @@
 </ct:contentTypeSchema>
 </file>
 
-<file path=customXml/item3.xml><?xml version="1.0" encoding="utf-8"?>
-<p:properties xmlns:p="http://schemas.microsoft.com/office/2006/metadata/properties" xmlns:xsi="http://www.w3.org/2001/XMLSchema-instance" xmlns:pc="http://schemas.microsoft.com/office/infopath/2007/PartnerControls">
-  <documentManagement>
-    <_ip_UnifiedCompliancePolicyUIAction xmlns="http://schemas.microsoft.com/sharepoint/v3" xsi:nil="true"/>
-    <Image xmlns="71af3243-3dd4-4a8d-8c0d-dd76da1f02a5">
-      <Url xsi:nil="true"/>
-      <Description xsi:nil="true"/>
-    </Image>
-    <Status xmlns="71af3243-3dd4-4a8d-8c0d-dd76da1f02a5">Not started</Status>
-    <Background xmlns="71af3243-3dd4-4a8d-8c0d-dd76da1f02a5">false</Background>
-    <_ip_UnifiedCompliancePolicyProperties xmlns="http://schemas.microsoft.com/sharepoint/v3" xsi:nil="true"/>
-    <ImageTagsTaxHTField xmlns="71af3243-3dd4-4a8d-8c0d-dd76da1f02a5">
-      <Terms xmlns="http://schemas.microsoft.com/office/infopath/2007/PartnerControls"/>
-    </ImageTagsTaxHTField>
-    <TaxCatchAll xmlns="230e9df3-be65-4c73-a93b-d1236ebd677e" xsi:nil="true"/>
-    <MediaServiceKeyPoints xmlns="71af3243-3dd4-4a8d-8c0d-dd76da1f02a5" xsi:nil="true"/>
-  </documentManagement>
-</p:properties>
-</file>
-
 <file path=customXml/itemProps1.xml><?xml version="1.0" encoding="utf-8"?>
 <ds:datastoreItem xmlns:ds="http://schemas.openxmlformats.org/officeDocument/2006/customXml" ds:itemID="{B7B39BD0-040C-43BE-B0E4-512B09E8003F}">
   <ds:schemaRefs>
@@ -20516,6 +16699,25 @@
 </file>
 
 <file path=customXml/itemProps2.xml><?xml version="1.0" encoding="utf-8"?>
+<ds:datastoreItem xmlns:ds="http://schemas.openxmlformats.org/officeDocument/2006/customXml" ds:itemID="{AB045227-5724-4DBF-9712-031B1BFB2C3C}">
+  <ds:schemaRefs>
+    <ds:schemaRef ds:uri="http://purl.org/dc/elements/1.1/"/>
+    <ds:schemaRef ds:uri="http://schemas.microsoft.com/office/2006/metadata/properties"/>
+    <ds:schemaRef ds:uri="http://schemas.microsoft.com/office/infopath/2007/PartnerControls"/>
+    <ds:schemaRef ds:uri="230e9df3-be65-4c73-a93b-d1236ebd677e"/>
+    <ds:schemaRef ds:uri="http://purl.org/dc/dcmitype/"/>
+    <ds:schemaRef ds:uri="http://schemas.openxmlformats.org/package/2006/metadata/core-properties"/>
+    <ds:schemaRef ds:uri="http://www.w3.org/XML/1998/namespace"/>
+    <ds:schemaRef ds:uri="16c05727-aa75-4e4a-9b5f-8a80a1165891"/>
+    <ds:schemaRef ds:uri="http://schemas.microsoft.com/office/2006/documentManagement/types"/>
+    <ds:schemaRef ds:uri="71af3243-3dd4-4a8d-8c0d-dd76da1f02a5"/>
+    <ds:schemaRef ds:uri="http://schemas.microsoft.com/sharepoint/v3"/>
+    <ds:schemaRef ds:uri="http://purl.org/dc/terms/"/>
+  </ds:schemaRefs>
+</ds:datastoreItem>
+</file>
+
+<file path=customXml/itemProps3.xml><?xml version="1.0" encoding="utf-8"?>
 <ds:datastoreItem xmlns:ds="http://schemas.openxmlformats.org/officeDocument/2006/customXml" ds:itemID="{622457D9-12AC-4794-A05E-F1B90FCD8DA7}">
   <ds:schemaRefs>
     <ds:schemaRef ds:uri="http://schemas.microsoft.com/office/2006/metadata/contentType"/>
@@ -20536,18 +16738,6 @@
 </ds:datastoreItem>
 </file>
 
-<file path=customXml/itemProps3.xml><?xml version="1.0" encoding="utf-8"?>
-<ds:datastoreItem xmlns:ds="http://schemas.openxmlformats.org/officeDocument/2006/customXml" ds:itemID="{AB045227-5724-4DBF-9712-031B1BFB2C3C}">
-  <ds:schemaRefs>
-    <ds:schemaRef ds:uri="http://schemas.microsoft.com/office/2006/metadata/properties"/>
-    <ds:schemaRef ds:uri="http://schemas.microsoft.com/office/infopath/2007/PartnerControls"/>
-    <ds:schemaRef ds:uri="http://schemas.microsoft.com/sharepoint/v3"/>
-    <ds:schemaRef ds:uri="71af3243-3dd4-4a8d-8c0d-dd76da1f02a5"/>
-    <ds:schemaRef ds:uri="230e9df3-be65-4c73-a93b-d1236ebd677e"/>
-  </ds:schemaRefs>
-</ds:datastoreItem>
-</file>
-
 <file path=docMetadata/LabelInfo.xml><?xml version="1.0" encoding="utf-8"?>
 <clbl:labelList xmlns:clbl="http://schemas.microsoft.com/office/2020/mipLabelMetadata"/>
 </file>